--- a/语音处理/TTS入门2.pptx
+++ b/语音处理/TTS入门2.pptx
@@ -281,7 +281,7 @@
           <a:p>
             <a:fld id="{7D992E2B-DF6A-4357-9038-70C7EFA6D81D}" type="datetimeFigureOut">
               <a:rPr lang="zh-CN" altLang="en-US" smtClean="0"/>
-              <a:t>2023/11/17</a:t>
+              <a:t>2023/11/20</a:t>
             </a:fld>
             <a:endParaRPr lang="zh-CN" altLang="en-US"/>
           </a:p>
@@ -451,7 +451,7 @@
           <a:p>
             <a:fld id="{7D992E2B-DF6A-4357-9038-70C7EFA6D81D}" type="datetimeFigureOut">
               <a:rPr lang="zh-CN" altLang="en-US" smtClean="0"/>
-              <a:t>2023/11/17</a:t>
+              <a:t>2023/11/20</a:t>
             </a:fld>
             <a:endParaRPr lang="zh-CN" altLang="en-US"/>
           </a:p>
@@ -631,7 +631,7 @@
           <a:p>
             <a:fld id="{7D992E2B-DF6A-4357-9038-70C7EFA6D81D}" type="datetimeFigureOut">
               <a:rPr lang="zh-CN" altLang="en-US" smtClean="0"/>
-              <a:t>2023/11/17</a:t>
+              <a:t>2023/11/20</a:t>
             </a:fld>
             <a:endParaRPr lang="zh-CN" altLang="en-US"/>
           </a:p>
@@ -801,7 +801,7 @@
           <a:p>
             <a:fld id="{7D992E2B-DF6A-4357-9038-70C7EFA6D81D}" type="datetimeFigureOut">
               <a:rPr lang="zh-CN" altLang="en-US" smtClean="0"/>
-              <a:t>2023/11/17</a:t>
+              <a:t>2023/11/20</a:t>
             </a:fld>
             <a:endParaRPr lang="zh-CN" altLang="en-US"/>
           </a:p>
@@ -1069,7 +1069,7 @@
           <a:p>
             <a:fld id="{7D992E2B-DF6A-4357-9038-70C7EFA6D81D}" type="datetimeFigureOut">
               <a:rPr lang="zh-CN" altLang="en-US" smtClean="0"/>
-              <a:t>2023/11/17</a:t>
+              <a:t>2023/11/20</a:t>
             </a:fld>
             <a:endParaRPr lang="zh-CN" altLang="en-US"/>
           </a:p>
@@ -1301,7 +1301,7 @@
           <a:p>
             <a:fld id="{7D992E2B-DF6A-4357-9038-70C7EFA6D81D}" type="datetimeFigureOut">
               <a:rPr lang="zh-CN" altLang="en-US" smtClean="0"/>
-              <a:t>2023/11/17</a:t>
+              <a:t>2023/11/20</a:t>
             </a:fld>
             <a:endParaRPr lang="zh-CN" altLang="en-US"/>
           </a:p>
@@ -1660,7 +1660,7 @@
           <a:p>
             <a:fld id="{7D992E2B-DF6A-4357-9038-70C7EFA6D81D}" type="datetimeFigureOut">
               <a:rPr lang="zh-CN" altLang="en-US" smtClean="0"/>
-              <a:t>2023/11/17</a:t>
+              <a:t>2023/11/20</a:t>
             </a:fld>
             <a:endParaRPr lang="zh-CN" altLang="en-US"/>
           </a:p>
@@ -1801,7 +1801,7 @@
           <a:p>
             <a:fld id="{7D992E2B-DF6A-4357-9038-70C7EFA6D81D}" type="datetimeFigureOut">
               <a:rPr lang="zh-CN" altLang="en-US" smtClean="0"/>
-              <a:t>2023/11/17</a:t>
+              <a:t>2023/11/20</a:t>
             </a:fld>
             <a:endParaRPr lang="zh-CN" altLang="en-US"/>
           </a:p>
@@ -1896,7 +1896,7 @@
           <a:p>
             <a:fld id="{7D992E2B-DF6A-4357-9038-70C7EFA6D81D}" type="datetimeFigureOut">
               <a:rPr lang="zh-CN" altLang="en-US" smtClean="0"/>
-              <a:t>2023/11/17</a:t>
+              <a:t>2023/11/20</a:t>
             </a:fld>
             <a:endParaRPr lang="zh-CN" altLang="en-US"/>
           </a:p>
@@ -2253,7 +2253,7 @@
           <a:p>
             <a:fld id="{7D992E2B-DF6A-4357-9038-70C7EFA6D81D}" type="datetimeFigureOut">
               <a:rPr lang="zh-CN" altLang="en-US" smtClean="0"/>
-              <a:t>2023/11/17</a:t>
+              <a:t>2023/11/20</a:t>
             </a:fld>
             <a:endParaRPr lang="zh-CN" altLang="en-US"/>
           </a:p>
@@ -2610,7 +2610,7 @@
           <a:p>
             <a:fld id="{7D992E2B-DF6A-4357-9038-70C7EFA6D81D}" type="datetimeFigureOut">
               <a:rPr lang="zh-CN" altLang="en-US" smtClean="0"/>
-              <a:t>2023/11/17</a:t>
+              <a:t>2023/11/20</a:t>
             </a:fld>
             <a:endParaRPr lang="zh-CN" altLang="en-US"/>
           </a:p>
@@ -2852,7 +2852,7 @@
           <a:p>
             <a:fld id="{7D992E2B-DF6A-4357-9038-70C7EFA6D81D}" type="datetimeFigureOut">
               <a:rPr lang="zh-CN" altLang="en-US" smtClean="0"/>
-              <a:t>2023/11/17</a:t>
+              <a:t>2023/11/20</a:t>
             </a:fld>
             <a:endParaRPr lang="zh-CN" altLang="en-US"/>
           </a:p>
@@ -5986,67 +5986,421 @@
           <a:p>
             <a:r>
               <a:rPr lang="zh-CN" altLang="en-US" dirty="0"/>
-              <a:t>今日未完成内容</a:t>
-            </a:r>
-          </a:p>
-        </p:txBody>
-      </p:sp>
-      <p:sp>
-        <p:nvSpPr>
-          <p:cNvPr id="3" name="内容占位符 2">
-            <a:extLst>
-              <a:ext uri="{FF2B5EF4-FFF2-40B4-BE49-F238E27FC236}">
-                <a16:creationId xmlns:a16="http://schemas.microsoft.com/office/drawing/2014/main" id="{627BEB56-02F9-40FF-942F-9AFA22622D53}"/>
-              </a:ext>
-            </a:extLst>
-          </p:cNvPr>
-          <p:cNvSpPr>
-            <a:spLocks noGrp="1"/>
-          </p:cNvSpPr>
-          <p:nvPr>
-            <p:ph idx="1"/>
-          </p:nvPr>
-        </p:nvSpPr>
-        <p:spPr>
-          <a:xfrm>
-            <a:off x="576997" y="1744193"/>
-            <a:ext cx="10981430" cy="4765565"/>
-          </a:xfrm>
-        </p:spPr>
-        <p:txBody>
-          <a:bodyPr/>
-          <a:lstStyle/>
-          <a:p>
-            <a:r>
-              <a:rPr lang="zh-CN" altLang="en-US" dirty="0"/>
-              <a:t>连续统假设</a:t>
-            </a:r>
-            <a:endParaRPr lang="en-US" altLang="zh-CN" dirty="0"/>
-          </a:p>
-          <a:p>
-            <a:r>
-              <a:rPr lang="zh-CN" altLang="en-US" dirty="0"/>
-              <a:t>类型论</a:t>
-            </a:r>
-            <a:r>
-              <a:rPr lang="en-US" altLang="zh-CN" dirty="0"/>
-              <a:t>-</a:t>
-            </a:r>
-            <a:r>
-              <a:rPr lang="zh-CN" altLang="en-US" dirty="0"/>
-              <a:t>集合论</a:t>
-            </a:r>
-            <a:r>
-              <a:rPr lang="en-US" altLang="zh-CN" dirty="0"/>
-              <a:t>-</a:t>
-            </a:r>
-            <a:r>
-              <a:rPr lang="zh-CN" altLang="en-US" dirty="0"/>
-              <a:t>模型论</a:t>
-            </a:r>
-          </a:p>
-        </p:txBody>
-      </p:sp>
+              <a:t>今日待办</a:t>
+            </a:r>
+          </a:p>
+        </p:txBody>
+      </p:sp>
+      <mc:AlternateContent xmlns:mc="http://schemas.openxmlformats.org/markup-compatibility/2006">
+        <mc:Choice xmlns:a14="http://schemas.microsoft.com/office/drawing/2010/main" Requires="a14">
+          <p:sp>
+            <p:nvSpPr>
+              <p:cNvPr id="3" name="内容占位符 2">
+                <a:extLst>
+                  <a:ext uri="{FF2B5EF4-FFF2-40B4-BE49-F238E27FC236}">
+                    <a16:creationId xmlns:a16="http://schemas.microsoft.com/office/drawing/2014/main" id="{627BEB56-02F9-40FF-942F-9AFA22622D53}"/>
+                  </a:ext>
+                </a:extLst>
+              </p:cNvPr>
+              <p:cNvSpPr>
+                <a:spLocks noGrp="1"/>
+              </p:cNvSpPr>
+              <p:nvPr>
+                <p:ph idx="1"/>
+              </p:nvPr>
+            </p:nvSpPr>
+            <p:spPr>
+              <a:xfrm>
+                <a:off x="576997" y="1744193"/>
+                <a:ext cx="10981430" cy="4765565"/>
+              </a:xfrm>
+            </p:spPr>
+            <p:txBody>
+              <a:bodyPr/>
+              <a:lstStyle/>
+              <a:p>
+                <a:r>
+                  <a:rPr lang="zh-CN" altLang="en-US" dirty="0">
+                    <a:solidFill>
+                      <a:schemeClr val="accent2">
+                        <a:lumMod val="50000"/>
+                      </a:schemeClr>
+                    </a:solidFill>
+                  </a:rPr>
+                  <a:t>连续统假设</a:t>
+                </a:r>
+                <a:r>
+                  <a:rPr lang="zh-CN" altLang="en-US" dirty="0"/>
+                  <a:t>：不存在基数在自然数集的基数</a:t>
+                </a:r>
+                <a:r>
+                  <a:rPr lang="en-US" altLang="zh-CN" dirty="0"/>
+                  <a:t>(</a:t>
+                </a:r>
+                <a14:m>
+                  <m:oMath xmlns:m="http://schemas.openxmlformats.org/officeDocument/2006/math">
+                    <m:sSub>
+                      <m:sSubPr>
+                        <m:ctrlPr>
+                          <a:rPr lang="en-US" altLang="zh-CN" i="1" smtClean="0">
+                            <a:latin typeface="Cambria Math" panose="02040503050406030204" pitchFamily="18" charset="0"/>
+                          </a:rPr>
+                        </m:ctrlPr>
+                      </m:sSubPr>
+                      <m:e>
+                        <m:r>
+                          <a:rPr lang="en-US" altLang="zh-CN" i="1" smtClean="0">
+                            <a:latin typeface="Cambria Math" panose="02040503050406030204" pitchFamily="18" charset="0"/>
+                            <a:ea typeface="Cambria Math" panose="02040503050406030204" pitchFamily="18" charset="0"/>
+                          </a:rPr>
+                          <m:t>ℵ</m:t>
+                        </m:r>
+                      </m:e>
+                      <m:sub>
+                        <m:r>
+                          <a:rPr lang="en-US" altLang="zh-CN" b="0" i="1" smtClean="0">
+                            <a:latin typeface="Cambria Math" panose="02040503050406030204" pitchFamily="18" charset="0"/>
+                          </a:rPr>
+                          <m:t>0</m:t>
+                        </m:r>
+                      </m:sub>
+                    </m:sSub>
+                  </m:oMath>
+                </a14:m>
+                <a:r>
+                  <a:rPr lang="en-US" altLang="zh-CN" dirty="0"/>
+                  <a:t>)</a:t>
+                </a:r>
+                <a:r>
+                  <a:rPr lang="zh-CN" altLang="en-US" dirty="0"/>
+                  <a:t>和实数集（连续统）的基数之间的无限集</a:t>
+                </a:r>
+                <a:r>
+                  <a:rPr lang="en-US" altLang="zh-CN" dirty="0"/>
+                  <a:t>.</a:t>
+                </a:r>
+              </a:p>
+              <a:p>
+                <a:pPr lvl="1"/>
+                <a:r>
+                  <a:rPr lang="zh-CN" altLang="en-US" dirty="0">
+                    <a:solidFill>
+                      <a:schemeClr val="accent2">
+                        <a:lumMod val="75000"/>
+                      </a:schemeClr>
+                    </a:solidFill>
+                  </a:rPr>
+                  <a:t>相关概念</a:t>
+                </a:r>
+                <a:r>
+                  <a:rPr lang="zh-CN" altLang="en-US" dirty="0"/>
+                  <a:t>：</a:t>
+                </a:r>
+                <a14:m>
+                  <m:oMath xmlns:m="http://schemas.openxmlformats.org/officeDocument/2006/math">
+                    <m:sSup>
+                      <m:sSupPr>
+                        <m:ctrlPr>
+                          <a:rPr lang="en-US" altLang="zh-CN" i="1" smtClean="0">
+                            <a:latin typeface="Cambria Math" panose="02040503050406030204" pitchFamily="18" charset="0"/>
+                          </a:rPr>
+                        </m:ctrlPr>
+                      </m:sSupPr>
+                      <m:e>
+                        <m:r>
+                          <a:rPr lang="zh-CN" altLang="en-US" i="1">
+                            <a:latin typeface="Cambria Math" panose="02040503050406030204" pitchFamily="18" charset="0"/>
+                          </a:rPr>
+                          <m:t>实数集</m:t>
+                        </m:r>
+                        <m:r>
+                          <a:rPr lang="zh-CN" altLang="en-US" i="1" smtClean="0">
+                            <a:latin typeface="Cambria Math" panose="02040503050406030204" pitchFamily="18" charset="0"/>
+                          </a:rPr>
+                          <m:t>的</m:t>
+                        </m:r>
+                        <m:r>
+                          <a:rPr lang="zh-CN" altLang="en-US" i="1">
+                            <a:latin typeface="Cambria Math" panose="02040503050406030204" pitchFamily="18" charset="0"/>
+                          </a:rPr>
+                          <m:t>基数</m:t>
+                        </m:r>
+                        <m:r>
+                          <a:rPr lang="zh-CN" altLang="en-US" i="1" smtClean="0">
+                            <a:latin typeface="Cambria Math" panose="02040503050406030204" pitchFamily="18" charset="0"/>
+                          </a:rPr>
+                          <m:t>：</m:t>
+                        </m:r>
+                        <m:r>
+                          <a:rPr lang="en-US" altLang="zh-CN" b="0" i="1" smtClean="0">
+                            <a:latin typeface="Cambria Math" panose="02040503050406030204" pitchFamily="18" charset="0"/>
+                          </a:rPr>
+                          <m:t>2</m:t>
+                        </m:r>
+                      </m:e>
+                      <m:sup>
+                        <m:sSub>
+                          <m:sSubPr>
+                            <m:ctrlPr>
+                              <a:rPr lang="en-US" altLang="zh-CN" i="1" smtClean="0">
+                                <a:latin typeface="Cambria Math" panose="02040503050406030204" pitchFamily="18" charset="0"/>
+                              </a:rPr>
+                            </m:ctrlPr>
+                          </m:sSubPr>
+                          <m:e>
+                            <m:r>
+                              <a:rPr lang="en-US" altLang="zh-CN" i="1" smtClean="0">
+                                <a:latin typeface="Cambria Math" panose="02040503050406030204" pitchFamily="18" charset="0"/>
+                                <a:ea typeface="Cambria Math" panose="02040503050406030204" pitchFamily="18" charset="0"/>
+                              </a:rPr>
+                              <m:t>ℵ</m:t>
+                            </m:r>
+                          </m:e>
+                          <m:sub>
+                            <m:r>
+                              <a:rPr lang="en-US" altLang="zh-CN" b="0" i="1" smtClean="0">
+                                <a:latin typeface="Cambria Math" panose="02040503050406030204" pitchFamily="18" charset="0"/>
+                              </a:rPr>
+                              <m:t>0</m:t>
+                            </m:r>
+                          </m:sub>
+                        </m:sSub>
+                      </m:sup>
+                    </m:sSup>
+                    <m:r>
+                      <a:rPr lang="zh-CN" altLang="en-US" i="1">
+                        <a:latin typeface="Cambria Math" panose="02040503050406030204" pitchFamily="18" charset="0"/>
+                      </a:rPr>
+                      <m:t>（</m:t>
+                    </m:r>
+                  </m:oMath>
+                </a14:m>
+                <a:r>
+                  <a:rPr lang="zh-CN" altLang="en-US" dirty="0"/>
+                  <a:t>每个元素都有两种可能性：存在于某个子集中和不存在于某个子集中）；</a:t>
+                </a:r>
+                <a:endParaRPr lang="en-US" altLang="zh-CN" dirty="0"/>
+              </a:p>
+              <a:p>
+                <a:pPr lvl="2"/>
+                <a:r>
+                  <a:rPr lang="zh-CN" altLang="en-US" dirty="0"/>
+                  <a:t>任何集合的基数都严格小于其幂集的基数，因此自然数的幂集不可数</a:t>
+                </a:r>
+                <a:endParaRPr lang="en-US" altLang="zh-CN" dirty="0"/>
+              </a:p>
+              <a:p>
+                <a:pPr lvl="2"/>
+                <a:r>
+                  <a:rPr lang="zh-CN" altLang="en-US" dirty="0"/>
+                  <a:t>连续统假设由康托尔（</a:t>
+                </a:r>
+                <a:r>
+                  <a:rPr lang="en-US" altLang="zh-CN" dirty="0"/>
+                  <a:t>1787</a:t>
+                </a:r>
+                <a:r>
+                  <a:rPr lang="zh-CN" altLang="en-US" dirty="0"/>
+                  <a:t>）提出，后又被希尔伯特于</a:t>
+                </a:r>
+                <a:r>
+                  <a:rPr lang="en-US" altLang="zh-CN" dirty="0"/>
+                  <a:t>1900</a:t>
+                </a:r>
+                <a:r>
+                  <a:rPr lang="zh-CN" altLang="en-US" dirty="0"/>
+                  <a:t>年放入其</a:t>
+                </a:r>
+                <a:r>
+                  <a:rPr lang="en-US" altLang="zh-CN" dirty="0"/>
+                  <a:t>23</a:t>
+                </a:r>
+                <a:r>
+                  <a:rPr lang="zh-CN" altLang="en-US" dirty="0"/>
+                  <a:t>个问题中，设被哥德尔（</a:t>
+                </a:r>
+                <a:r>
+                  <a:rPr lang="en-US" altLang="zh-CN" dirty="0"/>
+                  <a:t>1940</a:t>
+                </a:r>
+                <a:r>
+                  <a:rPr lang="zh-CN" altLang="en-US" dirty="0"/>
+                  <a:t>）和科恩（</a:t>
+                </a:r>
+                <a:r>
+                  <a:rPr lang="en-US" altLang="zh-CN" dirty="0"/>
+                  <a:t>1963</a:t>
+                </a:r>
+                <a:r>
+                  <a:rPr lang="zh-CN" altLang="en-US" dirty="0"/>
+                  <a:t>）证伪。该假设的解与</a:t>
+                </a:r>
+                <a:r>
+                  <a:rPr lang="en-US" altLang="zh-CN" dirty="0"/>
+                  <a:t>ZFC</a:t>
+                </a:r>
+                <a:r>
+                  <a:rPr lang="zh-CN" altLang="en-US" dirty="0"/>
+                  <a:t>无关。</a:t>
+                </a:r>
+                <a:endParaRPr lang="en-US" altLang="zh-CN" dirty="0"/>
+              </a:p>
+              <a:p>
+                <a:pPr lvl="2"/>
+                <a:r>
+                  <a:rPr lang="en-US" altLang="zh-CN" dirty="0"/>
+                  <a:t>ZFC</a:t>
+                </a:r>
+                <a:r>
+                  <a:rPr lang="zh-CN" altLang="en-US" dirty="0"/>
+                  <a:t>：策梅洛</a:t>
+                </a:r>
+                <a:r>
+                  <a:rPr lang="en-US" altLang="zh-CN" dirty="0"/>
+                  <a:t>·</a:t>
+                </a:r>
+                <a:r>
+                  <a:rPr lang="zh-CN" altLang="en-US" dirty="0"/>
+                  <a:t>弗兰克尔集合论</a:t>
+                </a:r>
+                <a:r>
+                  <a:rPr lang="en-US" altLang="zh-CN" dirty="0"/>
+                  <a:t>+</a:t>
+                </a:r>
+                <a:r>
+                  <a:rPr lang="zh-CN" altLang="en-US" dirty="0"/>
+                  <a:t>选择公理（无选择公理时为</a:t>
+                </a:r>
+                <a:r>
+                  <a:rPr lang="en-US" altLang="zh-CN" dirty="0"/>
+                  <a:t>ZF</a:t>
+                </a:r>
+                <a:r>
+                  <a:rPr lang="zh-CN" altLang="en-US" dirty="0"/>
+                  <a:t>）。该集合论旨在构建一个无悖论的公理系统。</a:t>
+                </a:r>
+                <a:endParaRPr lang="en-US" altLang="zh-CN" dirty="0"/>
+              </a:p>
+              <a:p>
+                <a:r>
+                  <a:rPr lang="zh-CN" altLang="en-US" dirty="0">
+                    <a:solidFill>
+                      <a:schemeClr val="accent2">
+                        <a:lumMod val="50000"/>
+                      </a:schemeClr>
+                    </a:solidFill>
+                  </a:rPr>
+                  <a:t>类型论</a:t>
+                </a:r>
+                <a:r>
+                  <a:rPr lang="en-US" altLang="zh-CN" dirty="0">
+                    <a:solidFill>
+                      <a:schemeClr val="accent2">
+                        <a:lumMod val="50000"/>
+                      </a:schemeClr>
+                    </a:solidFill>
+                  </a:rPr>
+                  <a:t>-</a:t>
+                </a:r>
+                <a:r>
+                  <a:rPr lang="zh-CN" altLang="en-US" dirty="0">
+                    <a:solidFill>
+                      <a:schemeClr val="accent2">
+                        <a:lumMod val="50000"/>
+                      </a:schemeClr>
+                    </a:solidFill>
+                  </a:rPr>
+                  <a:t>集合论</a:t>
+                </a:r>
+                <a:r>
+                  <a:rPr lang="en-US" altLang="zh-CN" dirty="0">
+                    <a:solidFill>
+                      <a:schemeClr val="accent2">
+                        <a:lumMod val="50000"/>
+                      </a:schemeClr>
+                    </a:solidFill>
+                  </a:rPr>
+                  <a:t>-</a:t>
+                </a:r>
+                <a:r>
+                  <a:rPr lang="zh-CN" altLang="en-US" dirty="0">
+                    <a:solidFill>
+                      <a:schemeClr val="accent2">
+                        <a:lumMod val="50000"/>
+                      </a:schemeClr>
+                    </a:solidFill>
+                  </a:rPr>
+                  <a:t>模型论</a:t>
+                </a:r>
+                <a:r>
+                  <a:rPr lang="zh-CN" altLang="en-US" dirty="0"/>
+                  <a:t>：</a:t>
+                </a:r>
+                <a:endParaRPr lang="en-US" altLang="zh-CN" dirty="0"/>
+              </a:p>
+              <a:p>
+                <a:r>
+                  <a:rPr lang="zh-CN" altLang="en-US" dirty="0">
+                    <a:solidFill>
+                      <a:schemeClr val="accent2">
+                        <a:lumMod val="50000"/>
+                      </a:schemeClr>
+                    </a:solidFill>
+                  </a:rPr>
+                  <a:t>科学与技术的关系</a:t>
+                </a:r>
+                <a:r>
+                  <a:rPr lang="zh-CN" altLang="en-US" dirty="0"/>
+                  <a:t>：</a:t>
+                </a:r>
+              </a:p>
+            </p:txBody>
+          </p:sp>
+        </mc:Choice>
+        <mc:Fallback>
+          <p:sp>
+            <p:nvSpPr>
+              <p:cNvPr id="3" name="内容占位符 2">
+                <a:extLst>
+                  <a:ext uri="{FF2B5EF4-FFF2-40B4-BE49-F238E27FC236}">
+                    <a16:creationId xmlns:a16="http://schemas.microsoft.com/office/drawing/2014/main" id="{627BEB56-02F9-40FF-942F-9AFA22622D53}"/>
+                  </a:ext>
+                </a:extLst>
+              </p:cNvPr>
+              <p:cNvSpPr>
+                <a:spLocks noGrp="1" noRot="1" noChangeAspect="1" noMove="1" noResize="1" noEditPoints="1" noAdjustHandles="1" noChangeArrowheads="1" noChangeShapeType="1" noTextEdit="1"/>
+              </p:cNvSpPr>
+              <p:nvPr>
+                <p:ph idx="1"/>
+              </p:nvPr>
+            </p:nvSpPr>
+            <p:spPr>
+              <a:xfrm>
+                <a:off x="576997" y="1744193"/>
+                <a:ext cx="10981430" cy="4765565"/>
+              </a:xfrm>
+              <a:blipFill>
+                <a:blip r:embed="rId2"/>
+                <a:stretch>
+                  <a:fillRect l="-389" t="-639"/>
+                </a:stretch>
+              </a:blipFill>
+            </p:spPr>
+            <p:txBody>
+              <a:bodyPr/>
+              <a:lstStyle/>
+              <a:p>
+                <a:r>
+                  <a:rPr lang="zh-CN" altLang="en-US">
+                    <a:noFill/>
+                  </a:rPr>
+                  <a:t> </a:t>
+                </a:r>
+              </a:p>
+            </p:txBody>
+          </p:sp>
+        </mc:Fallback>
+      </mc:AlternateContent>
     </p:spTree>
     <p:extLst>
       <p:ext uri="{BB962C8B-B14F-4D97-AF65-F5344CB8AC3E}">

--- a/语音处理/TTS入门2.pptx
+++ b/语音处理/TTS入门2.pptx
@@ -10,8 +10,14 @@
     <p:sldId id="258" r:id="rId4"/>
     <p:sldId id="259" r:id="rId5"/>
     <p:sldId id="260" r:id="rId6"/>
-    <p:sldId id="262" r:id="rId7"/>
-    <p:sldId id="261" r:id="rId8"/>
+    <p:sldId id="267" r:id="rId7"/>
+    <p:sldId id="268" r:id="rId8"/>
+    <p:sldId id="262" r:id="rId9"/>
+    <p:sldId id="265" r:id="rId10"/>
+    <p:sldId id="266" r:id="rId11"/>
+    <p:sldId id="263" r:id="rId12"/>
+    <p:sldId id="264" r:id="rId13"/>
+    <p:sldId id="261" r:id="rId14"/>
   </p:sldIdLst>
   <p:sldSz cx="12192000" cy="6858000"/>
   <p:notesSz cx="6858000" cy="9144000"/>
@@ -281,7 +287,7 @@
           <a:p>
             <a:fld id="{7D992E2B-DF6A-4357-9038-70C7EFA6D81D}" type="datetimeFigureOut">
               <a:rPr lang="zh-CN" altLang="en-US" smtClean="0"/>
-              <a:t>2023/11/20</a:t>
+              <a:t>2023/11/21</a:t>
             </a:fld>
             <a:endParaRPr lang="zh-CN" altLang="en-US"/>
           </a:p>
@@ -451,7 +457,7 @@
           <a:p>
             <a:fld id="{7D992E2B-DF6A-4357-9038-70C7EFA6D81D}" type="datetimeFigureOut">
               <a:rPr lang="zh-CN" altLang="en-US" smtClean="0"/>
-              <a:t>2023/11/20</a:t>
+              <a:t>2023/11/21</a:t>
             </a:fld>
             <a:endParaRPr lang="zh-CN" altLang="en-US"/>
           </a:p>
@@ -631,7 +637,7 @@
           <a:p>
             <a:fld id="{7D992E2B-DF6A-4357-9038-70C7EFA6D81D}" type="datetimeFigureOut">
               <a:rPr lang="zh-CN" altLang="en-US" smtClean="0"/>
-              <a:t>2023/11/20</a:t>
+              <a:t>2023/11/21</a:t>
             </a:fld>
             <a:endParaRPr lang="zh-CN" altLang="en-US"/>
           </a:p>
@@ -801,7 +807,7 @@
           <a:p>
             <a:fld id="{7D992E2B-DF6A-4357-9038-70C7EFA6D81D}" type="datetimeFigureOut">
               <a:rPr lang="zh-CN" altLang="en-US" smtClean="0"/>
-              <a:t>2023/11/20</a:t>
+              <a:t>2023/11/21</a:t>
             </a:fld>
             <a:endParaRPr lang="zh-CN" altLang="en-US"/>
           </a:p>
@@ -1069,7 +1075,7 @@
           <a:p>
             <a:fld id="{7D992E2B-DF6A-4357-9038-70C7EFA6D81D}" type="datetimeFigureOut">
               <a:rPr lang="zh-CN" altLang="en-US" smtClean="0"/>
-              <a:t>2023/11/20</a:t>
+              <a:t>2023/11/21</a:t>
             </a:fld>
             <a:endParaRPr lang="zh-CN" altLang="en-US"/>
           </a:p>
@@ -1301,7 +1307,7 @@
           <a:p>
             <a:fld id="{7D992E2B-DF6A-4357-9038-70C7EFA6D81D}" type="datetimeFigureOut">
               <a:rPr lang="zh-CN" altLang="en-US" smtClean="0"/>
-              <a:t>2023/11/20</a:t>
+              <a:t>2023/11/21</a:t>
             </a:fld>
             <a:endParaRPr lang="zh-CN" altLang="en-US"/>
           </a:p>
@@ -1660,7 +1666,7 @@
           <a:p>
             <a:fld id="{7D992E2B-DF6A-4357-9038-70C7EFA6D81D}" type="datetimeFigureOut">
               <a:rPr lang="zh-CN" altLang="en-US" smtClean="0"/>
-              <a:t>2023/11/20</a:t>
+              <a:t>2023/11/21</a:t>
             </a:fld>
             <a:endParaRPr lang="zh-CN" altLang="en-US"/>
           </a:p>
@@ -1801,7 +1807,7 @@
           <a:p>
             <a:fld id="{7D992E2B-DF6A-4357-9038-70C7EFA6D81D}" type="datetimeFigureOut">
               <a:rPr lang="zh-CN" altLang="en-US" smtClean="0"/>
-              <a:t>2023/11/20</a:t>
+              <a:t>2023/11/21</a:t>
             </a:fld>
             <a:endParaRPr lang="zh-CN" altLang="en-US"/>
           </a:p>
@@ -1896,7 +1902,7 @@
           <a:p>
             <a:fld id="{7D992E2B-DF6A-4357-9038-70C7EFA6D81D}" type="datetimeFigureOut">
               <a:rPr lang="zh-CN" altLang="en-US" smtClean="0"/>
-              <a:t>2023/11/20</a:t>
+              <a:t>2023/11/21</a:t>
             </a:fld>
             <a:endParaRPr lang="zh-CN" altLang="en-US"/>
           </a:p>
@@ -2253,7 +2259,7 @@
           <a:p>
             <a:fld id="{7D992E2B-DF6A-4357-9038-70C7EFA6D81D}" type="datetimeFigureOut">
               <a:rPr lang="zh-CN" altLang="en-US" smtClean="0"/>
-              <a:t>2023/11/20</a:t>
+              <a:t>2023/11/21</a:t>
             </a:fld>
             <a:endParaRPr lang="zh-CN" altLang="en-US"/>
           </a:p>
@@ -2610,7 +2616,7 @@
           <a:p>
             <a:fld id="{7D992E2B-DF6A-4357-9038-70C7EFA6D81D}" type="datetimeFigureOut">
               <a:rPr lang="zh-CN" altLang="en-US" smtClean="0"/>
-              <a:t>2023/11/20</a:t>
+              <a:t>2023/11/21</a:t>
             </a:fld>
             <a:endParaRPr lang="zh-CN" altLang="en-US"/>
           </a:p>
@@ -2852,7 +2858,7 @@
           <a:p>
             <a:fld id="{7D992E2B-DF6A-4357-9038-70C7EFA6D81D}" type="datetimeFigureOut">
               <a:rPr lang="zh-CN" altLang="en-US" smtClean="0"/>
-              <a:t>2023/11/20</a:t>
+              <a:t>2023/11/21</a:t>
             </a:fld>
             <a:endParaRPr lang="zh-CN" altLang="en-US"/>
           </a:p>
@@ -3522,6 +3528,1155 @@
 </p:sld>
 </file>
 
+<file path=ppt/slides/slide10.xml><?xml version="1.0" encoding="utf-8"?>
+<p:sld xmlns:a="http://schemas.openxmlformats.org/drawingml/2006/main" xmlns:r="http://schemas.openxmlformats.org/officeDocument/2006/relationships" xmlns:p="http://schemas.openxmlformats.org/presentationml/2006/main">
+  <p:cSld>
+    <p:spTree>
+      <p:nvGrpSpPr>
+        <p:cNvPr id="1" name=""/>
+        <p:cNvGrpSpPr/>
+        <p:nvPr/>
+      </p:nvGrpSpPr>
+      <p:grpSpPr>
+        <a:xfrm>
+          <a:off x="0" y="0"/>
+          <a:ext cx="0" cy="0"/>
+          <a:chOff x="0" y="0"/>
+          <a:chExt cx="0" cy="0"/>
+        </a:xfrm>
+      </p:grpSpPr>
+      <p:sp>
+        <p:nvSpPr>
+          <p:cNvPr id="2" name="标题 1">
+            <a:extLst>
+              <a:ext uri="{FF2B5EF4-FFF2-40B4-BE49-F238E27FC236}">
+                <a16:creationId xmlns:a16="http://schemas.microsoft.com/office/drawing/2014/main" id="{2B89A5FC-0C04-4B43-97AD-A63162F72828}"/>
+              </a:ext>
+            </a:extLst>
+          </p:cNvPr>
+          <p:cNvSpPr>
+            <a:spLocks noGrp="1"/>
+          </p:cNvSpPr>
+          <p:nvPr>
+            <p:ph type="title"/>
+          </p:nvPr>
+        </p:nvSpPr>
+        <p:spPr>
+          <a:xfrm>
+            <a:off x="336884" y="293572"/>
+            <a:ext cx="11569566" cy="466824"/>
+          </a:xfrm>
+        </p:spPr>
+        <p:txBody>
+          <a:bodyPr>
+            <a:normAutofit fontScale="90000"/>
+          </a:bodyPr>
+          <a:lstStyle/>
+          <a:p>
+            <a:r>
+              <a:rPr lang="en-US" altLang="zh-CN" dirty="0">
+                <a:latin typeface="Times New Roman" panose="02020603050405020304" pitchFamily="18" charset="0"/>
+                <a:cs typeface="Times New Roman" panose="02020603050405020304" pitchFamily="18" charset="0"/>
+              </a:rPr>
+              <a:t>Von Neumann Universe</a:t>
+            </a:r>
+            <a:r>
+              <a:rPr lang="zh-CN" altLang="en-US" dirty="0">
+                <a:latin typeface="Times New Roman" panose="02020603050405020304" pitchFamily="18" charset="0"/>
+                <a:cs typeface="Times New Roman" panose="02020603050405020304" pitchFamily="18" charset="0"/>
+              </a:rPr>
+              <a:t>（</a:t>
+            </a:r>
+            <a:r>
+              <a:rPr lang="en-US" altLang="zh-CN" dirty="0">
+                <a:latin typeface="Times New Roman" panose="02020603050405020304" pitchFamily="18" charset="0"/>
+                <a:cs typeface="Times New Roman" panose="02020603050405020304" pitchFamily="18" charset="0"/>
+              </a:rPr>
+              <a:t>V</a:t>
+            </a:r>
+            <a:r>
+              <a:rPr lang="zh-CN" altLang="en-US" dirty="0">
+                <a:latin typeface="Times New Roman" panose="02020603050405020304" pitchFamily="18" charset="0"/>
+                <a:cs typeface="Times New Roman" panose="02020603050405020304" pitchFamily="18" charset="0"/>
+              </a:rPr>
+              <a:t>）</a:t>
+            </a:r>
+          </a:p>
+        </p:txBody>
+      </p:sp>
+      <p:sp>
+        <p:nvSpPr>
+          <p:cNvPr id="3" name="内容占位符 2">
+            <a:extLst>
+              <a:ext uri="{FF2B5EF4-FFF2-40B4-BE49-F238E27FC236}">
+                <a16:creationId xmlns:a16="http://schemas.microsoft.com/office/drawing/2014/main" id="{E4A8EC68-BD05-4E68-8C5B-07324922B6AB}"/>
+              </a:ext>
+            </a:extLst>
+          </p:cNvPr>
+          <p:cNvSpPr>
+            <a:spLocks noGrp="1"/>
+          </p:cNvSpPr>
+          <p:nvPr>
+            <p:ph idx="1"/>
+          </p:nvPr>
+        </p:nvSpPr>
+        <p:spPr>
+          <a:xfrm>
+            <a:off x="336884" y="1001027"/>
+            <a:ext cx="11569567" cy="5563401"/>
+          </a:xfrm>
+        </p:spPr>
+        <p:txBody>
+          <a:bodyPr>
+            <a:normAutofit/>
+          </a:bodyPr>
+          <a:lstStyle/>
+          <a:p>
+            <a:r>
+              <a:rPr lang="zh-CN" altLang="en-US" sz="2800" dirty="0">
+                <a:latin typeface="华文楷体" panose="02010600040101010101" pitchFamily="2" charset="-122"/>
+                <a:ea typeface="华文楷体" panose="02010600040101010101" pitchFamily="2" charset="-122"/>
+              </a:rPr>
+              <a:t>冯诺依曼全集</a:t>
+            </a:r>
+            <a:r>
+              <a:rPr lang="en-US" altLang="zh-CN" sz="2800" dirty="0">
+                <a:latin typeface="华文楷体" panose="02010600040101010101" pitchFamily="2" charset="-122"/>
+                <a:ea typeface="华文楷体" panose="02010600040101010101" pitchFamily="2" charset="-122"/>
+              </a:rPr>
+              <a:t>/</a:t>
+            </a:r>
+            <a:r>
+              <a:rPr lang="zh-CN" altLang="en-US" sz="2800" dirty="0">
+                <a:latin typeface="华文楷体" panose="02010600040101010101" pitchFamily="2" charset="-122"/>
+                <a:ea typeface="华文楷体" panose="02010600040101010101" pitchFamily="2" charset="-122"/>
+              </a:rPr>
+              <a:t>冯诺依曼集合层级：纯良基集构成的类（范畴）。</a:t>
+            </a:r>
+            <a:endParaRPr lang="en-US" altLang="zh-CN" sz="2800" dirty="0">
+              <a:latin typeface="华文楷体" panose="02010600040101010101" pitchFamily="2" charset="-122"/>
+              <a:ea typeface="华文楷体" panose="02010600040101010101" pitchFamily="2" charset="-122"/>
+            </a:endParaRPr>
+          </a:p>
+          <a:p>
+            <a:pPr lvl="1"/>
+            <a:r>
+              <a:rPr lang="zh-CN" altLang="en-US" sz="2400" dirty="0">
+                <a:latin typeface="华文楷体" panose="02010600040101010101" pitchFamily="2" charset="-122"/>
+                <a:ea typeface="华文楷体" panose="02010600040101010101" pitchFamily="2" charset="-122"/>
+              </a:rPr>
+              <a:t>良基关系：对于一个类</a:t>
+            </a:r>
+            <a:r>
+              <a:rPr lang="en-US" altLang="zh-CN" sz="2400" dirty="0">
+                <a:latin typeface="华文楷体" panose="02010600040101010101" pitchFamily="2" charset="-122"/>
+                <a:ea typeface="华文楷体" panose="02010600040101010101" pitchFamily="2" charset="-122"/>
+              </a:rPr>
+              <a:t>X</a:t>
+            </a:r>
+            <a:r>
+              <a:rPr lang="zh-CN" altLang="en-US" sz="2400" dirty="0">
+                <a:latin typeface="华文楷体" panose="02010600040101010101" pitchFamily="2" charset="-122"/>
+                <a:ea typeface="华文楷体" panose="02010600040101010101" pitchFamily="2" charset="-122"/>
+              </a:rPr>
+              <a:t>，其中任意一个非空子集</a:t>
+            </a:r>
+            <a:r>
+              <a:rPr lang="en-US" altLang="zh-CN" sz="2400" dirty="0">
+                <a:latin typeface="华文楷体" panose="02010600040101010101" pitchFamily="2" charset="-122"/>
+                <a:ea typeface="华文楷体" panose="02010600040101010101" pitchFamily="2" charset="-122"/>
+              </a:rPr>
+              <a:t>S</a:t>
+            </a:r>
+            <a:r>
+              <a:rPr lang="zh-CN" altLang="en-US" sz="2400" dirty="0">
+                <a:latin typeface="华文楷体" panose="02010600040101010101" pitchFamily="2" charset="-122"/>
+                <a:ea typeface="华文楷体" panose="02010600040101010101" pitchFamily="2" charset="-122"/>
+              </a:rPr>
+              <a:t>都有极小元。</a:t>
+            </a:r>
+            <a:endParaRPr lang="en-US" altLang="zh-CN" sz="2400" dirty="0">
+              <a:latin typeface="华文楷体" panose="02010600040101010101" pitchFamily="2" charset="-122"/>
+              <a:ea typeface="华文楷体" panose="02010600040101010101" pitchFamily="2" charset="-122"/>
+            </a:endParaRPr>
+          </a:p>
+          <a:p>
+            <a:pPr lvl="1"/>
+            <a:r>
+              <a:rPr lang="zh-CN" altLang="en-US" sz="2400" dirty="0">
+                <a:latin typeface="华文楷体" panose="02010600040101010101" pitchFamily="2" charset="-122"/>
+                <a:ea typeface="华文楷体" panose="02010600040101010101" pitchFamily="2" charset="-122"/>
+              </a:rPr>
+              <a:t>偏序关系（序理论）：元素有前后。严格偏序（无相等关系）</a:t>
+            </a:r>
+            <a:endParaRPr lang="en-US" altLang="zh-CN" sz="2400" dirty="0">
+              <a:latin typeface="华文楷体" panose="02010600040101010101" pitchFamily="2" charset="-122"/>
+              <a:ea typeface="华文楷体" panose="02010600040101010101" pitchFamily="2" charset="-122"/>
+            </a:endParaRPr>
+          </a:p>
+          <a:p>
+            <a:pPr lvl="1"/>
+            <a:r>
+              <a:rPr lang="zh-CN" altLang="en-US" sz="2400" dirty="0">
+                <a:latin typeface="华文楷体" panose="02010600040101010101" pitchFamily="2" charset="-122"/>
+                <a:ea typeface="华文楷体" panose="02010600040101010101" pitchFamily="2" charset="-122"/>
+              </a:rPr>
+              <a:t>良序关系就是良基关系的线性表达，因此对于一个集合</a:t>
+            </a:r>
+            <a:r>
+              <a:rPr lang="en-US" altLang="zh-CN" sz="2400" dirty="0">
+                <a:latin typeface="华文楷体" panose="02010600040101010101" pitchFamily="2" charset="-122"/>
+                <a:ea typeface="华文楷体" panose="02010600040101010101" pitchFamily="2" charset="-122"/>
+              </a:rPr>
+              <a:t>S</a:t>
+            </a:r>
+            <a:r>
+              <a:rPr lang="zh-CN" altLang="en-US" sz="2400" dirty="0">
+                <a:latin typeface="华文楷体" panose="02010600040101010101" pitchFamily="2" charset="-122"/>
+                <a:ea typeface="华文楷体" panose="02010600040101010101" pitchFamily="2" charset="-122"/>
+              </a:rPr>
+              <a:t>的线性表达，其中任意一个非空子集都有最小元。</a:t>
+            </a:r>
+            <a:endParaRPr lang="en-US" altLang="zh-CN" sz="2400" dirty="0">
+              <a:latin typeface="华文楷体" panose="02010600040101010101" pitchFamily="2" charset="-122"/>
+              <a:ea typeface="华文楷体" panose="02010600040101010101" pitchFamily="2" charset="-122"/>
+            </a:endParaRPr>
+          </a:p>
+          <a:p>
+            <a:pPr lvl="1"/>
+            <a:r>
+              <a:rPr lang="zh-CN" altLang="en-US" sz="2400" dirty="0">
+                <a:latin typeface="华文楷体" panose="02010600040101010101" pitchFamily="2" charset="-122"/>
+                <a:ea typeface="华文楷体" panose="02010600040101010101" pitchFamily="2" charset="-122"/>
+              </a:rPr>
+              <a:t>超限：大于所有有限</a:t>
+            </a:r>
+          </a:p>
+        </p:txBody>
+      </p:sp>
+    </p:spTree>
+    <p:extLst>
+      <p:ext uri="{BB962C8B-B14F-4D97-AF65-F5344CB8AC3E}">
+        <p14:creationId xmlns:p14="http://schemas.microsoft.com/office/powerpoint/2010/main" val="2627101931"/>
+      </p:ext>
+    </p:extLst>
+  </p:cSld>
+  <p:clrMapOvr>
+    <a:masterClrMapping/>
+  </p:clrMapOvr>
+</p:sld>
+</file>
+
+<file path=ppt/slides/slide11.xml><?xml version="1.0" encoding="utf-8"?>
+<p:sld xmlns:a="http://schemas.openxmlformats.org/drawingml/2006/main" xmlns:r="http://schemas.openxmlformats.org/officeDocument/2006/relationships" xmlns:p="http://schemas.openxmlformats.org/presentationml/2006/main">
+  <p:cSld>
+    <p:spTree>
+      <p:nvGrpSpPr>
+        <p:cNvPr id="1" name=""/>
+        <p:cNvGrpSpPr/>
+        <p:nvPr/>
+      </p:nvGrpSpPr>
+      <p:grpSpPr>
+        <a:xfrm>
+          <a:off x="0" y="0"/>
+          <a:ext cx="0" cy="0"/>
+          <a:chOff x="0" y="0"/>
+          <a:chExt cx="0" cy="0"/>
+        </a:xfrm>
+      </p:grpSpPr>
+      <p:sp>
+        <p:nvSpPr>
+          <p:cNvPr id="2" name="标题 1">
+            <a:extLst>
+              <a:ext uri="{FF2B5EF4-FFF2-40B4-BE49-F238E27FC236}">
+                <a16:creationId xmlns:a16="http://schemas.microsoft.com/office/drawing/2014/main" id="{A05A9092-85BF-47CE-BE01-0A598083ACF5}"/>
+              </a:ext>
+            </a:extLst>
+          </p:cNvPr>
+          <p:cNvSpPr>
+            <a:spLocks noGrp="1"/>
+          </p:cNvSpPr>
+          <p:nvPr>
+            <p:ph type="title"/>
+          </p:nvPr>
+        </p:nvSpPr>
+        <p:spPr>
+          <a:xfrm>
+            <a:off x="490887" y="380198"/>
+            <a:ext cx="11146055" cy="1188720"/>
+          </a:xfrm>
+        </p:spPr>
+        <p:txBody>
+          <a:bodyPr/>
+          <a:lstStyle/>
+          <a:p>
+            <a:r>
+              <a:rPr lang="zh-CN" altLang="en-US" dirty="0"/>
+              <a:t>集合论：偏序集</a:t>
+            </a:r>
+          </a:p>
+        </p:txBody>
+      </p:sp>
+      <mc:AlternateContent xmlns:mc="http://schemas.openxmlformats.org/markup-compatibility/2006">
+        <mc:Choice xmlns:a14="http://schemas.microsoft.com/office/drawing/2010/main" Requires="a14">
+          <p:sp>
+            <p:nvSpPr>
+              <p:cNvPr id="3" name="内容占位符 2">
+                <a:extLst>
+                  <a:ext uri="{FF2B5EF4-FFF2-40B4-BE49-F238E27FC236}">
+                    <a16:creationId xmlns:a16="http://schemas.microsoft.com/office/drawing/2014/main" id="{6423C8AE-8BCD-4A56-943E-0A21027E6A78}"/>
+                  </a:ext>
+                </a:extLst>
+              </p:cNvPr>
+              <p:cNvSpPr>
+                <a:spLocks noGrp="1"/>
+              </p:cNvSpPr>
+              <p:nvPr>
+                <p:ph idx="1"/>
+              </p:nvPr>
+            </p:nvSpPr>
+            <p:spPr>
+              <a:xfrm>
+                <a:off x="490887" y="1761424"/>
+                <a:ext cx="11146055" cy="4716378"/>
+              </a:xfrm>
+            </p:spPr>
+            <p:txBody>
+              <a:bodyPr/>
+              <a:lstStyle/>
+              <a:p>
+                <a:r>
+                  <a:rPr lang="zh-CN" altLang="en-US" b="1" dirty="0">
+                    <a:latin typeface="Times New Roman" panose="02020603050405020304" pitchFamily="18" charset="0"/>
+                    <a:ea typeface="华文楷体" panose="02010600040101010101" pitchFamily="2" charset="-122"/>
+                  </a:rPr>
+                  <a:t>元（偏序集中）：</a:t>
+                </a:r>
+                <a:endParaRPr lang="en-US" altLang="zh-CN" b="1" dirty="0">
+                  <a:latin typeface="Times New Roman" panose="02020603050405020304" pitchFamily="18" charset="0"/>
+                  <a:ea typeface="华文楷体" panose="02010600040101010101" pitchFamily="2" charset="-122"/>
+                </a:endParaRPr>
+              </a:p>
+              <a:p>
+                <a:pPr lvl="1"/>
+                <a:r>
+                  <a:rPr lang="zh-CN" altLang="en-US" dirty="0">
+                    <a:latin typeface="Times New Roman" panose="02020603050405020304" pitchFamily="18" charset="0"/>
+                    <a:ea typeface="华文楷体" panose="02010600040101010101" pitchFamily="2" charset="-122"/>
+                  </a:rPr>
+                  <a:t>极大元</a:t>
+                </a:r>
+                <a:r>
+                  <a:rPr lang="en-US" altLang="zh-CN" dirty="0">
+                    <a:latin typeface="Times New Roman" panose="02020603050405020304" pitchFamily="18" charset="0"/>
+                    <a:ea typeface="华文楷体" panose="02010600040101010101" pitchFamily="2" charset="-122"/>
+                  </a:rPr>
+                  <a:t>(</a:t>
+                </a:r>
+                <a:r>
+                  <a:rPr lang="en-US" altLang="zh-CN" dirty="0"/>
+                  <a:t>maximal element</a:t>
+                </a:r>
+                <a:r>
+                  <a:rPr lang="en-US" altLang="zh-CN" dirty="0">
+                    <a:latin typeface="Times New Roman" panose="02020603050405020304" pitchFamily="18" charset="0"/>
+                    <a:ea typeface="华文楷体" panose="02010600040101010101" pitchFamily="2" charset="-122"/>
+                  </a:rPr>
+                  <a:t>)</a:t>
+                </a:r>
+                <a:r>
+                  <a:rPr lang="zh-CN" altLang="en-US" dirty="0">
+                    <a:latin typeface="Times New Roman" panose="02020603050405020304" pitchFamily="18" charset="0"/>
+                    <a:ea typeface="华文楷体" panose="02010600040101010101" pitchFamily="2" charset="-122"/>
+                  </a:rPr>
+                  <a:t>：</a:t>
+                </a:r>
+                <a14:m>
+                  <m:oMath xmlns:m="http://schemas.openxmlformats.org/officeDocument/2006/math">
+                    <m:r>
+                      <a:rPr lang="zh-CN" altLang="en-US" i="1" smtClean="0">
+                        <a:latin typeface="Cambria Math" panose="02040503050406030204" pitchFamily="18" charset="0"/>
+                      </a:rPr>
+                      <m:t>≥</m:t>
+                    </m:r>
+                  </m:oMath>
+                </a14:m>
+                <a:r>
+                  <a:rPr lang="zh-CN" altLang="en-US" dirty="0">
+                    <a:latin typeface="Times New Roman" panose="02020603050405020304" pitchFamily="18" charset="0"/>
+                    <a:ea typeface="华文楷体" panose="02010600040101010101" pitchFamily="2" charset="-122"/>
+                  </a:rPr>
+                  <a:t> </a:t>
+                </a:r>
+                <a:endParaRPr lang="en-US" altLang="zh-CN" dirty="0">
+                  <a:latin typeface="Times New Roman" panose="02020603050405020304" pitchFamily="18" charset="0"/>
+                  <a:ea typeface="华文楷体" panose="02010600040101010101" pitchFamily="2" charset="-122"/>
+                </a:endParaRPr>
+              </a:p>
+              <a:p>
+                <a:pPr lvl="1"/>
+                <a:r>
+                  <a:rPr lang="zh-CN" altLang="en-US" dirty="0">
+                    <a:latin typeface="Times New Roman" panose="02020603050405020304" pitchFamily="18" charset="0"/>
+                    <a:ea typeface="华文楷体" panose="02010600040101010101" pitchFamily="2" charset="-122"/>
+                  </a:rPr>
+                  <a:t>最大元</a:t>
+                </a:r>
+                <a:r>
+                  <a:rPr lang="en-US" altLang="zh-CN" dirty="0">
+                    <a:latin typeface="Times New Roman" panose="02020603050405020304" pitchFamily="18" charset="0"/>
+                    <a:ea typeface="华文楷体" panose="02010600040101010101" pitchFamily="2" charset="-122"/>
+                  </a:rPr>
+                  <a:t>(</a:t>
+                </a:r>
+                <a:r>
+                  <a:rPr lang="en-US" altLang="zh-CN" dirty="0"/>
+                  <a:t>greatest element</a:t>
+                </a:r>
+                <a:r>
+                  <a:rPr lang="en-US" altLang="zh-CN" dirty="0">
+                    <a:latin typeface="Times New Roman" panose="02020603050405020304" pitchFamily="18" charset="0"/>
+                    <a:ea typeface="华文楷体" panose="02010600040101010101" pitchFamily="2" charset="-122"/>
+                  </a:rPr>
+                  <a:t>)</a:t>
+                </a:r>
+                <a:r>
+                  <a:rPr lang="zh-CN" altLang="en-US" dirty="0">
+                    <a:latin typeface="Times New Roman" panose="02020603050405020304" pitchFamily="18" charset="0"/>
+                    <a:ea typeface="华文楷体" panose="02010600040101010101" pitchFamily="2" charset="-122"/>
+                  </a:rPr>
+                  <a:t>：</a:t>
+                </a:r>
+                <a14:m>
+                  <m:oMath xmlns:m="http://schemas.openxmlformats.org/officeDocument/2006/math">
+                    <m:r>
+                      <a:rPr lang="en-US" altLang="zh-CN" i="1" smtClean="0">
+                        <a:latin typeface="Cambria Math" panose="02040503050406030204" pitchFamily="18" charset="0"/>
+                        <a:ea typeface="Cambria Math" panose="02040503050406030204" pitchFamily="18" charset="0"/>
+                      </a:rPr>
+                      <m:t>&gt;</m:t>
+                    </m:r>
+                  </m:oMath>
+                </a14:m>
+                <a:endParaRPr lang="en-US" altLang="zh-CN" dirty="0">
+                  <a:latin typeface="Times New Roman" panose="02020603050405020304" pitchFamily="18" charset="0"/>
+                  <a:ea typeface="华文楷体" panose="02010600040101010101" pitchFamily="2" charset="-122"/>
+                </a:endParaRPr>
+              </a:p>
+              <a:p>
+                <a:pPr lvl="1"/>
+                <a:r>
+                  <a:rPr lang="zh-CN" altLang="en-US" dirty="0">
+                    <a:latin typeface="Times New Roman" panose="02020603050405020304" pitchFamily="18" charset="0"/>
+                    <a:ea typeface="华文楷体" panose="02010600040101010101" pitchFamily="2" charset="-122"/>
+                  </a:rPr>
+                  <a:t>极小元</a:t>
+                </a:r>
+                <a:r>
+                  <a:rPr lang="en-US" altLang="zh-CN" dirty="0">
+                    <a:latin typeface="Times New Roman" panose="02020603050405020304" pitchFamily="18" charset="0"/>
+                    <a:ea typeface="华文楷体" panose="02010600040101010101" pitchFamily="2" charset="-122"/>
+                  </a:rPr>
+                  <a:t>(Minimal element):   </a:t>
+                </a:r>
+                <a14:m>
+                  <m:oMath xmlns:m="http://schemas.openxmlformats.org/officeDocument/2006/math">
+                    <m:r>
+                      <a:rPr lang="zh-CN" altLang="en-US" i="1" smtClean="0">
+                        <a:latin typeface="Cambria Math" panose="02040503050406030204" pitchFamily="18" charset="0"/>
+                      </a:rPr>
+                      <m:t>≤</m:t>
+                    </m:r>
+                  </m:oMath>
+                </a14:m>
+                <a:endParaRPr lang="en-US" altLang="zh-CN" dirty="0">
+                  <a:latin typeface="Times New Roman" panose="02020603050405020304" pitchFamily="18" charset="0"/>
+                  <a:ea typeface="华文楷体" panose="02010600040101010101" pitchFamily="2" charset="-122"/>
+                </a:endParaRPr>
+              </a:p>
+              <a:p>
+                <a:pPr lvl="1"/>
+                <a:r>
+                  <a:rPr lang="zh-CN" altLang="en-US" dirty="0">
+                    <a:latin typeface="Times New Roman" panose="02020603050405020304" pitchFamily="18" charset="0"/>
+                    <a:ea typeface="华文楷体" panose="02010600040101010101" pitchFamily="2" charset="-122"/>
+                  </a:rPr>
+                  <a:t>最小元</a:t>
+                </a:r>
+                <a:r>
+                  <a:rPr lang="en-US" altLang="zh-CN" dirty="0">
+                    <a:latin typeface="Times New Roman" panose="02020603050405020304" pitchFamily="18" charset="0"/>
+                    <a:ea typeface="华文楷体" panose="02010600040101010101" pitchFamily="2" charset="-122"/>
+                  </a:rPr>
+                  <a:t>(</a:t>
+                </a:r>
+                <a:r>
+                  <a:rPr lang="en-US" altLang="zh-CN" dirty="0"/>
+                  <a:t>least element</a:t>
+                </a:r>
+                <a:r>
+                  <a:rPr lang="en-US" altLang="zh-CN" dirty="0">
+                    <a:latin typeface="Times New Roman" panose="02020603050405020304" pitchFamily="18" charset="0"/>
+                    <a:ea typeface="华文楷体" panose="02010600040101010101" pitchFamily="2" charset="-122"/>
+                  </a:rPr>
+                  <a:t>)</a:t>
+                </a:r>
+                <a:r>
+                  <a:rPr lang="zh-CN" altLang="en-US" dirty="0">
+                    <a:latin typeface="Times New Roman" panose="02020603050405020304" pitchFamily="18" charset="0"/>
+                    <a:ea typeface="华文楷体" panose="02010600040101010101" pitchFamily="2" charset="-122"/>
+                  </a:rPr>
+                  <a:t>：</a:t>
+                </a:r>
+                <a14:m>
+                  <m:oMath xmlns:m="http://schemas.openxmlformats.org/officeDocument/2006/math">
+                    <m:r>
+                      <a:rPr lang="en-US" altLang="zh-CN" i="1" smtClean="0">
+                        <a:latin typeface="Cambria Math" panose="02040503050406030204" pitchFamily="18" charset="0"/>
+                        <a:ea typeface="Cambria Math" panose="02040503050406030204" pitchFamily="18" charset="0"/>
+                      </a:rPr>
+                      <m:t>&lt;</m:t>
+                    </m:r>
+                  </m:oMath>
+                </a14:m>
+                <a:endParaRPr lang="en-US" altLang="zh-CN" dirty="0">
+                  <a:latin typeface="Times New Roman" panose="02020603050405020304" pitchFamily="18" charset="0"/>
+                  <a:ea typeface="华文楷体" panose="02010600040101010101" pitchFamily="2" charset="-122"/>
+                </a:endParaRPr>
+              </a:p>
+              <a:p>
+                <a:r>
+                  <a:rPr lang="zh-CN" altLang="en-US" b="1" dirty="0">
+                    <a:latin typeface="Times New Roman" panose="02020603050405020304" pitchFamily="18" charset="0"/>
+                    <a:ea typeface="华文楷体" panose="02010600040101010101" pitchFamily="2" charset="-122"/>
+                  </a:rPr>
+                  <a:t>界（偏序集中）：</a:t>
+                </a:r>
+                <a:endParaRPr lang="en-US" altLang="zh-CN" b="1" dirty="0">
+                  <a:latin typeface="Times New Roman" panose="02020603050405020304" pitchFamily="18" charset="0"/>
+                  <a:ea typeface="华文楷体" panose="02010600040101010101" pitchFamily="2" charset="-122"/>
+                </a:endParaRPr>
+              </a:p>
+              <a:p>
+                <a:pPr lvl="1"/>
+                <a:r>
+                  <a:rPr lang="en-US" altLang="zh-CN" dirty="0">
+                    <a:latin typeface="Times New Roman" panose="02020603050405020304" pitchFamily="18" charset="0"/>
+                    <a:ea typeface="华文楷体" panose="02010600040101010101" pitchFamily="2" charset="-122"/>
+                  </a:rPr>
+                  <a:t>B</a:t>
+                </a:r>
+                <a:r>
+                  <a:rPr lang="zh-CN" altLang="en-US" dirty="0">
+                    <a:latin typeface="Times New Roman" panose="02020603050405020304" pitchFamily="18" charset="0"/>
+                    <a:ea typeface="华文楷体" panose="02010600040101010101" pitchFamily="2" charset="-122"/>
+                  </a:rPr>
+                  <a:t>的上界：</a:t>
+                </a:r>
+                <a:r>
+                  <a:rPr lang="zh-CN" altLang="en-US" b="0" i="0" dirty="0">
+                    <a:solidFill>
+                      <a:srgbClr val="333333"/>
+                    </a:solidFill>
+                    <a:effectLst/>
+                    <a:latin typeface="Times New Roman" panose="02020603050405020304" pitchFamily="18" charset="0"/>
+                    <a:ea typeface="华文楷体" panose="02010600040101010101" pitchFamily="2" charset="-122"/>
+                  </a:rPr>
+                  <a:t>偏序集</a:t>
+                </a:r>
+                <a:r>
+                  <a:rPr lang="en-US" altLang="zh-CN" b="0" i="0" dirty="0">
+                    <a:solidFill>
+                      <a:srgbClr val="333333"/>
+                    </a:solidFill>
+                    <a:effectLst/>
+                    <a:latin typeface="Times New Roman" panose="02020603050405020304" pitchFamily="18" charset="0"/>
+                    <a:ea typeface="华文楷体" panose="02010600040101010101" pitchFamily="2" charset="-122"/>
+                  </a:rPr>
+                  <a:t>A</a:t>
+                </a:r>
+                <a:r>
+                  <a:rPr lang="zh-CN" altLang="en-US" b="0" i="0" dirty="0">
+                    <a:solidFill>
+                      <a:srgbClr val="333333"/>
+                    </a:solidFill>
+                    <a:effectLst/>
+                    <a:latin typeface="Times New Roman" panose="02020603050405020304" pitchFamily="18" charset="0"/>
+                    <a:ea typeface="华文楷体" panose="02010600040101010101" pitchFamily="2" charset="-122"/>
+                  </a:rPr>
+                  <a:t>中大于或等于它的子集</a:t>
+                </a:r>
+                <a:r>
+                  <a:rPr lang="en-US" altLang="zh-CN" b="0" i="0" dirty="0">
+                    <a:solidFill>
+                      <a:srgbClr val="333333"/>
+                    </a:solidFill>
+                    <a:effectLst/>
+                    <a:latin typeface="Times New Roman" panose="02020603050405020304" pitchFamily="18" charset="0"/>
+                    <a:ea typeface="华文楷体" panose="02010600040101010101" pitchFamily="2" charset="-122"/>
+                  </a:rPr>
+                  <a:t>(B)</a:t>
+                </a:r>
+                <a:r>
+                  <a:rPr lang="zh-CN" altLang="en-US" b="0" i="0" dirty="0">
+                    <a:solidFill>
+                      <a:srgbClr val="333333"/>
+                    </a:solidFill>
+                    <a:effectLst/>
+                    <a:latin typeface="Times New Roman" panose="02020603050405020304" pitchFamily="18" charset="0"/>
+                    <a:ea typeface="华文楷体" panose="02010600040101010101" pitchFamily="2" charset="-122"/>
+                  </a:rPr>
+                  <a:t>中一切元素的元素</a:t>
+                </a:r>
+                <a:endParaRPr lang="en-US" altLang="zh-CN" dirty="0">
+                  <a:latin typeface="Times New Roman" panose="02020603050405020304" pitchFamily="18" charset="0"/>
+                  <a:ea typeface="华文楷体" panose="02010600040101010101" pitchFamily="2" charset="-122"/>
+                </a:endParaRPr>
+              </a:p>
+              <a:p>
+                <a:pPr lvl="1"/>
+                <a:r>
+                  <a:rPr lang="zh-CN" altLang="en-US" dirty="0">
+                    <a:latin typeface="Times New Roman" panose="02020603050405020304" pitchFamily="18" charset="0"/>
+                    <a:ea typeface="华文楷体" panose="02010600040101010101" pitchFamily="2" charset="-122"/>
+                  </a:rPr>
+                  <a:t>上确界：上界的最小元</a:t>
+                </a:r>
+                <a:endParaRPr lang="en-US" altLang="zh-CN" dirty="0">
+                  <a:latin typeface="Times New Roman" panose="02020603050405020304" pitchFamily="18" charset="0"/>
+                  <a:ea typeface="华文楷体" panose="02010600040101010101" pitchFamily="2" charset="-122"/>
+                </a:endParaRPr>
+              </a:p>
+              <a:p>
+                <a:pPr lvl="1"/>
+                <a:r>
+                  <a:rPr lang="en-US" altLang="zh-CN" dirty="0">
+                    <a:latin typeface="Times New Roman" panose="02020603050405020304" pitchFamily="18" charset="0"/>
+                    <a:ea typeface="华文楷体" panose="02010600040101010101" pitchFamily="2" charset="-122"/>
+                  </a:rPr>
+                  <a:t>B</a:t>
+                </a:r>
+                <a:r>
+                  <a:rPr lang="zh-CN" altLang="en-US" dirty="0">
+                    <a:latin typeface="Times New Roman" panose="02020603050405020304" pitchFamily="18" charset="0"/>
+                    <a:ea typeface="华文楷体" panose="02010600040101010101" pitchFamily="2" charset="-122"/>
+                  </a:rPr>
+                  <a:t>的下界：</a:t>
+                </a:r>
+                <a:r>
+                  <a:rPr lang="zh-CN" altLang="en-US" b="0" i="0" dirty="0">
+                    <a:solidFill>
+                      <a:srgbClr val="333333"/>
+                    </a:solidFill>
+                    <a:effectLst/>
+                    <a:latin typeface="Times New Roman" panose="02020603050405020304" pitchFamily="18" charset="0"/>
+                    <a:ea typeface="华文楷体" panose="02010600040101010101" pitchFamily="2" charset="-122"/>
+                  </a:rPr>
+                  <a:t>偏序集</a:t>
+                </a:r>
+                <a:r>
+                  <a:rPr lang="en-US" altLang="zh-CN" b="0" i="0" dirty="0">
+                    <a:solidFill>
+                      <a:srgbClr val="333333"/>
+                    </a:solidFill>
+                    <a:effectLst/>
+                    <a:latin typeface="Times New Roman" panose="02020603050405020304" pitchFamily="18" charset="0"/>
+                    <a:ea typeface="华文楷体" panose="02010600040101010101" pitchFamily="2" charset="-122"/>
+                  </a:rPr>
+                  <a:t>A</a:t>
+                </a:r>
+                <a:r>
+                  <a:rPr lang="zh-CN" altLang="en-US" b="0" i="0" dirty="0">
+                    <a:solidFill>
+                      <a:srgbClr val="333333"/>
+                    </a:solidFill>
+                    <a:effectLst/>
+                    <a:latin typeface="Times New Roman" panose="02020603050405020304" pitchFamily="18" charset="0"/>
+                    <a:ea typeface="华文楷体" panose="02010600040101010101" pitchFamily="2" charset="-122"/>
+                  </a:rPr>
+                  <a:t>中小于或等于它的子集</a:t>
+                </a:r>
+                <a:r>
+                  <a:rPr lang="en-US" altLang="zh-CN" b="0" i="0" dirty="0">
+                    <a:solidFill>
+                      <a:srgbClr val="333333"/>
+                    </a:solidFill>
+                    <a:effectLst/>
+                    <a:latin typeface="Times New Roman" panose="02020603050405020304" pitchFamily="18" charset="0"/>
+                    <a:ea typeface="华文楷体" panose="02010600040101010101" pitchFamily="2" charset="-122"/>
+                  </a:rPr>
+                  <a:t>(B)</a:t>
+                </a:r>
+                <a:r>
+                  <a:rPr lang="zh-CN" altLang="en-US" b="0" i="0" dirty="0">
+                    <a:solidFill>
+                      <a:srgbClr val="333333"/>
+                    </a:solidFill>
+                    <a:effectLst/>
+                    <a:latin typeface="Times New Roman" panose="02020603050405020304" pitchFamily="18" charset="0"/>
+                    <a:ea typeface="华文楷体" panose="02010600040101010101" pitchFamily="2" charset="-122"/>
+                  </a:rPr>
+                  <a:t>中一切元素的元素</a:t>
+                </a:r>
+                <a:endParaRPr lang="en-US" altLang="zh-CN" dirty="0">
+                  <a:latin typeface="Times New Roman" panose="02020603050405020304" pitchFamily="18" charset="0"/>
+                  <a:ea typeface="华文楷体" panose="02010600040101010101" pitchFamily="2" charset="-122"/>
+                </a:endParaRPr>
+              </a:p>
+              <a:p>
+                <a:pPr lvl="1"/>
+                <a:r>
+                  <a:rPr lang="zh-CN" altLang="en-US" dirty="0">
+                    <a:latin typeface="Times New Roman" panose="02020603050405020304" pitchFamily="18" charset="0"/>
+                    <a:ea typeface="华文楷体" panose="02010600040101010101" pitchFamily="2" charset="-122"/>
+                  </a:rPr>
+                  <a:t>下确界：下界的最大元</a:t>
+                </a:r>
+              </a:p>
+            </p:txBody>
+          </p:sp>
+        </mc:Choice>
+        <mc:Fallback>
+          <p:sp>
+            <p:nvSpPr>
+              <p:cNvPr id="3" name="内容占位符 2">
+                <a:extLst>
+                  <a:ext uri="{FF2B5EF4-FFF2-40B4-BE49-F238E27FC236}">
+                    <a16:creationId xmlns:a16="http://schemas.microsoft.com/office/drawing/2014/main" id="{6423C8AE-8BCD-4A56-943E-0A21027E6A78}"/>
+                  </a:ext>
+                </a:extLst>
+              </p:cNvPr>
+              <p:cNvSpPr>
+                <a:spLocks noGrp="1" noRot="1" noChangeAspect="1" noMove="1" noResize="1" noEditPoints="1" noAdjustHandles="1" noChangeArrowheads="1" noChangeShapeType="1" noTextEdit="1"/>
+              </p:cNvSpPr>
+              <p:nvPr>
+                <p:ph idx="1"/>
+              </p:nvPr>
+            </p:nvSpPr>
+            <p:spPr>
+              <a:xfrm>
+                <a:off x="490887" y="1761424"/>
+                <a:ext cx="11146055" cy="4716378"/>
+              </a:xfrm>
+              <a:blipFill>
+                <a:blip r:embed="rId2"/>
+                <a:stretch>
+                  <a:fillRect l="-383" t="-646"/>
+                </a:stretch>
+              </a:blipFill>
+            </p:spPr>
+            <p:txBody>
+              <a:bodyPr/>
+              <a:lstStyle/>
+              <a:p>
+                <a:r>
+                  <a:rPr lang="zh-CN" altLang="en-US">
+                    <a:noFill/>
+                  </a:rPr>
+                  <a:t> </a:t>
+                </a:r>
+              </a:p>
+            </p:txBody>
+          </p:sp>
+        </mc:Fallback>
+      </mc:AlternateContent>
+    </p:spTree>
+    <p:extLst>
+      <p:ext uri="{BB962C8B-B14F-4D97-AF65-F5344CB8AC3E}">
+        <p14:creationId xmlns:p14="http://schemas.microsoft.com/office/powerpoint/2010/main" val="3789944025"/>
+      </p:ext>
+    </p:extLst>
+  </p:cSld>
+  <p:clrMapOvr>
+    <a:masterClrMapping/>
+  </p:clrMapOvr>
+</p:sld>
+</file>
+
+<file path=ppt/slides/slide12.xml><?xml version="1.0" encoding="utf-8"?>
+<p:sld xmlns:a="http://schemas.openxmlformats.org/drawingml/2006/main" xmlns:r="http://schemas.openxmlformats.org/officeDocument/2006/relationships" xmlns:p="http://schemas.openxmlformats.org/presentationml/2006/main">
+  <p:cSld>
+    <p:spTree>
+      <p:nvGrpSpPr>
+        <p:cNvPr id="1" name=""/>
+        <p:cNvGrpSpPr/>
+        <p:nvPr/>
+      </p:nvGrpSpPr>
+      <p:grpSpPr>
+        <a:xfrm>
+          <a:off x="0" y="0"/>
+          <a:ext cx="0" cy="0"/>
+          <a:chOff x="0" y="0"/>
+          <a:chExt cx="0" cy="0"/>
+        </a:xfrm>
+      </p:grpSpPr>
+      <p:sp>
+        <p:nvSpPr>
+          <p:cNvPr id="2" name="标题 1">
+            <a:extLst>
+              <a:ext uri="{FF2B5EF4-FFF2-40B4-BE49-F238E27FC236}">
+                <a16:creationId xmlns:a16="http://schemas.microsoft.com/office/drawing/2014/main" id="{B61E347A-6337-416B-8ED1-837BC5CF8C13}"/>
+              </a:ext>
+            </a:extLst>
+          </p:cNvPr>
+          <p:cNvSpPr>
+            <a:spLocks noGrp="1"/>
+          </p:cNvSpPr>
+          <p:nvPr>
+            <p:ph type="title"/>
+          </p:nvPr>
+        </p:nvSpPr>
+        <p:spPr/>
+        <p:txBody>
+          <a:bodyPr/>
+          <a:lstStyle/>
+          <a:p>
+            <a:r>
+              <a:rPr lang="zh-CN" altLang="en-US" dirty="0"/>
+              <a:t>待办</a:t>
+            </a:r>
+          </a:p>
+        </p:txBody>
+      </p:sp>
+      <p:sp>
+        <p:nvSpPr>
+          <p:cNvPr id="3" name="内容占位符 2">
+            <a:extLst>
+              <a:ext uri="{FF2B5EF4-FFF2-40B4-BE49-F238E27FC236}">
+                <a16:creationId xmlns:a16="http://schemas.microsoft.com/office/drawing/2014/main" id="{065A2312-93C2-4EE5-B763-A5C676F95794}"/>
+              </a:ext>
+            </a:extLst>
+          </p:cNvPr>
+          <p:cNvSpPr>
+            <a:spLocks noGrp="1"/>
+          </p:cNvSpPr>
+          <p:nvPr>
+            <p:ph idx="1"/>
+          </p:nvPr>
+        </p:nvSpPr>
+        <p:spPr/>
+        <p:txBody>
+          <a:bodyPr/>
+          <a:lstStyle/>
+          <a:p>
+            <a:r>
+              <a:rPr lang="zh-CN" altLang="en-US" dirty="0">
+                <a:solidFill>
+                  <a:schemeClr val="accent2">
+                    <a:lumMod val="50000"/>
+                  </a:schemeClr>
+                </a:solidFill>
+              </a:rPr>
+              <a:t>类型论</a:t>
+            </a:r>
+            <a:r>
+              <a:rPr lang="en-US" altLang="zh-CN" dirty="0">
+                <a:solidFill>
+                  <a:schemeClr val="accent2">
+                    <a:lumMod val="50000"/>
+                  </a:schemeClr>
+                </a:solidFill>
+              </a:rPr>
+              <a:t>-</a:t>
+            </a:r>
+            <a:r>
+              <a:rPr lang="zh-CN" altLang="en-US" dirty="0">
+                <a:solidFill>
+                  <a:schemeClr val="accent2">
+                    <a:lumMod val="50000"/>
+                  </a:schemeClr>
+                </a:solidFill>
+              </a:rPr>
+              <a:t>集合论</a:t>
+            </a:r>
+            <a:r>
+              <a:rPr lang="en-US" altLang="zh-CN" dirty="0">
+                <a:solidFill>
+                  <a:schemeClr val="accent2">
+                    <a:lumMod val="50000"/>
+                  </a:schemeClr>
+                </a:solidFill>
+              </a:rPr>
+              <a:t>-</a:t>
+            </a:r>
+            <a:r>
+              <a:rPr lang="zh-CN" altLang="en-US" dirty="0">
+                <a:solidFill>
+                  <a:schemeClr val="accent2">
+                    <a:lumMod val="50000"/>
+                  </a:schemeClr>
+                </a:solidFill>
+              </a:rPr>
+              <a:t>模型论</a:t>
+            </a:r>
+            <a:r>
+              <a:rPr lang="zh-CN" altLang="en-US" dirty="0"/>
+              <a:t>：</a:t>
+            </a:r>
+            <a:endParaRPr lang="en-US" altLang="zh-CN" dirty="0"/>
+          </a:p>
+          <a:p>
+            <a:r>
+              <a:rPr lang="zh-CN" altLang="en-US" dirty="0">
+                <a:solidFill>
+                  <a:schemeClr val="accent2">
+                    <a:lumMod val="50000"/>
+                  </a:schemeClr>
+                </a:solidFill>
+              </a:rPr>
+              <a:t>科学与技术的关系</a:t>
+            </a:r>
+            <a:r>
+              <a:rPr lang="zh-CN" altLang="en-US" dirty="0"/>
+              <a:t>：</a:t>
+            </a:r>
+          </a:p>
+          <a:p>
+            <a:endParaRPr lang="zh-CN" altLang="en-US" dirty="0"/>
+          </a:p>
+        </p:txBody>
+      </p:sp>
+    </p:spTree>
+    <p:extLst>
+      <p:ext uri="{BB962C8B-B14F-4D97-AF65-F5344CB8AC3E}">
+        <p14:creationId xmlns:p14="http://schemas.microsoft.com/office/powerpoint/2010/main" val="4239381256"/>
+      </p:ext>
+    </p:extLst>
+  </p:cSld>
+  <p:clrMapOvr>
+    <a:masterClrMapping/>
+  </p:clrMapOvr>
+</p:sld>
+</file>
+
+<file path=ppt/slides/slide13.xml><?xml version="1.0" encoding="utf-8"?>
+<p:sld xmlns:a="http://schemas.openxmlformats.org/drawingml/2006/main" xmlns:r="http://schemas.openxmlformats.org/officeDocument/2006/relationships" xmlns:p="http://schemas.openxmlformats.org/presentationml/2006/main">
+  <p:cSld>
+    <p:spTree>
+      <p:nvGrpSpPr>
+        <p:cNvPr id="1" name=""/>
+        <p:cNvGrpSpPr/>
+        <p:nvPr/>
+      </p:nvGrpSpPr>
+      <p:grpSpPr>
+        <a:xfrm>
+          <a:off x="0" y="0"/>
+          <a:ext cx="0" cy="0"/>
+          <a:chOff x="0" y="0"/>
+          <a:chExt cx="0" cy="0"/>
+        </a:xfrm>
+      </p:grpSpPr>
+      <p:sp>
+        <p:nvSpPr>
+          <p:cNvPr id="2" name="标题 1">
+            <a:extLst>
+              <a:ext uri="{FF2B5EF4-FFF2-40B4-BE49-F238E27FC236}">
+                <a16:creationId xmlns:a16="http://schemas.microsoft.com/office/drawing/2014/main" id="{BD6F3416-05A7-49AF-A491-93BA3793C75C}"/>
+              </a:ext>
+            </a:extLst>
+          </p:cNvPr>
+          <p:cNvSpPr>
+            <a:spLocks noGrp="1"/>
+          </p:cNvSpPr>
+          <p:nvPr>
+            <p:ph type="title"/>
+          </p:nvPr>
+        </p:nvSpPr>
+        <p:spPr>
+          <a:xfrm>
+            <a:off x="2231136" y="286598"/>
+            <a:ext cx="7729728" cy="1188720"/>
+          </a:xfrm>
+        </p:spPr>
+        <p:txBody>
+          <a:bodyPr/>
+          <a:lstStyle/>
+          <a:p>
+            <a:r>
+              <a:rPr lang="zh-CN" altLang="en-US" dirty="0"/>
+              <a:t>参考文献</a:t>
+            </a:r>
+          </a:p>
+        </p:txBody>
+      </p:sp>
+      <p:sp>
+        <p:nvSpPr>
+          <p:cNvPr id="3" name="内容占位符 2">
+            <a:extLst>
+              <a:ext uri="{FF2B5EF4-FFF2-40B4-BE49-F238E27FC236}">
+                <a16:creationId xmlns:a16="http://schemas.microsoft.com/office/drawing/2014/main" id="{6E7A93D6-720A-49F2-BC50-CFB94ED9DE1E}"/>
+              </a:ext>
+            </a:extLst>
+          </p:cNvPr>
+          <p:cNvSpPr>
+            <a:spLocks noGrp="1"/>
+          </p:cNvSpPr>
+          <p:nvPr>
+            <p:ph idx="1"/>
+          </p:nvPr>
+        </p:nvSpPr>
+        <p:spPr>
+          <a:xfrm>
+            <a:off x="443432" y="1878008"/>
+            <a:ext cx="11330751" cy="4604985"/>
+          </a:xfrm>
+        </p:spPr>
+        <p:txBody>
+          <a:bodyPr/>
+          <a:lstStyle/>
+          <a:p>
+            <a:r>
+              <a:rPr lang="en-US" altLang="zh-CN" sz="2000" dirty="0">
+                <a:solidFill>
+                  <a:schemeClr val="tx1"/>
+                </a:solidFill>
+                <a:latin typeface="Times New Roman" panose="02020603050405020304" pitchFamily="18" charset="0"/>
+                <a:ea typeface="华文楷体" panose="02010600040101010101" pitchFamily="2" charset="-122"/>
+                <a:cs typeface="Times New Roman" panose="02020603050405020304" pitchFamily="18" charset="0"/>
+              </a:rPr>
+              <a:t>[1] </a:t>
+            </a:r>
+            <a:r>
+              <a:rPr lang="en-US" altLang="zh-CN" sz="1800" dirty="0">
+                <a:solidFill>
+                  <a:schemeClr val="tx1"/>
+                </a:solidFill>
+                <a:latin typeface="Times New Roman" panose="02020603050405020304" pitchFamily="18" charset="0"/>
+                <a:ea typeface="华文楷体" panose="02010600040101010101" pitchFamily="2" charset="-122"/>
+                <a:cs typeface="Times New Roman" panose="02020603050405020304" pitchFamily="18" charset="0"/>
+              </a:rPr>
+              <a:t>DOI:</a:t>
+            </a:r>
+            <a:r>
+              <a:rPr lang="en-US" altLang="zh-CN" sz="2000" dirty="0">
+                <a:solidFill>
+                  <a:schemeClr val="tx1"/>
+                </a:solidFill>
+                <a:latin typeface="Times New Roman" panose="02020603050405020304" pitchFamily="18" charset="0"/>
+                <a:ea typeface="华文楷体" panose="02010600040101010101" pitchFamily="2" charset="-122"/>
+                <a:cs typeface="Times New Roman" panose="02020603050405020304" pitchFamily="18" charset="0"/>
+              </a:rPr>
+              <a:t> </a:t>
+            </a:r>
+            <a:r>
+              <a:rPr lang="en-US" altLang="zh-CN" sz="1800" dirty="0">
+                <a:solidFill>
+                  <a:srgbClr val="0070C0"/>
+                </a:solidFill>
+                <a:latin typeface="Times New Roman" panose="02020603050405020304" pitchFamily="18" charset="0"/>
+                <a:ea typeface="华文楷体" panose="02010600040101010101" pitchFamily="2" charset="-122"/>
+                <a:cs typeface="Times New Roman" panose="02020603050405020304" pitchFamily="18" charset="0"/>
+                <a:hlinkClick r:id="rId2">
+                  <a:extLst>
+                    <a:ext uri="{A12FA001-AC4F-418D-AE19-62706E023703}">
+                      <ahyp:hlinkClr xmlns:ahyp="http://schemas.microsoft.com/office/drawing/2018/hyperlinkcolor" val="tx"/>
+                    </a:ext>
+                  </a:extLst>
+                </a:hlinkClick>
+              </a:rPr>
+              <a:t>10.1109/ICASSP.1996.541110</a:t>
+            </a:r>
+            <a:endParaRPr lang="en-US" altLang="zh-CN" sz="2000" dirty="0">
+              <a:solidFill>
+                <a:srgbClr val="0070C0"/>
+              </a:solidFill>
+              <a:latin typeface="Times New Roman" panose="02020603050405020304" pitchFamily="18" charset="0"/>
+              <a:ea typeface="华文楷体" panose="02010600040101010101" pitchFamily="2" charset="-122"/>
+              <a:cs typeface="Times New Roman" panose="02020603050405020304" pitchFamily="18" charset="0"/>
+            </a:endParaRPr>
+          </a:p>
+          <a:p>
+            <a:r>
+              <a:rPr lang="en-US" altLang="zh-CN" sz="2000" dirty="0">
+                <a:solidFill>
+                  <a:schemeClr val="tx1"/>
+                </a:solidFill>
+                <a:latin typeface="Times New Roman" panose="02020603050405020304" pitchFamily="18" charset="0"/>
+                <a:ea typeface="华文楷体" panose="02010600040101010101" pitchFamily="2" charset="-122"/>
+                <a:cs typeface="Times New Roman" panose="02020603050405020304" pitchFamily="18" charset="0"/>
+              </a:rPr>
+              <a:t>[2] </a:t>
+            </a:r>
+            <a:r>
+              <a:rPr lang="en-US" altLang="zh-CN" sz="1800" dirty="0">
+                <a:solidFill>
+                  <a:schemeClr val="tx1"/>
+                </a:solidFill>
+                <a:latin typeface="Times New Roman" panose="02020603050405020304" pitchFamily="18" charset="0"/>
+                <a:ea typeface="华文楷体" panose="02010600040101010101" pitchFamily="2" charset="-122"/>
+                <a:cs typeface="Times New Roman" panose="02020603050405020304" pitchFamily="18" charset="0"/>
+              </a:rPr>
+              <a:t>DOI:</a:t>
+            </a:r>
+            <a:r>
+              <a:rPr lang="zh-CN" altLang="en-US" sz="2000" dirty="0">
+                <a:solidFill>
+                  <a:schemeClr val="tx1"/>
+                </a:solidFill>
+                <a:latin typeface="Times New Roman" panose="02020603050405020304" pitchFamily="18" charset="0"/>
+                <a:ea typeface="华文楷体" panose="02010600040101010101" pitchFamily="2" charset="-122"/>
+                <a:cs typeface="Times New Roman" panose="02020603050405020304" pitchFamily="18" charset="0"/>
+              </a:rPr>
+              <a:t> </a:t>
+            </a:r>
+            <a:r>
+              <a:rPr lang="en-US" altLang="zh-CN" sz="1800" dirty="0">
+                <a:solidFill>
+                  <a:srgbClr val="0070C0"/>
+                </a:solidFill>
+                <a:latin typeface="Times New Roman" panose="02020603050405020304" pitchFamily="18" charset="0"/>
+                <a:ea typeface="华文楷体" panose="02010600040101010101" pitchFamily="2" charset="-122"/>
+                <a:cs typeface="Times New Roman" panose="02020603050405020304" pitchFamily="18" charset="0"/>
+                <a:hlinkClick r:id="rId3">
+                  <a:extLst>
+                    <a:ext uri="{A12FA001-AC4F-418D-AE19-62706E023703}">
+                      <ahyp:hlinkClr xmlns:ahyp="http://schemas.microsoft.com/office/drawing/2018/hyperlinkcolor" val="tx"/>
+                    </a:ext>
+                  </a:extLst>
+                </a:hlinkClick>
+              </a:rPr>
+              <a:t>https://doi.org/10.1561/2000000001</a:t>
+            </a:r>
+            <a:endParaRPr lang="en-US" altLang="zh-CN" sz="1800" dirty="0">
+              <a:solidFill>
+                <a:srgbClr val="0070C0"/>
+              </a:solidFill>
+              <a:latin typeface="Times New Roman" panose="02020603050405020304" pitchFamily="18" charset="0"/>
+              <a:ea typeface="华文楷体" panose="02010600040101010101" pitchFamily="2" charset="-122"/>
+              <a:cs typeface="Times New Roman" panose="02020603050405020304" pitchFamily="18" charset="0"/>
+            </a:endParaRPr>
+          </a:p>
+          <a:p>
+            <a:r>
+              <a:rPr lang="en-US" altLang="zh-CN" sz="1800" dirty="0">
+                <a:solidFill>
+                  <a:srgbClr val="0070C0"/>
+                </a:solidFill>
+                <a:latin typeface="Times New Roman" panose="02020603050405020304" pitchFamily="18" charset="0"/>
+                <a:ea typeface="华文楷体" panose="02010600040101010101" pitchFamily="2" charset="-122"/>
+                <a:cs typeface="Times New Roman" panose="02020603050405020304" pitchFamily="18" charset="0"/>
+              </a:rPr>
+              <a:t> </a:t>
+            </a:r>
+          </a:p>
+          <a:p>
+            <a:endParaRPr lang="zh-CN" altLang="en-US" dirty="0"/>
+          </a:p>
+        </p:txBody>
+      </p:sp>
+    </p:spTree>
+    <p:extLst>
+      <p:ext uri="{BB962C8B-B14F-4D97-AF65-F5344CB8AC3E}">
+        <p14:creationId xmlns:p14="http://schemas.microsoft.com/office/powerpoint/2010/main" val="695972352"/>
+      </p:ext>
+    </p:extLst>
+  </p:cSld>
+  <p:clrMapOvr>
+    <a:masterClrMapping/>
+  </p:clrMapOvr>
+</p:sld>
+</file>
+
 <file path=ppt/slides/slide2.xml><?xml version="1.0" encoding="utf-8"?>
 <p:sld xmlns:a="http://schemas.openxmlformats.org/drawingml/2006/main" xmlns:r="http://schemas.openxmlformats.org/officeDocument/2006/relationships" xmlns:p="http://schemas.openxmlformats.org/presentationml/2006/main">
   <p:cSld>
@@ -5963,6 +7118,166 @@
           <p:cNvPr id="2" name="标题 1">
             <a:extLst>
               <a:ext uri="{FF2B5EF4-FFF2-40B4-BE49-F238E27FC236}">
+                <a16:creationId xmlns:a16="http://schemas.microsoft.com/office/drawing/2014/main" id="{2825A82C-2F1D-413F-BAB4-F52C150C1367}"/>
+              </a:ext>
+            </a:extLst>
+          </p:cNvPr>
+          <p:cNvSpPr>
+            <a:spLocks noGrp="1"/>
+          </p:cNvSpPr>
+          <p:nvPr>
+            <p:ph type="title"/>
+          </p:nvPr>
+        </p:nvSpPr>
+        <p:spPr/>
+        <p:txBody>
+          <a:bodyPr/>
+          <a:lstStyle/>
+          <a:p>
+            <a:endParaRPr lang="zh-CN" altLang="en-US"/>
+          </a:p>
+        </p:txBody>
+      </p:sp>
+      <p:sp>
+        <p:nvSpPr>
+          <p:cNvPr id="3" name="内容占位符 2">
+            <a:extLst>
+              <a:ext uri="{FF2B5EF4-FFF2-40B4-BE49-F238E27FC236}">
+                <a16:creationId xmlns:a16="http://schemas.microsoft.com/office/drawing/2014/main" id="{CE4DAE48-0EE6-4BD7-B8A5-92DE86406104}"/>
+              </a:ext>
+            </a:extLst>
+          </p:cNvPr>
+          <p:cNvSpPr>
+            <a:spLocks noGrp="1"/>
+          </p:cNvSpPr>
+          <p:nvPr>
+            <p:ph idx="1"/>
+          </p:nvPr>
+        </p:nvSpPr>
+        <p:spPr/>
+        <p:txBody>
+          <a:bodyPr/>
+          <a:lstStyle/>
+          <a:p>
+            <a:endParaRPr lang="zh-CN" altLang="en-US"/>
+          </a:p>
+        </p:txBody>
+      </p:sp>
+    </p:spTree>
+    <p:extLst>
+      <p:ext uri="{BB962C8B-B14F-4D97-AF65-F5344CB8AC3E}">
+        <p14:creationId xmlns:p14="http://schemas.microsoft.com/office/powerpoint/2010/main" val="2031415966"/>
+      </p:ext>
+    </p:extLst>
+  </p:cSld>
+  <p:clrMapOvr>
+    <a:masterClrMapping/>
+  </p:clrMapOvr>
+</p:sld>
+</file>
+
+<file path=ppt/slides/slide7.xml><?xml version="1.0" encoding="utf-8"?>
+<p:sld xmlns:a="http://schemas.openxmlformats.org/drawingml/2006/main" xmlns:r="http://schemas.openxmlformats.org/officeDocument/2006/relationships" xmlns:p="http://schemas.openxmlformats.org/presentationml/2006/main">
+  <p:cSld>
+    <p:spTree>
+      <p:nvGrpSpPr>
+        <p:cNvPr id="1" name=""/>
+        <p:cNvGrpSpPr/>
+        <p:nvPr/>
+      </p:nvGrpSpPr>
+      <p:grpSpPr>
+        <a:xfrm>
+          <a:off x="0" y="0"/>
+          <a:ext cx="0" cy="0"/>
+          <a:chOff x="0" y="0"/>
+          <a:chExt cx="0" cy="0"/>
+        </a:xfrm>
+      </p:grpSpPr>
+      <p:sp>
+        <p:nvSpPr>
+          <p:cNvPr id="2" name="标题 1">
+            <a:extLst>
+              <a:ext uri="{FF2B5EF4-FFF2-40B4-BE49-F238E27FC236}">
+                <a16:creationId xmlns:a16="http://schemas.microsoft.com/office/drawing/2014/main" id="{F6F00ED9-4202-4B3C-B202-915B1C479254}"/>
+              </a:ext>
+            </a:extLst>
+          </p:cNvPr>
+          <p:cNvSpPr>
+            <a:spLocks noGrp="1"/>
+          </p:cNvSpPr>
+          <p:nvPr>
+            <p:ph type="title"/>
+          </p:nvPr>
+        </p:nvSpPr>
+        <p:spPr/>
+        <p:txBody>
+          <a:bodyPr/>
+          <a:lstStyle/>
+          <a:p>
+            <a:endParaRPr lang="zh-CN" altLang="en-US"/>
+          </a:p>
+        </p:txBody>
+      </p:sp>
+      <p:sp>
+        <p:nvSpPr>
+          <p:cNvPr id="3" name="内容占位符 2">
+            <a:extLst>
+              <a:ext uri="{FF2B5EF4-FFF2-40B4-BE49-F238E27FC236}">
+                <a16:creationId xmlns:a16="http://schemas.microsoft.com/office/drawing/2014/main" id="{BABCF17C-4B79-496E-B424-C929BA960345}"/>
+              </a:ext>
+            </a:extLst>
+          </p:cNvPr>
+          <p:cNvSpPr>
+            <a:spLocks noGrp="1"/>
+          </p:cNvSpPr>
+          <p:nvPr>
+            <p:ph idx="1"/>
+          </p:nvPr>
+        </p:nvSpPr>
+        <p:spPr/>
+        <p:txBody>
+          <a:bodyPr/>
+          <a:lstStyle/>
+          <a:p>
+            <a:endParaRPr lang="zh-CN" altLang="en-US"/>
+          </a:p>
+        </p:txBody>
+      </p:sp>
+    </p:spTree>
+    <p:extLst>
+      <p:ext uri="{BB962C8B-B14F-4D97-AF65-F5344CB8AC3E}">
+        <p14:creationId xmlns:p14="http://schemas.microsoft.com/office/powerpoint/2010/main" val="3867425759"/>
+      </p:ext>
+    </p:extLst>
+  </p:cSld>
+  <p:clrMapOvr>
+    <a:masterClrMapping/>
+  </p:clrMapOvr>
+</p:sld>
+</file>
+
+<file path=ppt/slides/slide8.xml><?xml version="1.0" encoding="utf-8"?>
+<p:sld xmlns:a="http://schemas.openxmlformats.org/drawingml/2006/main" xmlns:r="http://schemas.openxmlformats.org/officeDocument/2006/relationships" xmlns:p="http://schemas.openxmlformats.org/presentationml/2006/main">
+  <p:cSld>
+    <p:spTree>
+      <p:nvGrpSpPr>
+        <p:cNvPr id="1" name=""/>
+        <p:cNvGrpSpPr/>
+        <p:nvPr/>
+      </p:nvGrpSpPr>
+      <p:grpSpPr>
+        <a:xfrm>
+          <a:off x="0" y="0"/>
+          <a:ext cx="0" cy="0"/>
+          <a:chOff x="0" y="0"/>
+          <a:chExt cx="0" cy="0"/>
+        </a:xfrm>
+      </p:grpSpPr>
+      <p:sp>
+        <p:nvSpPr>
+          <p:cNvPr id="2" name="标题 1">
+            <a:extLst>
+              <a:ext uri="{FF2B5EF4-FFF2-40B4-BE49-F238E27FC236}">
                 <a16:creationId xmlns:a16="http://schemas.microsoft.com/office/drawing/2014/main" id="{7F4D7448-137C-4C90-AE09-322931156528}"/>
               </a:ext>
             </a:extLst>
@@ -5986,7 +7301,7 @@
           <a:p>
             <a:r>
               <a:rPr lang="zh-CN" altLang="en-US" dirty="0"/>
-              <a:t>今日待办</a:t>
+              <a:t>连续统假设</a:t>
             </a:r>
           </a:p>
         </p:txBody>
@@ -6233,7 +7548,7 @@
                 </a:r>
                 <a:r>
                   <a:rPr lang="zh-CN" altLang="en-US" dirty="0"/>
-                  <a:t>）证伪。该假设的解与</a:t>
+                  <a:t>）证伪：该假设的解与</a:t>
                 </a:r>
                 <a:r>
                   <a:rPr lang="en-US" altLang="zh-CN" dirty="0"/>
@@ -6244,115 +7559,6 @@
                   <a:t>无关。</a:t>
                 </a:r>
                 <a:endParaRPr lang="en-US" altLang="zh-CN" dirty="0"/>
-              </a:p>
-              <a:p>
-                <a:pPr lvl="2"/>
-                <a:r>
-                  <a:rPr lang="en-US" altLang="zh-CN" dirty="0"/>
-                  <a:t>ZFC</a:t>
-                </a:r>
-                <a:r>
-                  <a:rPr lang="zh-CN" altLang="en-US" dirty="0"/>
-                  <a:t>：策梅洛</a:t>
-                </a:r>
-                <a:r>
-                  <a:rPr lang="en-US" altLang="zh-CN" dirty="0"/>
-                  <a:t>·</a:t>
-                </a:r>
-                <a:r>
-                  <a:rPr lang="zh-CN" altLang="en-US" dirty="0"/>
-                  <a:t>弗兰克尔集合论</a:t>
-                </a:r>
-                <a:r>
-                  <a:rPr lang="en-US" altLang="zh-CN" dirty="0"/>
-                  <a:t>+</a:t>
-                </a:r>
-                <a:r>
-                  <a:rPr lang="zh-CN" altLang="en-US" dirty="0"/>
-                  <a:t>选择公理（无选择公理时为</a:t>
-                </a:r>
-                <a:r>
-                  <a:rPr lang="en-US" altLang="zh-CN" dirty="0"/>
-                  <a:t>ZF</a:t>
-                </a:r>
-                <a:r>
-                  <a:rPr lang="zh-CN" altLang="en-US" dirty="0"/>
-                  <a:t>）。该集合论旨在构建一个无悖论的公理系统。</a:t>
-                </a:r>
-                <a:endParaRPr lang="en-US" altLang="zh-CN" dirty="0"/>
-              </a:p>
-              <a:p>
-                <a:r>
-                  <a:rPr lang="zh-CN" altLang="en-US" dirty="0">
-                    <a:solidFill>
-                      <a:schemeClr val="accent2">
-                        <a:lumMod val="50000"/>
-                      </a:schemeClr>
-                    </a:solidFill>
-                  </a:rPr>
-                  <a:t>类型论</a:t>
-                </a:r>
-                <a:r>
-                  <a:rPr lang="en-US" altLang="zh-CN" dirty="0">
-                    <a:solidFill>
-                      <a:schemeClr val="accent2">
-                        <a:lumMod val="50000"/>
-                      </a:schemeClr>
-                    </a:solidFill>
-                  </a:rPr>
-                  <a:t>-</a:t>
-                </a:r>
-                <a:r>
-                  <a:rPr lang="zh-CN" altLang="en-US" dirty="0">
-                    <a:solidFill>
-                      <a:schemeClr val="accent2">
-                        <a:lumMod val="50000"/>
-                      </a:schemeClr>
-                    </a:solidFill>
-                  </a:rPr>
-                  <a:t>集合论</a:t>
-                </a:r>
-                <a:r>
-                  <a:rPr lang="en-US" altLang="zh-CN" dirty="0">
-                    <a:solidFill>
-                      <a:schemeClr val="accent2">
-                        <a:lumMod val="50000"/>
-                      </a:schemeClr>
-                    </a:solidFill>
-                  </a:rPr>
-                  <a:t>-</a:t>
-                </a:r>
-                <a:r>
-                  <a:rPr lang="zh-CN" altLang="en-US" dirty="0">
-                    <a:solidFill>
-                      <a:schemeClr val="accent2">
-                        <a:lumMod val="50000"/>
-                      </a:schemeClr>
-                    </a:solidFill>
-                  </a:rPr>
-                  <a:t>模型论</a:t>
-                </a:r>
-                <a:r>
-                  <a:rPr lang="zh-CN" altLang="en-US" dirty="0"/>
-                  <a:t>：</a:t>
-                </a:r>
-                <a:endParaRPr lang="en-US" altLang="zh-CN" dirty="0"/>
-              </a:p>
-              <a:p>
-                <a:r>
-                  <a:rPr lang="zh-CN" altLang="en-US" dirty="0">
-                    <a:solidFill>
-                      <a:schemeClr val="accent2">
-                        <a:lumMod val="50000"/>
-                      </a:schemeClr>
-                    </a:solidFill>
-                  </a:rPr>
-                  <a:t>科学与技术的关系</a:t>
-                </a:r>
-                <a:r>
-                  <a:rPr lang="zh-CN" altLang="en-US" dirty="0"/>
-                  <a:t>：</a:t>
-                </a:r>
               </a:p>
             </p:txBody>
           </p:sp>
@@ -6414,7 +7620,7 @@
 </p:sld>
 </file>
 
-<file path=ppt/slides/slide7.xml><?xml version="1.0" encoding="utf-8"?>
+<file path=ppt/slides/slide9.xml><?xml version="1.0" encoding="utf-8"?>
 <p:sld xmlns:a="http://schemas.openxmlformats.org/drawingml/2006/main" xmlns:r="http://schemas.openxmlformats.org/officeDocument/2006/relationships" xmlns:p="http://schemas.openxmlformats.org/presentationml/2006/main">
   <p:cSld>
     <p:spTree>
@@ -6436,7 +7642,7 @@
           <p:cNvPr id="2" name="标题 1">
             <a:extLst>
               <a:ext uri="{FF2B5EF4-FFF2-40B4-BE49-F238E27FC236}">
-                <a16:creationId xmlns:a16="http://schemas.microsoft.com/office/drawing/2014/main" id="{BD6F3416-05A7-49AF-A491-93BA3793C75C}"/>
+                <a16:creationId xmlns:a16="http://schemas.microsoft.com/office/drawing/2014/main" id="{C78EC630-E97D-4FF4-902F-3CCE3E59F89D}"/>
               </a:ext>
             </a:extLst>
           </p:cNvPr>
@@ -6449,18 +7655,21 @@
         </p:nvSpPr>
         <p:spPr>
           <a:xfrm>
-            <a:off x="2231136" y="286598"/>
-            <a:ext cx="7729728" cy="1188720"/>
+            <a:off x="2231136" y="185046"/>
+            <a:ext cx="7729728" cy="479097"/>
           </a:xfrm>
         </p:spPr>
         <p:txBody>
-          <a:bodyPr/>
+          <a:bodyPr>
+            <a:normAutofit fontScale="90000"/>
+          </a:bodyPr>
           <a:lstStyle/>
           <a:p>
             <a:r>
-              <a:rPr lang="zh-CN" altLang="en-US" dirty="0"/>
-              <a:t>参考文献</a:t>
-            </a:r>
+              <a:rPr lang="en-US" altLang="zh-CN" dirty="0"/>
+              <a:t>ZFC</a:t>
+            </a:r>
+            <a:endParaRPr lang="zh-CN" altLang="en-US" dirty="0"/>
           </a:p>
         </p:txBody>
       </p:sp>
@@ -6469,7 +7678,7 @@
           <p:cNvPr id="3" name="内容占位符 2">
             <a:extLst>
               <a:ext uri="{FF2B5EF4-FFF2-40B4-BE49-F238E27FC236}">
-                <a16:creationId xmlns:a16="http://schemas.microsoft.com/office/drawing/2014/main" id="{6E7A93D6-720A-49F2-BC50-CFB94ED9DE1E}"/>
+                <a16:creationId xmlns:a16="http://schemas.microsoft.com/office/drawing/2014/main" id="{1CCB3BC5-2830-4458-B6EE-FEEC34C5E23C}"/>
               </a:ext>
             </a:extLst>
           </p:cNvPr>
@@ -6482,157 +7691,760 @@
         </p:nvSpPr>
         <p:spPr>
           <a:xfrm>
-            <a:off x="443432" y="1878008"/>
-            <a:ext cx="11330751" cy="4604985"/>
+            <a:off x="522010" y="780368"/>
+            <a:ext cx="11147980" cy="5892586"/>
           </a:xfrm>
         </p:spPr>
         <p:txBody>
-          <a:bodyPr/>
+          <a:bodyPr>
+            <a:normAutofit fontScale="92500" lnSpcReduction="20000"/>
+          </a:bodyPr>
           <a:lstStyle/>
           <a:p>
             <a:r>
-              <a:rPr lang="en-US" altLang="zh-CN" sz="2000" dirty="0">
+              <a:rPr lang="en-US" altLang="zh-CN" dirty="0">
+                <a:latin typeface="Times New Roman" panose="02020603050405020304" pitchFamily="18" charset="0"/>
+                <a:cs typeface="Times New Roman" panose="02020603050405020304" pitchFamily="18" charset="0"/>
+              </a:rPr>
+              <a:t>ZFC</a:t>
+            </a:r>
+            <a:r>
+              <a:rPr lang="zh-CN" altLang="en-US" dirty="0"/>
+              <a:t>：策梅洛</a:t>
+            </a:r>
+            <a:r>
+              <a:rPr lang="en-US" altLang="zh-CN" dirty="0"/>
+              <a:t>·</a:t>
+            </a:r>
+            <a:r>
+              <a:rPr lang="zh-CN" altLang="en-US" dirty="0"/>
+              <a:t>弗兰克尔集合论</a:t>
+            </a:r>
+            <a:r>
+              <a:rPr lang="en-US" altLang="zh-CN" dirty="0"/>
+              <a:t>+</a:t>
+            </a:r>
+            <a:r>
+              <a:rPr lang="zh-CN" altLang="en-US" dirty="0"/>
+              <a:t>选择公理</a:t>
+            </a:r>
+            <a:r>
+              <a:rPr lang="en-US" altLang="zh-CN" dirty="0"/>
+              <a:t>[</a:t>
+            </a:r>
+            <a:r>
+              <a:rPr lang="zh-CN" altLang="en-US" dirty="0">
                 <a:solidFill>
-                  <a:schemeClr val="tx1"/>
+                  <a:srgbClr val="FF0000"/>
+                </a:solidFill>
+              </a:rPr>
+              <a:t>非空集合的集合的笛卡尔积为非空集合</a:t>
+            </a:r>
+            <a:r>
+              <a:rPr lang="zh-CN" altLang="en-US" dirty="0"/>
+              <a:t>（有争议，</a:t>
+            </a:r>
+            <a:r>
+              <a:rPr lang="en-US" altLang="zh-CN" dirty="0"/>
+              <a:t>UCP</a:t>
+            </a:r>
+            <a:r>
+              <a:rPr lang="zh-CN" altLang="en-US" dirty="0"/>
+              <a:t>）</a:t>
+            </a:r>
+            <a:r>
+              <a:rPr lang="en-US" altLang="zh-CN" dirty="0"/>
+              <a:t>]</a:t>
+            </a:r>
+            <a:r>
+              <a:rPr lang="zh-CN" altLang="en-US" dirty="0"/>
+              <a:t>（无选择公理时为</a:t>
+            </a:r>
+            <a:r>
+              <a:rPr lang="en-US" altLang="zh-CN" dirty="0"/>
+              <a:t>ZF</a:t>
+            </a:r>
+            <a:r>
+              <a:rPr lang="zh-CN" altLang="en-US" dirty="0"/>
+              <a:t>）。该集合论旨在构建一个无悖论的公理系统。</a:t>
+            </a:r>
+            <a:endParaRPr lang="en-US" altLang="zh-CN" dirty="0"/>
+          </a:p>
+          <a:p>
+            <a:pPr lvl="1"/>
+            <a:r>
+              <a:rPr lang="en-US" altLang="zh-CN" dirty="0">
+                <a:solidFill>
+                  <a:srgbClr val="FF0000"/>
                 </a:solidFill>
                 <a:latin typeface="Times New Roman" panose="02020603050405020304" pitchFamily="18" charset="0"/>
-                <a:ea typeface="华文楷体" panose="02010600040101010101" pitchFamily="2" charset="-122"/>
                 <a:cs typeface="Times New Roman" panose="02020603050405020304" pitchFamily="18" charset="0"/>
               </a:rPr>
-              <a:t>[1] </a:t>
-            </a:r>
-            <a:r>
-              <a:rPr lang="en-US" altLang="zh-CN" sz="1800" dirty="0">
+              <a:t>Unrestricted Comprehension Principle(UCP):</a:t>
+            </a:r>
+            <a:r>
+              <a:rPr lang="zh-CN" altLang="en-US" dirty="0">
+                <a:latin typeface="Times New Roman" panose="02020603050405020304" pitchFamily="18" charset="0"/>
+                <a:cs typeface="Times New Roman" panose="02020603050405020304" pitchFamily="18" charset="0"/>
+              </a:rPr>
+              <a:t>给定集合 </a:t>
+            </a:r>
+            <a:r>
+              <a:rPr lang="en-US" altLang="zh-CN" dirty="0">
+                <a:latin typeface="Times New Roman" panose="02020603050405020304" pitchFamily="18" charset="0"/>
+                <a:cs typeface="Times New Roman" panose="02020603050405020304" pitchFamily="18" charset="0"/>
+              </a:rPr>
+              <a:t>A </a:t>
+            </a:r>
+            <a:r>
+              <a:rPr lang="zh-CN" altLang="en-US" dirty="0">
+                <a:latin typeface="Times New Roman" panose="02020603050405020304" pitchFamily="18" charset="0"/>
+                <a:cs typeface="Times New Roman" panose="02020603050405020304" pitchFamily="18" charset="0"/>
+              </a:rPr>
+              <a:t>和谓词 </a:t>
+            </a:r>
+            <a:r>
+              <a:rPr lang="en-US" altLang="zh-CN" dirty="0">
+                <a:latin typeface="Times New Roman" panose="02020603050405020304" pitchFamily="18" charset="0"/>
+                <a:cs typeface="Times New Roman" panose="02020603050405020304" pitchFamily="18" charset="0"/>
+              </a:rPr>
+              <a:t>P</a:t>
+            </a:r>
+            <a:r>
+              <a:rPr lang="zh-CN" altLang="en-US" dirty="0">
+                <a:latin typeface="Times New Roman" panose="02020603050405020304" pitchFamily="18" charset="0"/>
+                <a:cs typeface="Times New Roman" panose="02020603050405020304" pitchFamily="18" charset="0"/>
+              </a:rPr>
+              <a:t>，我们可以找到 </a:t>
+            </a:r>
+            <a:r>
+              <a:rPr lang="en-US" altLang="zh-CN" dirty="0">
+                <a:latin typeface="Times New Roman" panose="02020603050405020304" pitchFamily="18" charset="0"/>
+                <a:cs typeface="Times New Roman" panose="02020603050405020304" pitchFamily="18" charset="0"/>
+              </a:rPr>
+              <a:t>A </a:t>
+            </a:r>
+            <a:r>
+              <a:rPr lang="zh-CN" altLang="en-US" dirty="0">
+                <a:latin typeface="Times New Roman" panose="02020603050405020304" pitchFamily="18" charset="0"/>
+                <a:cs typeface="Times New Roman" panose="02020603050405020304" pitchFamily="18" charset="0"/>
+              </a:rPr>
+              <a:t>的子集 </a:t>
+            </a:r>
+            <a:r>
+              <a:rPr lang="en-US" altLang="zh-CN" dirty="0">
+                <a:latin typeface="Times New Roman" panose="02020603050405020304" pitchFamily="18" charset="0"/>
+                <a:cs typeface="Times New Roman" panose="02020603050405020304" pitchFamily="18" charset="0"/>
+              </a:rPr>
+              <a:t>B</a:t>
+            </a:r>
+            <a:r>
+              <a:rPr lang="zh-CN" altLang="en-US" dirty="0">
+                <a:latin typeface="Times New Roman" panose="02020603050405020304" pitchFamily="18" charset="0"/>
+                <a:cs typeface="Times New Roman" panose="02020603050405020304" pitchFamily="18" charset="0"/>
+              </a:rPr>
+              <a:t>，它的成员满足 </a:t>
+            </a:r>
+            <a:r>
+              <a:rPr lang="en-US" altLang="zh-CN" dirty="0">
+                <a:latin typeface="Times New Roman" panose="02020603050405020304" pitchFamily="18" charset="0"/>
+                <a:cs typeface="Times New Roman" panose="02020603050405020304" pitchFamily="18" charset="0"/>
+              </a:rPr>
+              <a:t>P</a:t>
+            </a:r>
+            <a:r>
+              <a:rPr lang="zh-CN" altLang="en-US" dirty="0">
+                <a:latin typeface="Times New Roman" panose="02020603050405020304" pitchFamily="18" charset="0"/>
+                <a:cs typeface="Times New Roman" panose="02020603050405020304" pitchFamily="18" charset="0"/>
+              </a:rPr>
+              <a:t>。因此对于所有集合的集合，我们总是可以找到一个子集不在集合中，这就产生了矛盾，因此不存在所有集合的集合。</a:t>
+            </a:r>
+            <a:endParaRPr lang="en-US" altLang="zh-CN" dirty="0">
+              <a:latin typeface="Times New Roman" panose="02020603050405020304" pitchFamily="18" charset="0"/>
+              <a:cs typeface="Times New Roman" panose="02020603050405020304" pitchFamily="18" charset="0"/>
+            </a:endParaRPr>
+          </a:p>
+          <a:p>
+            <a:pPr lvl="1"/>
+            <a:r>
+              <a:rPr lang="zh-CN" altLang="en-US" dirty="0">
                 <a:solidFill>
-                  <a:schemeClr val="tx1"/>
+                  <a:schemeClr val="accent2">
+                    <a:lumMod val="50000"/>
+                  </a:schemeClr>
                 </a:solidFill>
                 <a:latin typeface="Times New Roman" panose="02020603050405020304" pitchFamily="18" charset="0"/>
-                <a:ea typeface="华文楷体" panose="02010600040101010101" pitchFamily="2" charset="-122"/>
                 <a:cs typeface="Times New Roman" panose="02020603050405020304" pitchFamily="18" charset="0"/>
               </a:rPr>
-              <a:t>DOI:</a:t>
-            </a:r>
-            <a:r>
-              <a:rPr lang="en-US" altLang="zh-CN" sz="2000" dirty="0">
+              <a:t>虚真</a:t>
+            </a:r>
+            <a:r>
+              <a:rPr lang="zh-CN" altLang="en-US" dirty="0">
+                <a:latin typeface="Times New Roman" panose="02020603050405020304" pitchFamily="18" charset="0"/>
+                <a:cs typeface="Times New Roman" panose="02020603050405020304" pitchFamily="18" charset="0"/>
+              </a:rPr>
+              <a:t>：</a:t>
+            </a:r>
+            <a:r>
+              <a:rPr lang="en-US" altLang="zh-CN" dirty="0">
+                <a:latin typeface="Times New Roman" panose="02020603050405020304" pitchFamily="18" charset="0"/>
+                <a:cs typeface="Times New Roman" panose="02020603050405020304" pitchFamily="18" charset="0"/>
+              </a:rPr>
+              <a:t>P-&gt;Q</a:t>
+            </a:r>
+            <a:r>
+              <a:rPr lang="zh-CN" altLang="en-US" dirty="0">
+                <a:latin typeface="Times New Roman" panose="02020603050405020304" pitchFamily="18" charset="0"/>
+                <a:cs typeface="Times New Roman" panose="02020603050405020304" pitchFamily="18" charset="0"/>
+              </a:rPr>
+              <a:t>为真</a:t>
+            </a:r>
+            <a:r>
+              <a:rPr lang="en-US" altLang="zh-CN" dirty="0">
+                <a:latin typeface="Times New Roman" panose="02020603050405020304" pitchFamily="18" charset="0"/>
+                <a:cs typeface="Times New Roman" panose="02020603050405020304" pitchFamily="18" charset="0"/>
+              </a:rPr>
+              <a:t>, </a:t>
+            </a:r>
+            <a:r>
+              <a:rPr lang="zh-CN" altLang="en-US" dirty="0">
+                <a:latin typeface="Times New Roman" panose="02020603050405020304" pitchFamily="18" charset="0"/>
+                <a:cs typeface="Times New Roman" panose="02020603050405020304" pitchFamily="18" charset="0"/>
+              </a:rPr>
+              <a:t>且</a:t>
+            </a:r>
+            <a:r>
+              <a:rPr lang="en-US" altLang="zh-CN" dirty="0">
+                <a:latin typeface="Times New Roman" panose="02020603050405020304" pitchFamily="18" charset="0"/>
+                <a:cs typeface="Times New Roman" panose="02020603050405020304" pitchFamily="18" charset="0"/>
+              </a:rPr>
+              <a:t>P</a:t>
+            </a:r>
+            <a:r>
+              <a:rPr lang="zh-CN" altLang="en-US" dirty="0">
+                <a:latin typeface="Times New Roman" panose="02020603050405020304" pitchFamily="18" charset="0"/>
+                <a:cs typeface="Times New Roman" panose="02020603050405020304" pitchFamily="18" charset="0"/>
+              </a:rPr>
+              <a:t>为假；</a:t>
+            </a:r>
+            <a:r>
+              <a:rPr lang="zh-CN" altLang="en-US" dirty="0">
                 <a:solidFill>
-                  <a:schemeClr val="tx1"/>
+                  <a:schemeClr val="accent2">
+                    <a:lumMod val="50000"/>
+                  </a:schemeClr>
                 </a:solidFill>
                 <a:latin typeface="Times New Roman" panose="02020603050405020304" pitchFamily="18" charset="0"/>
-                <a:ea typeface="华文楷体" panose="02010600040101010101" pitchFamily="2" charset="-122"/>
                 <a:cs typeface="Times New Roman" panose="02020603050405020304" pitchFamily="18" charset="0"/>
               </a:rPr>
-              <a:t> </a:t>
-            </a:r>
-            <a:r>
-              <a:rPr lang="en-US" altLang="zh-CN" sz="1800" dirty="0">
+              <a:t> 纯集合</a:t>
+            </a:r>
+            <a:r>
+              <a:rPr lang="zh-CN" altLang="en-US" dirty="0">
+                <a:latin typeface="Times New Roman" panose="02020603050405020304" pitchFamily="18" charset="0"/>
+                <a:cs typeface="Times New Roman" panose="02020603050405020304" pitchFamily="18" charset="0"/>
+              </a:rPr>
+              <a:t>：集合的成员都是集合，成员的集合都是集合</a:t>
+            </a:r>
+            <a:r>
+              <a:rPr lang="en-US" altLang="zh-CN" dirty="0">
+                <a:latin typeface="Times New Roman" panose="02020603050405020304" pitchFamily="18" charset="0"/>
+                <a:cs typeface="Times New Roman" panose="02020603050405020304" pitchFamily="18" charset="0"/>
+              </a:rPr>
+              <a:t>…..</a:t>
+            </a:r>
+          </a:p>
+          <a:p>
+            <a:pPr lvl="1"/>
+            <a:r>
+              <a:rPr lang="zh-CN" altLang="en-US" b="1" i="0" dirty="0">
                 <a:solidFill>
-                  <a:srgbClr val="0070C0"/>
+                  <a:srgbClr val="000000"/>
                 </a:solidFill>
-                <a:latin typeface="Times New Roman" panose="02020603050405020304" pitchFamily="18" charset="0"/>
-                <a:ea typeface="华文楷体" panose="02010600040101010101" pitchFamily="2" charset="-122"/>
-                <a:cs typeface="Times New Roman" panose="02020603050405020304" pitchFamily="18" charset="0"/>
-                <a:hlinkClick r:id="rId2">
-                  <a:extLst>
-                    <a:ext uri="{A12FA001-AC4F-418D-AE19-62706E023703}">
-                      <ahyp:hlinkClr xmlns:ahyp="http://schemas.microsoft.com/office/drawing/2018/hyperlinkcolor" val="tx"/>
-                    </a:ext>
-                  </a:extLst>
-                </a:hlinkClick>
-              </a:rPr>
-              <a:t>10.1109/ICASSP.1996.541110</a:t>
-            </a:r>
-            <a:endParaRPr lang="en-US" altLang="zh-CN" sz="2000" dirty="0">
+                <a:effectLst/>
+                <a:latin typeface="Linux Libertine"/>
+              </a:rPr>
+              <a:t>基本元素（</a:t>
+            </a:r>
+            <a:r>
+              <a:rPr lang="en-US" altLang="zh-CN" b="1" i="0" dirty="0">
+                <a:solidFill>
+                  <a:srgbClr val="000000"/>
+                </a:solidFill>
+                <a:effectLst/>
+                <a:latin typeface="Linux Libertine"/>
+              </a:rPr>
+              <a:t>Urelement</a:t>
+            </a:r>
+            <a:r>
+              <a:rPr lang="zh-CN" altLang="en-US" b="1" i="0" dirty="0">
+                <a:solidFill>
+                  <a:srgbClr val="000000"/>
+                </a:solidFill>
+                <a:effectLst/>
+                <a:latin typeface="Linux Libertine"/>
+              </a:rPr>
+              <a:t>）</a:t>
+            </a:r>
+            <a:r>
+              <a:rPr lang="en-US" altLang="zh-CN" b="1" i="0" dirty="0">
+                <a:solidFill>
+                  <a:srgbClr val="000000"/>
+                </a:solidFill>
+                <a:effectLst/>
+                <a:latin typeface="Linux Libertine"/>
+              </a:rPr>
+              <a:t>: </a:t>
+            </a:r>
+            <a:r>
+              <a:rPr lang="zh-CN" altLang="en-US" dirty="0">
+                <a:solidFill>
+                  <a:srgbClr val="000000"/>
+                </a:solidFill>
+                <a:latin typeface="Linux Libertine"/>
+              </a:rPr>
+              <a:t>不是集合的对象；</a:t>
+            </a:r>
+            <a:endParaRPr lang="en-US" altLang="zh-CN" dirty="0">
               <a:solidFill>
-                <a:srgbClr val="0070C0"/>
+                <a:srgbClr val="000000"/>
               </a:solidFill>
+              <a:latin typeface="Linux Libertine"/>
+            </a:endParaRPr>
+          </a:p>
+          <a:p>
+            <a:pPr lvl="1"/>
+            <a:r>
+              <a:rPr lang="zh-CN" altLang="en-US" dirty="0">
+                <a:solidFill>
+                  <a:srgbClr val="000000"/>
+                </a:solidFill>
+                <a:latin typeface="Linux Libertine"/>
+              </a:rPr>
+              <a:t>一般情况下，类就是一组集合（或者其他的数学对象）；</a:t>
+            </a:r>
+            <a:r>
+              <a:rPr lang="en-US" altLang="zh-CN" dirty="0">
+                <a:solidFill>
+                  <a:srgbClr val="000000"/>
+                </a:solidFill>
+                <a:latin typeface="Linux Libertine"/>
+              </a:rPr>
+              <a:t>ZFC</a:t>
+            </a:r>
+            <a:r>
+              <a:rPr lang="zh-CN" altLang="en-US" dirty="0">
+                <a:solidFill>
+                  <a:srgbClr val="000000"/>
+                </a:solidFill>
+                <a:latin typeface="Linux Libertine"/>
+              </a:rPr>
+              <a:t>中，非集合类叫做真类（</a:t>
+            </a:r>
+            <a:r>
+              <a:rPr lang="en-US" altLang="zh-CN" dirty="0">
+                <a:solidFill>
+                  <a:srgbClr val="000000"/>
+                </a:solidFill>
+                <a:latin typeface="Linux Libertine"/>
+              </a:rPr>
+              <a:t>Proper Class</a:t>
+            </a:r>
+            <a:r>
+              <a:rPr lang="zh-CN" altLang="en-US" dirty="0">
+                <a:solidFill>
+                  <a:srgbClr val="000000"/>
+                </a:solidFill>
+                <a:latin typeface="Linux Libertine"/>
+              </a:rPr>
+              <a:t>）。</a:t>
+            </a:r>
+            <a:endParaRPr lang="en-US" altLang="zh-CN" dirty="0">
               <a:latin typeface="Times New Roman" panose="02020603050405020304" pitchFamily="18" charset="0"/>
-              <a:ea typeface="华文楷体" panose="02010600040101010101" pitchFamily="2" charset="-122"/>
               <a:cs typeface="Times New Roman" panose="02020603050405020304" pitchFamily="18" charset="0"/>
             </a:endParaRPr>
           </a:p>
           <a:p>
             <a:r>
-              <a:rPr lang="en-US" altLang="zh-CN" sz="2000" dirty="0">
-                <a:solidFill>
-                  <a:schemeClr val="tx1"/>
-                </a:solidFill>
+              <a:rPr lang="en-US" altLang="zh-CN" dirty="0">
                 <a:latin typeface="Times New Roman" panose="02020603050405020304" pitchFamily="18" charset="0"/>
-                <a:ea typeface="华文楷体" panose="02010600040101010101" pitchFamily="2" charset="-122"/>
                 <a:cs typeface="Times New Roman" panose="02020603050405020304" pitchFamily="18" charset="0"/>
               </a:rPr>
-              <a:t>[2] </a:t>
-            </a:r>
-            <a:r>
-              <a:rPr lang="en-US" altLang="zh-CN" sz="1800" dirty="0">
-                <a:solidFill>
-                  <a:schemeClr val="tx1"/>
-                </a:solidFill>
+              <a:t>ZFC</a:t>
+            </a:r>
+            <a:r>
+              <a:rPr lang="zh-CN" altLang="en-US" dirty="0">
                 <a:latin typeface="Times New Roman" panose="02020603050405020304" pitchFamily="18" charset="0"/>
-                <a:ea typeface="华文楷体" panose="02010600040101010101" pitchFamily="2" charset="-122"/>
                 <a:cs typeface="Times New Roman" panose="02020603050405020304" pitchFamily="18" charset="0"/>
               </a:rPr>
-              <a:t>DOI:</a:t>
-            </a:r>
-            <a:r>
-              <a:rPr lang="zh-CN" altLang="en-US" sz="2000" dirty="0">
-                <a:solidFill>
-                  <a:schemeClr val="tx1"/>
-                </a:solidFill>
+              <a:t>的公理仅仅涉及纯</a:t>
+            </a:r>
+            <a:r>
+              <a:rPr lang="en-US" altLang="zh-CN" dirty="0">
                 <a:latin typeface="Times New Roman" panose="02020603050405020304" pitchFamily="18" charset="0"/>
-                <a:ea typeface="华文楷体" panose="02010600040101010101" pitchFamily="2" charset="-122"/>
                 <a:cs typeface="Times New Roman" panose="02020603050405020304" pitchFamily="18" charset="0"/>
               </a:rPr>
-              <a:t> </a:t>
-            </a:r>
-            <a:r>
-              <a:rPr lang="en-US" altLang="zh-CN" sz="1800" dirty="0">
-                <a:solidFill>
-                  <a:srgbClr val="0070C0"/>
-                </a:solidFill>
+              <a:t>/</a:t>
+            </a:r>
+            <a:r>
+              <a:rPr lang="zh-CN" altLang="en-US" dirty="0">
                 <a:latin typeface="Times New Roman" panose="02020603050405020304" pitchFamily="18" charset="0"/>
-                <a:ea typeface="华文楷体" panose="02010600040101010101" pitchFamily="2" charset="-122"/>
                 <a:cs typeface="Times New Roman" panose="02020603050405020304" pitchFamily="18" charset="0"/>
-                <a:hlinkClick r:id="rId3">
-                  <a:extLst>
-                    <a:ext uri="{A12FA001-AC4F-418D-AE19-62706E023703}">
-                      <ahyp:hlinkClr xmlns:ahyp="http://schemas.microsoft.com/office/drawing/2018/hyperlinkcolor" val="tx"/>
-                    </a:ext>
-                  </a:extLst>
-                </a:hlinkClick>
-              </a:rPr>
-              <a:t>https://doi.org/10.1561/2000000001</a:t>
-            </a:r>
-            <a:endParaRPr lang="en-US" altLang="zh-CN" sz="1800" dirty="0">
-              <a:solidFill>
-                <a:srgbClr val="0070C0"/>
-              </a:solidFill>
+              </a:rPr>
+              <a:t>遗传集合。</a:t>
+            </a:r>
+            <a:r>
+              <a:rPr lang="en-US" altLang="zh-CN" dirty="0">
+                <a:latin typeface="Times New Roman" panose="02020603050405020304" pitchFamily="18" charset="0"/>
+                <a:cs typeface="Times New Roman" panose="02020603050405020304" pitchFamily="18" charset="0"/>
+              </a:rPr>
+              <a:t>ZF</a:t>
+            </a:r>
+            <a:r>
+              <a:rPr lang="zh-CN" altLang="en-US" dirty="0">
+                <a:latin typeface="Times New Roman" panose="02020603050405020304" pitchFamily="18" charset="0"/>
+                <a:cs typeface="Times New Roman" panose="02020603050405020304" pitchFamily="18" charset="0"/>
+              </a:rPr>
+              <a:t>是不包括全集的。</a:t>
+            </a:r>
+            <a:endParaRPr lang="en-US" altLang="zh-CN" dirty="0">
               <a:latin typeface="Times New Roman" panose="02020603050405020304" pitchFamily="18" charset="0"/>
-              <a:ea typeface="华文楷体" panose="02010600040101010101" pitchFamily="2" charset="-122"/>
               <a:cs typeface="Times New Roman" panose="02020603050405020304" pitchFamily="18" charset="0"/>
             </a:endParaRPr>
           </a:p>
           <a:p>
             <a:r>
-              <a:rPr lang="en-US" altLang="zh-CN" sz="1800" dirty="0">
+              <a:rPr lang="en-US" altLang="zh-CN" dirty="0">
+                <a:latin typeface="Times New Roman" panose="02020603050405020304" pitchFamily="18" charset="0"/>
+                <a:cs typeface="Times New Roman" panose="02020603050405020304" pitchFamily="18" charset="0"/>
+              </a:rPr>
+              <a:t>ZFC</a:t>
+            </a:r>
+            <a:r>
+              <a:rPr lang="zh-CN" altLang="en-US" dirty="0"/>
+              <a:t>的公理：</a:t>
+            </a:r>
+            <a:endParaRPr lang="en-US" altLang="zh-CN" dirty="0"/>
+          </a:p>
+          <a:p>
+            <a:pPr lvl="1"/>
+            <a:r>
+              <a:rPr lang="zh-CN" altLang="en-US" b="1" dirty="0"/>
+              <a:t>外延公理</a:t>
+            </a:r>
+            <a:r>
+              <a:rPr lang="zh-CN" altLang="en-US" dirty="0"/>
+              <a:t>：</a:t>
+            </a:r>
+            <a:r>
+              <a:rPr lang="zh-CN" altLang="en-US" b="0" i="0" dirty="0">
                 <a:solidFill>
-                  <a:srgbClr val="0070C0"/>
+                  <a:srgbClr val="202122"/>
                 </a:solidFill>
-                <a:latin typeface="Times New Roman" panose="02020603050405020304" pitchFamily="18" charset="0"/>
-                <a:ea typeface="华文楷体" panose="02010600040101010101" pitchFamily="2" charset="-122"/>
-                <a:cs typeface="Times New Roman" panose="02020603050405020304" pitchFamily="18" charset="0"/>
-              </a:rPr>
-              <a:t> </a:t>
-            </a:r>
-          </a:p>
-          <a:p>
-            <a:endParaRPr lang="zh-CN" altLang="en-US" dirty="0"/>
+                <a:effectLst/>
+                <a:latin typeface="Arial" panose="020B0604020202020204" pitchFamily="34" charset="0"/>
+              </a:rPr>
+              <a:t>两个集合相等，若它们有相同的元素。</a:t>
+            </a:r>
+            <a:endParaRPr lang="en-US" altLang="zh-CN" dirty="0"/>
+          </a:p>
+          <a:p>
+            <a:pPr lvl="1"/>
+            <a:r>
+              <a:rPr lang="zh-CN" altLang="en-US" b="1" dirty="0"/>
+              <a:t>正则公理</a:t>
+            </a:r>
+            <a:r>
+              <a:rPr lang="zh-CN" altLang="en-US" dirty="0"/>
+              <a:t>：每个非空集合</a:t>
+            </a:r>
+            <a:r>
+              <a:rPr lang="en-US" altLang="zh-CN" dirty="0"/>
+              <a:t>x</a:t>
+            </a:r>
+            <a:r>
+              <a:rPr lang="zh-CN" altLang="en-US" dirty="0"/>
+              <a:t>都有一个元素</a:t>
+            </a:r>
+            <a:r>
+              <a:rPr lang="en-US" altLang="zh-CN" dirty="0"/>
+              <a:t>y</a:t>
+            </a:r>
+            <a:r>
+              <a:rPr lang="zh-CN" altLang="en-US" dirty="0"/>
+              <a:t>，使得</a:t>
+            </a:r>
+            <a:r>
+              <a:rPr lang="en-US" altLang="zh-CN" dirty="0"/>
+              <a:t>x</a:t>
+            </a:r>
+            <a:r>
+              <a:rPr lang="zh-CN" altLang="en-US" dirty="0"/>
+              <a:t>和</a:t>
+            </a:r>
+            <a:r>
+              <a:rPr lang="en-US" altLang="zh-CN" dirty="0"/>
+              <a:t>y</a:t>
+            </a:r>
+            <a:r>
+              <a:rPr lang="zh-CN" altLang="en-US" dirty="0"/>
+              <a:t>交集为空。</a:t>
+            </a:r>
+            <a:endParaRPr lang="en-US" altLang="zh-CN" dirty="0"/>
+          </a:p>
+          <a:p>
+            <a:pPr lvl="1"/>
+            <a:r>
+              <a:rPr lang="en-US" altLang="zh-CN" b="1" dirty="0"/>
+              <a:t>UCP</a:t>
+            </a:r>
+            <a:r>
+              <a:rPr lang="zh-CN" altLang="en-US" dirty="0"/>
+              <a:t>：略</a:t>
+            </a:r>
+            <a:endParaRPr lang="en-US" altLang="zh-CN" dirty="0"/>
+          </a:p>
+          <a:p>
+            <a:pPr lvl="1"/>
+            <a:r>
+              <a:rPr lang="zh-CN" altLang="en-US" b="1" dirty="0"/>
+              <a:t>联集公理</a:t>
+            </a:r>
+            <a:r>
+              <a:rPr lang="zh-CN" altLang="en-US" dirty="0"/>
+              <a:t>：对于每个集合</a:t>
+            </a:r>
+            <a:r>
+              <a:rPr lang="en-US" altLang="zh-CN" dirty="0"/>
+              <a:t>x</a:t>
+            </a:r>
+            <a:r>
+              <a:rPr lang="zh-CN" altLang="en-US" dirty="0"/>
+              <a:t>存在一个集合</a:t>
+            </a:r>
+            <a:r>
+              <a:rPr lang="en-US" altLang="zh-CN" dirty="0"/>
+              <a:t>y</a:t>
+            </a:r>
+            <a:r>
+              <a:rPr lang="zh-CN" altLang="en-US" dirty="0"/>
+              <a:t>其元素恰好是</a:t>
+            </a:r>
+            <a:r>
+              <a:rPr lang="en-US" altLang="zh-CN" dirty="0"/>
+              <a:t>x</a:t>
+            </a:r>
+            <a:r>
+              <a:rPr lang="zh-CN" altLang="en-US" dirty="0"/>
+              <a:t>的元素的元素。</a:t>
+            </a:r>
+            <a:endParaRPr lang="en-US" altLang="zh-CN" dirty="0"/>
+          </a:p>
+          <a:p>
+            <a:pPr lvl="1"/>
+            <a:r>
+              <a:rPr lang="zh-CN" altLang="en-US" b="1" dirty="0"/>
+              <a:t>替代公理</a:t>
+            </a:r>
+            <a:r>
+              <a:rPr lang="zh-CN" altLang="en-US" dirty="0"/>
+              <a:t>：一个集合在一个映射（泛函谓词）下的像也是一个集合</a:t>
+            </a:r>
+            <a:endParaRPr lang="en-US" altLang="zh-CN" dirty="0"/>
+          </a:p>
+          <a:p>
+            <a:pPr lvl="1"/>
+            <a:r>
+              <a:rPr lang="zh-CN" altLang="en-US" b="1" dirty="0"/>
+              <a:t>幂集公理</a:t>
+            </a:r>
+            <a:r>
+              <a:rPr lang="zh-CN" altLang="en-US" dirty="0"/>
+              <a:t>：对于任意的集合</a:t>
+            </a:r>
+            <a:r>
+              <a:rPr lang="en-US" altLang="zh-CN" dirty="0"/>
+              <a:t>A</a:t>
+            </a:r>
+            <a:r>
+              <a:rPr lang="zh-CN" altLang="en-US" dirty="0"/>
+              <a:t>，存在一个集合</a:t>
+            </a:r>
+            <a:r>
+              <a:rPr lang="en-US" altLang="zh-CN" dirty="0"/>
+              <a:t>P(A)</a:t>
+            </a:r>
+            <a:r>
+              <a:rPr lang="zh-CN" altLang="en-US" dirty="0"/>
+              <a:t>使得对于任意集合</a:t>
+            </a:r>
+            <a:r>
+              <a:rPr lang="en-US" altLang="zh-CN" dirty="0"/>
+              <a:t>x</a:t>
+            </a:r>
+            <a:r>
+              <a:rPr lang="zh-CN" altLang="en-US" dirty="0"/>
+              <a:t>含于</a:t>
+            </a:r>
+            <a:r>
+              <a:rPr lang="en-US" altLang="zh-CN" dirty="0"/>
+              <a:t>A</a:t>
+            </a:r>
+            <a:r>
+              <a:rPr lang="zh-CN" altLang="en-US" dirty="0"/>
+              <a:t>，集合</a:t>
+            </a:r>
+            <a:r>
+              <a:rPr lang="en-US" altLang="zh-CN" dirty="0"/>
+              <a:t>x</a:t>
+            </a:r>
+            <a:r>
+              <a:rPr lang="zh-CN" altLang="en-US" dirty="0"/>
+              <a:t>含于</a:t>
+            </a:r>
+            <a:r>
+              <a:rPr lang="en-US" altLang="zh-CN" dirty="0"/>
+              <a:t>P(A)</a:t>
+            </a:r>
+            <a:r>
+              <a:rPr lang="zh-CN" altLang="en-US" dirty="0"/>
+              <a:t>。</a:t>
+            </a:r>
+            <a:endParaRPr lang="en-US" altLang="zh-CN" dirty="0"/>
+          </a:p>
+          <a:p>
+            <a:pPr lvl="1"/>
+            <a:r>
+              <a:rPr lang="zh-CN" altLang="en-US" b="1" dirty="0"/>
+              <a:t>良序公理</a:t>
+            </a:r>
+            <a:r>
+              <a:rPr lang="zh-CN" altLang="en-US" dirty="0"/>
+              <a:t>：所有集合均为良序。</a:t>
+            </a:r>
+            <a:endParaRPr lang="en-US" altLang="zh-CN" dirty="0"/>
+          </a:p>
+          <a:p>
+            <a:pPr lvl="1"/>
+            <a:r>
+              <a:rPr lang="zh-CN" altLang="en-US" b="1" dirty="0"/>
+              <a:t>配对公理</a:t>
+            </a:r>
+            <a:r>
+              <a:rPr lang="zh-CN" altLang="en-US" dirty="0"/>
+              <a:t>：若</a:t>
+            </a:r>
+            <a:r>
+              <a:rPr lang="en-US" altLang="zh-CN" dirty="0"/>
+              <a:t>A</a:t>
+            </a:r>
+            <a:r>
+              <a:rPr lang="zh-CN" altLang="en-US" dirty="0"/>
+              <a:t>和</a:t>
+            </a:r>
+            <a:r>
+              <a:rPr lang="en-US" altLang="zh-CN" dirty="0"/>
+              <a:t>B</a:t>
+            </a:r>
+            <a:r>
+              <a:rPr lang="zh-CN" altLang="en-US" dirty="0"/>
+              <a:t>均为集合，则存在一个集合包含</a:t>
+            </a:r>
+            <a:r>
+              <a:rPr lang="en-US" altLang="zh-CN" dirty="0"/>
+              <a:t>A</a:t>
+            </a:r>
+            <a:r>
+              <a:rPr lang="zh-CN" altLang="en-US" dirty="0"/>
+              <a:t>，</a:t>
+            </a:r>
+            <a:r>
+              <a:rPr lang="en-US" altLang="zh-CN" dirty="0"/>
+              <a:t>B</a:t>
+            </a:r>
+            <a:r>
+              <a:rPr lang="zh-CN" altLang="en-US" dirty="0"/>
+              <a:t>。</a:t>
+            </a:r>
+            <a:endParaRPr lang="en-US" altLang="zh-CN" dirty="0"/>
+          </a:p>
+          <a:p>
+            <a:pPr lvl="1"/>
+            <a:r>
+              <a:rPr lang="zh-CN" altLang="en-US" b="1" dirty="0"/>
+              <a:t>无穷公理</a:t>
+            </a:r>
+            <a:r>
+              <a:rPr lang="zh-CN" altLang="en-US" dirty="0"/>
+              <a:t>：存在一个集合</a:t>
+            </a:r>
+            <a:r>
+              <a:rPr lang="en-US" altLang="zh-CN" dirty="0"/>
+              <a:t>I</a:t>
+            </a:r>
+            <a:r>
+              <a:rPr lang="zh-CN" altLang="en-US" dirty="0"/>
+              <a:t>，空集存在于</a:t>
+            </a:r>
+            <a:r>
+              <a:rPr lang="en-US" altLang="zh-CN" dirty="0"/>
+              <a:t>I</a:t>
+            </a:r>
+            <a:r>
+              <a:rPr lang="zh-CN" altLang="en-US" dirty="0"/>
+              <a:t>中，使得</a:t>
+            </a:r>
+            <a:r>
+              <a:rPr lang="en-US" altLang="zh-CN" dirty="0"/>
+              <a:t>I</a:t>
+            </a:r>
+            <a:r>
+              <a:rPr lang="zh-CN" altLang="en-US" dirty="0"/>
+              <a:t>的元素</a:t>
+            </a:r>
+            <a:r>
+              <a:rPr lang="en-US" altLang="zh-CN" dirty="0"/>
+              <a:t>x</a:t>
+            </a:r>
+            <a:r>
+              <a:rPr lang="zh-CN" altLang="en-US" dirty="0"/>
+              <a:t>与其独元集</a:t>
+            </a:r>
+            <a:r>
+              <a:rPr lang="en-US" altLang="zh-CN" dirty="0"/>
+              <a:t>{x}(singleton)</a:t>
+            </a:r>
+            <a:r>
+              <a:rPr lang="zh-CN" altLang="en-US" dirty="0"/>
+              <a:t>的并仍然是</a:t>
+            </a:r>
+            <a:r>
+              <a:rPr lang="en-US" altLang="zh-CN" dirty="0"/>
+              <a:t>I</a:t>
+            </a:r>
+            <a:r>
+              <a:rPr lang="zh-CN" altLang="en-US" dirty="0"/>
+              <a:t>的元素，</a:t>
+            </a:r>
+            <a:r>
+              <a:rPr lang="en-US" altLang="zh-CN" dirty="0"/>
+              <a:t>{x,{x}}</a:t>
+            </a:r>
+            <a:r>
+              <a:rPr lang="zh-CN" altLang="en-US" dirty="0"/>
+              <a:t>这个集合被称为归纳集。</a:t>
+            </a:r>
+          </a:p>
+          <a:p>
+            <a:pPr lvl="1"/>
+            <a:endParaRPr lang="en-US" altLang="zh-CN" dirty="0"/>
           </a:p>
         </p:txBody>
       </p:sp>
     </p:spTree>
     <p:extLst>
       <p:ext uri="{BB962C8B-B14F-4D97-AF65-F5344CB8AC3E}">
-        <p14:creationId xmlns:p14="http://schemas.microsoft.com/office/powerpoint/2010/main" val="695972352"/>
+        <p14:creationId xmlns:p14="http://schemas.microsoft.com/office/powerpoint/2010/main" val="3322004891"/>
       </p:ext>
     </p:extLst>
   </p:cSld>

--- a/语音处理/TTS入门2.pptx
+++ b/语音处理/TTS入门2.pptx
@@ -12,12 +12,13 @@
     <p:sldId id="260" r:id="rId6"/>
     <p:sldId id="267" r:id="rId7"/>
     <p:sldId id="268" r:id="rId8"/>
-    <p:sldId id="262" r:id="rId9"/>
-    <p:sldId id="265" r:id="rId10"/>
-    <p:sldId id="266" r:id="rId11"/>
-    <p:sldId id="263" r:id="rId12"/>
-    <p:sldId id="264" r:id="rId13"/>
-    <p:sldId id="261" r:id="rId14"/>
+    <p:sldId id="269" r:id="rId9"/>
+    <p:sldId id="262" r:id="rId10"/>
+    <p:sldId id="265" r:id="rId11"/>
+    <p:sldId id="266" r:id="rId12"/>
+    <p:sldId id="263" r:id="rId13"/>
+    <p:sldId id="264" r:id="rId14"/>
+    <p:sldId id="261" r:id="rId15"/>
   </p:sldIdLst>
   <p:sldSz cx="12192000" cy="6858000"/>
   <p:notesSz cx="6858000" cy="9144000"/>
@@ -287,7 +288,7 @@
           <a:p>
             <a:fld id="{7D992E2B-DF6A-4357-9038-70C7EFA6D81D}" type="datetimeFigureOut">
               <a:rPr lang="zh-CN" altLang="en-US" smtClean="0"/>
-              <a:t>2023/11/21</a:t>
+              <a:t>2023/11/22</a:t>
             </a:fld>
             <a:endParaRPr lang="zh-CN" altLang="en-US"/>
           </a:p>
@@ -457,7 +458,7 @@
           <a:p>
             <a:fld id="{7D992E2B-DF6A-4357-9038-70C7EFA6D81D}" type="datetimeFigureOut">
               <a:rPr lang="zh-CN" altLang="en-US" smtClean="0"/>
-              <a:t>2023/11/21</a:t>
+              <a:t>2023/11/22</a:t>
             </a:fld>
             <a:endParaRPr lang="zh-CN" altLang="en-US"/>
           </a:p>
@@ -637,7 +638,7 @@
           <a:p>
             <a:fld id="{7D992E2B-DF6A-4357-9038-70C7EFA6D81D}" type="datetimeFigureOut">
               <a:rPr lang="zh-CN" altLang="en-US" smtClean="0"/>
-              <a:t>2023/11/21</a:t>
+              <a:t>2023/11/22</a:t>
             </a:fld>
             <a:endParaRPr lang="zh-CN" altLang="en-US"/>
           </a:p>
@@ -807,7 +808,7 @@
           <a:p>
             <a:fld id="{7D992E2B-DF6A-4357-9038-70C7EFA6D81D}" type="datetimeFigureOut">
               <a:rPr lang="zh-CN" altLang="en-US" smtClean="0"/>
-              <a:t>2023/11/21</a:t>
+              <a:t>2023/11/22</a:t>
             </a:fld>
             <a:endParaRPr lang="zh-CN" altLang="en-US"/>
           </a:p>
@@ -1075,7 +1076,7 @@
           <a:p>
             <a:fld id="{7D992E2B-DF6A-4357-9038-70C7EFA6D81D}" type="datetimeFigureOut">
               <a:rPr lang="zh-CN" altLang="en-US" smtClean="0"/>
-              <a:t>2023/11/21</a:t>
+              <a:t>2023/11/22</a:t>
             </a:fld>
             <a:endParaRPr lang="zh-CN" altLang="en-US"/>
           </a:p>
@@ -1307,7 +1308,7 @@
           <a:p>
             <a:fld id="{7D992E2B-DF6A-4357-9038-70C7EFA6D81D}" type="datetimeFigureOut">
               <a:rPr lang="zh-CN" altLang="en-US" smtClean="0"/>
-              <a:t>2023/11/21</a:t>
+              <a:t>2023/11/22</a:t>
             </a:fld>
             <a:endParaRPr lang="zh-CN" altLang="en-US"/>
           </a:p>
@@ -1666,7 +1667,7 @@
           <a:p>
             <a:fld id="{7D992E2B-DF6A-4357-9038-70C7EFA6D81D}" type="datetimeFigureOut">
               <a:rPr lang="zh-CN" altLang="en-US" smtClean="0"/>
-              <a:t>2023/11/21</a:t>
+              <a:t>2023/11/22</a:t>
             </a:fld>
             <a:endParaRPr lang="zh-CN" altLang="en-US"/>
           </a:p>
@@ -1807,7 +1808,7 @@
           <a:p>
             <a:fld id="{7D992E2B-DF6A-4357-9038-70C7EFA6D81D}" type="datetimeFigureOut">
               <a:rPr lang="zh-CN" altLang="en-US" smtClean="0"/>
-              <a:t>2023/11/21</a:t>
+              <a:t>2023/11/22</a:t>
             </a:fld>
             <a:endParaRPr lang="zh-CN" altLang="en-US"/>
           </a:p>
@@ -1902,7 +1903,7 @@
           <a:p>
             <a:fld id="{7D992E2B-DF6A-4357-9038-70C7EFA6D81D}" type="datetimeFigureOut">
               <a:rPr lang="zh-CN" altLang="en-US" smtClean="0"/>
-              <a:t>2023/11/21</a:t>
+              <a:t>2023/11/22</a:t>
             </a:fld>
             <a:endParaRPr lang="zh-CN" altLang="en-US"/>
           </a:p>
@@ -2259,7 +2260,7 @@
           <a:p>
             <a:fld id="{7D992E2B-DF6A-4357-9038-70C7EFA6D81D}" type="datetimeFigureOut">
               <a:rPr lang="zh-CN" altLang="en-US" smtClean="0"/>
-              <a:t>2023/11/21</a:t>
+              <a:t>2023/11/22</a:t>
             </a:fld>
             <a:endParaRPr lang="zh-CN" altLang="en-US"/>
           </a:p>
@@ -2616,7 +2617,7 @@
           <a:p>
             <a:fld id="{7D992E2B-DF6A-4357-9038-70C7EFA6D81D}" type="datetimeFigureOut">
               <a:rPr lang="zh-CN" altLang="en-US" smtClean="0"/>
-              <a:t>2023/11/21</a:t>
+              <a:t>2023/11/22</a:t>
             </a:fld>
             <a:endParaRPr lang="zh-CN" altLang="en-US"/>
           </a:p>
@@ -2858,7 +2859,7 @@
           <a:p>
             <a:fld id="{7D992E2B-DF6A-4357-9038-70C7EFA6D81D}" type="datetimeFigureOut">
               <a:rPr lang="zh-CN" altLang="en-US" smtClean="0"/>
-              <a:t>2023/11/21</a:t>
+              <a:t>2023/11/22</a:t>
             </a:fld>
             <a:endParaRPr lang="zh-CN" altLang="en-US"/>
           </a:p>
@@ -3550,6 +3551,840 @@
           <p:cNvPr id="2" name="标题 1">
             <a:extLst>
               <a:ext uri="{FF2B5EF4-FFF2-40B4-BE49-F238E27FC236}">
+                <a16:creationId xmlns:a16="http://schemas.microsoft.com/office/drawing/2014/main" id="{C78EC630-E97D-4FF4-902F-3CCE3E59F89D}"/>
+              </a:ext>
+            </a:extLst>
+          </p:cNvPr>
+          <p:cNvSpPr>
+            <a:spLocks noGrp="1"/>
+          </p:cNvSpPr>
+          <p:nvPr>
+            <p:ph type="title"/>
+          </p:nvPr>
+        </p:nvSpPr>
+        <p:spPr>
+          <a:xfrm>
+            <a:off x="2231136" y="185046"/>
+            <a:ext cx="7729728" cy="479097"/>
+          </a:xfrm>
+        </p:spPr>
+        <p:txBody>
+          <a:bodyPr>
+            <a:normAutofit fontScale="90000"/>
+          </a:bodyPr>
+          <a:lstStyle/>
+          <a:p>
+            <a:r>
+              <a:rPr lang="en-US" altLang="zh-CN" dirty="0"/>
+              <a:t>ZFC</a:t>
+            </a:r>
+            <a:endParaRPr lang="zh-CN" altLang="en-US" dirty="0"/>
+          </a:p>
+        </p:txBody>
+      </p:sp>
+      <p:sp>
+        <p:nvSpPr>
+          <p:cNvPr id="3" name="内容占位符 2">
+            <a:extLst>
+              <a:ext uri="{FF2B5EF4-FFF2-40B4-BE49-F238E27FC236}">
+                <a16:creationId xmlns:a16="http://schemas.microsoft.com/office/drawing/2014/main" id="{1CCB3BC5-2830-4458-B6EE-FEEC34C5E23C}"/>
+              </a:ext>
+            </a:extLst>
+          </p:cNvPr>
+          <p:cNvSpPr>
+            <a:spLocks noGrp="1"/>
+          </p:cNvSpPr>
+          <p:nvPr>
+            <p:ph idx="1"/>
+          </p:nvPr>
+        </p:nvSpPr>
+        <p:spPr>
+          <a:xfrm>
+            <a:off x="522010" y="780368"/>
+            <a:ext cx="11147980" cy="5892586"/>
+          </a:xfrm>
+        </p:spPr>
+        <p:txBody>
+          <a:bodyPr>
+            <a:normAutofit fontScale="92500" lnSpcReduction="20000"/>
+          </a:bodyPr>
+          <a:lstStyle/>
+          <a:p>
+            <a:r>
+              <a:rPr lang="en-US" altLang="zh-CN" dirty="0">
+                <a:latin typeface="Times New Roman" panose="02020603050405020304" pitchFamily="18" charset="0"/>
+                <a:cs typeface="Times New Roman" panose="02020603050405020304" pitchFamily="18" charset="0"/>
+              </a:rPr>
+              <a:t>ZFC</a:t>
+            </a:r>
+            <a:r>
+              <a:rPr lang="zh-CN" altLang="en-US" dirty="0"/>
+              <a:t>：策梅洛</a:t>
+            </a:r>
+            <a:r>
+              <a:rPr lang="en-US" altLang="zh-CN" dirty="0"/>
+              <a:t>·</a:t>
+            </a:r>
+            <a:r>
+              <a:rPr lang="zh-CN" altLang="en-US" dirty="0"/>
+              <a:t>弗兰克尔集合论</a:t>
+            </a:r>
+            <a:r>
+              <a:rPr lang="en-US" altLang="zh-CN" dirty="0"/>
+              <a:t>+</a:t>
+            </a:r>
+            <a:r>
+              <a:rPr lang="zh-CN" altLang="en-US" dirty="0"/>
+              <a:t>选择公理</a:t>
+            </a:r>
+            <a:r>
+              <a:rPr lang="en-US" altLang="zh-CN" dirty="0"/>
+              <a:t>[</a:t>
+            </a:r>
+            <a:r>
+              <a:rPr lang="zh-CN" altLang="en-US" dirty="0">
+                <a:solidFill>
+                  <a:srgbClr val="FF0000"/>
+                </a:solidFill>
+              </a:rPr>
+              <a:t>非空集合的集合的笛卡尔积为非空集合</a:t>
+            </a:r>
+            <a:r>
+              <a:rPr lang="zh-CN" altLang="en-US" dirty="0"/>
+              <a:t>（有争议，</a:t>
+            </a:r>
+            <a:r>
+              <a:rPr lang="en-US" altLang="zh-CN" dirty="0"/>
+              <a:t>UCP</a:t>
+            </a:r>
+            <a:r>
+              <a:rPr lang="zh-CN" altLang="en-US" dirty="0"/>
+              <a:t>）</a:t>
+            </a:r>
+            <a:r>
+              <a:rPr lang="en-US" altLang="zh-CN" dirty="0"/>
+              <a:t>]</a:t>
+            </a:r>
+            <a:r>
+              <a:rPr lang="zh-CN" altLang="en-US" dirty="0"/>
+              <a:t>（无选择公理时为</a:t>
+            </a:r>
+            <a:r>
+              <a:rPr lang="en-US" altLang="zh-CN" dirty="0"/>
+              <a:t>ZF</a:t>
+            </a:r>
+            <a:r>
+              <a:rPr lang="zh-CN" altLang="en-US" dirty="0"/>
+              <a:t>）。该集合论旨在构建一个无悖论的公理系统。</a:t>
+            </a:r>
+            <a:endParaRPr lang="en-US" altLang="zh-CN" dirty="0"/>
+          </a:p>
+          <a:p>
+            <a:pPr lvl="1"/>
+            <a:r>
+              <a:rPr lang="en-US" altLang="zh-CN" dirty="0">
+                <a:solidFill>
+                  <a:srgbClr val="FF0000"/>
+                </a:solidFill>
+                <a:latin typeface="Times New Roman" panose="02020603050405020304" pitchFamily="18" charset="0"/>
+                <a:cs typeface="Times New Roman" panose="02020603050405020304" pitchFamily="18" charset="0"/>
+              </a:rPr>
+              <a:t>Unrestricted Comprehension Principle(UCP):</a:t>
+            </a:r>
+            <a:r>
+              <a:rPr lang="zh-CN" altLang="en-US" dirty="0">
+                <a:latin typeface="Times New Roman" panose="02020603050405020304" pitchFamily="18" charset="0"/>
+                <a:cs typeface="Times New Roman" panose="02020603050405020304" pitchFamily="18" charset="0"/>
+              </a:rPr>
+              <a:t>给定集合 </a:t>
+            </a:r>
+            <a:r>
+              <a:rPr lang="en-US" altLang="zh-CN" dirty="0">
+                <a:latin typeface="Times New Roman" panose="02020603050405020304" pitchFamily="18" charset="0"/>
+                <a:cs typeface="Times New Roman" panose="02020603050405020304" pitchFamily="18" charset="0"/>
+              </a:rPr>
+              <a:t>A </a:t>
+            </a:r>
+            <a:r>
+              <a:rPr lang="zh-CN" altLang="en-US" dirty="0">
+                <a:latin typeface="Times New Roman" panose="02020603050405020304" pitchFamily="18" charset="0"/>
+                <a:cs typeface="Times New Roman" panose="02020603050405020304" pitchFamily="18" charset="0"/>
+              </a:rPr>
+              <a:t>和谓词 </a:t>
+            </a:r>
+            <a:r>
+              <a:rPr lang="en-US" altLang="zh-CN" dirty="0">
+                <a:latin typeface="Times New Roman" panose="02020603050405020304" pitchFamily="18" charset="0"/>
+                <a:cs typeface="Times New Roman" panose="02020603050405020304" pitchFamily="18" charset="0"/>
+              </a:rPr>
+              <a:t>P</a:t>
+            </a:r>
+            <a:r>
+              <a:rPr lang="zh-CN" altLang="en-US" dirty="0">
+                <a:latin typeface="Times New Roman" panose="02020603050405020304" pitchFamily="18" charset="0"/>
+                <a:cs typeface="Times New Roman" panose="02020603050405020304" pitchFamily="18" charset="0"/>
+              </a:rPr>
+              <a:t>，我们可以找到 </a:t>
+            </a:r>
+            <a:r>
+              <a:rPr lang="en-US" altLang="zh-CN" dirty="0">
+                <a:latin typeface="Times New Roman" panose="02020603050405020304" pitchFamily="18" charset="0"/>
+                <a:cs typeface="Times New Roman" panose="02020603050405020304" pitchFamily="18" charset="0"/>
+              </a:rPr>
+              <a:t>A </a:t>
+            </a:r>
+            <a:r>
+              <a:rPr lang="zh-CN" altLang="en-US" dirty="0">
+                <a:latin typeface="Times New Roman" panose="02020603050405020304" pitchFamily="18" charset="0"/>
+                <a:cs typeface="Times New Roman" panose="02020603050405020304" pitchFamily="18" charset="0"/>
+              </a:rPr>
+              <a:t>的子集 </a:t>
+            </a:r>
+            <a:r>
+              <a:rPr lang="en-US" altLang="zh-CN" dirty="0">
+                <a:latin typeface="Times New Roman" panose="02020603050405020304" pitchFamily="18" charset="0"/>
+                <a:cs typeface="Times New Roman" panose="02020603050405020304" pitchFamily="18" charset="0"/>
+              </a:rPr>
+              <a:t>B</a:t>
+            </a:r>
+            <a:r>
+              <a:rPr lang="zh-CN" altLang="en-US" dirty="0">
+                <a:latin typeface="Times New Roman" panose="02020603050405020304" pitchFamily="18" charset="0"/>
+                <a:cs typeface="Times New Roman" panose="02020603050405020304" pitchFamily="18" charset="0"/>
+              </a:rPr>
+              <a:t>，它的成员满足 </a:t>
+            </a:r>
+            <a:r>
+              <a:rPr lang="en-US" altLang="zh-CN" dirty="0">
+                <a:latin typeface="Times New Roman" panose="02020603050405020304" pitchFamily="18" charset="0"/>
+                <a:cs typeface="Times New Roman" panose="02020603050405020304" pitchFamily="18" charset="0"/>
+              </a:rPr>
+              <a:t>P</a:t>
+            </a:r>
+            <a:r>
+              <a:rPr lang="zh-CN" altLang="en-US" dirty="0">
+                <a:latin typeface="Times New Roman" panose="02020603050405020304" pitchFamily="18" charset="0"/>
+                <a:cs typeface="Times New Roman" panose="02020603050405020304" pitchFamily="18" charset="0"/>
+              </a:rPr>
+              <a:t>。因此对于所有集合的集合，我们总是可以找到一个子集不在集合中，这就产生了矛盾，因此不存在所有集合的集合。</a:t>
+            </a:r>
+            <a:endParaRPr lang="en-US" altLang="zh-CN" dirty="0">
+              <a:latin typeface="Times New Roman" panose="02020603050405020304" pitchFamily="18" charset="0"/>
+              <a:cs typeface="Times New Roman" panose="02020603050405020304" pitchFamily="18" charset="0"/>
+            </a:endParaRPr>
+          </a:p>
+          <a:p>
+            <a:pPr lvl="1"/>
+            <a:r>
+              <a:rPr lang="zh-CN" altLang="en-US" dirty="0">
+                <a:solidFill>
+                  <a:schemeClr val="accent2">
+                    <a:lumMod val="50000"/>
+                  </a:schemeClr>
+                </a:solidFill>
+                <a:latin typeface="Times New Roman" panose="02020603050405020304" pitchFamily="18" charset="0"/>
+                <a:cs typeface="Times New Roman" panose="02020603050405020304" pitchFamily="18" charset="0"/>
+              </a:rPr>
+              <a:t>虚真</a:t>
+            </a:r>
+            <a:r>
+              <a:rPr lang="zh-CN" altLang="en-US" dirty="0">
+                <a:latin typeface="Times New Roman" panose="02020603050405020304" pitchFamily="18" charset="0"/>
+                <a:cs typeface="Times New Roman" panose="02020603050405020304" pitchFamily="18" charset="0"/>
+              </a:rPr>
+              <a:t>：</a:t>
+            </a:r>
+            <a:r>
+              <a:rPr lang="en-US" altLang="zh-CN" dirty="0">
+                <a:latin typeface="Times New Roman" panose="02020603050405020304" pitchFamily="18" charset="0"/>
+                <a:cs typeface="Times New Roman" panose="02020603050405020304" pitchFamily="18" charset="0"/>
+              </a:rPr>
+              <a:t>P-&gt;Q</a:t>
+            </a:r>
+            <a:r>
+              <a:rPr lang="zh-CN" altLang="en-US" dirty="0">
+                <a:latin typeface="Times New Roman" panose="02020603050405020304" pitchFamily="18" charset="0"/>
+                <a:cs typeface="Times New Roman" panose="02020603050405020304" pitchFamily="18" charset="0"/>
+              </a:rPr>
+              <a:t>为真</a:t>
+            </a:r>
+            <a:r>
+              <a:rPr lang="en-US" altLang="zh-CN" dirty="0">
+                <a:latin typeface="Times New Roman" panose="02020603050405020304" pitchFamily="18" charset="0"/>
+                <a:cs typeface="Times New Roman" panose="02020603050405020304" pitchFamily="18" charset="0"/>
+              </a:rPr>
+              <a:t>, </a:t>
+            </a:r>
+            <a:r>
+              <a:rPr lang="zh-CN" altLang="en-US" dirty="0">
+                <a:latin typeface="Times New Roman" panose="02020603050405020304" pitchFamily="18" charset="0"/>
+                <a:cs typeface="Times New Roman" panose="02020603050405020304" pitchFamily="18" charset="0"/>
+              </a:rPr>
+              <a:t>且</a:t>
+            </a:r>
+            <a:r>
+              <a:rPr lang="en-US" altLang="zh-CN" dirty="0">
+                <a:latin typeface="Times New Roman" panose="02020603050405020304" pitchFamily="18" charset="0"/>
+                <a:cs typeface="Times New Roman" panose="02020603050405020304" pitchFamily="18" charset="0"/>
+              </a:rPr>
+              <a:t>P</a:t>
+            </a:r>
+            <a:r>
+              <a:rPr lang="zh-CN" altLang="en-US" dirty="0">
+                <a:latin typeface="Times New Roman" panose="02020603050405020304" pitchFamily="18" charset="0"/>
+                <a:cs typeface="Times New Roman" panose="02020603050405020304" pitchFamily="18" charset="0"/>
+              </a:rPr>
+              <a:t>为假；</a:t>
+            </a:r>
+            <a:r>
+              <a:rPr lang="zh-CN" altLang="en-US" dirty="0">
+                <a:solidFill>
+                  <a:schemeClr val="accent2">
+                    <a:lumMod val="50000"/>
+                  </a:schemeClr>
+                </a:solidFill>
+                <a:latin typeface="Times New Roman" panose="02020603050405020304" pitchFamily="18" charset="0"/>
+                <a:cs typeface="Times New Roman" panose="02020603050405020304" pitchFamily="18" charset="0"/>
+              </a:rPr>
+              <a:t> 纯集合</a:t>
+            </a:r>
+            <a:r>
+              <a:rPr lang="zh-CN" altLang="en-US" dirty="0">
+                <a:latin typeface="Times New Roman" panose="02020603050405020304" pitchFamily="18" charset="0"/>
+                <a:cs typeface="Times New Roman" panose="02020603050405020304" pitchFamily="18" charset="0"/>
+              </a:rPr>
+              <a:t>：集合的成员都是集合，成员的集合都是集合</a:t>
+            </a:r>
+            <a:r>
+              <a:rPr lang="en-US" altLang="zh-CN" dirty="0">
+                <a:latin typeface="Times New Roman" panose="02020603050405020304" pitchFamily="18" charset="0"/>
+                <a:cs typeface="Times New Roman" panose="02020603050405020304" pitchFamily="18" charset="0"/>
+              </a:rPr>
+              <a:t>…..</a:t>
+            </a:r>
+          </a:p>
+          <a:p>
+            <a:pPr lvl="1"/>
+            <a:r>
+              <a:rPr lang="zh-CN" altLang="en-US" b="1" i="0" dirty="0">
+                <a:solidFill>
+                  <a:srgbClr val="000000"/>
+                </a:solidFill>
+                <a:effectLst/>
+                <a:latin typeface="Linux Libertine"/>
+              </a:rPr>
+              <a:t>基本元素（</a:t>
+            </a:r>
+            <a:r>
+              <a:rPr lang="en-US" altLang="zh-CN" b="1" i="0" dirty="0">
+                <a:solidFill>
+                  <a:srgbClr val="000000"/>
+                </a:solidFill>
+                <a:effectLst/>
+                <a:latin typeface="Linux Libertine"/>
+              </a:rPr>
+              <a:t>Urelement</a:t>
+            </a:r>
+            <a:r>
+              <a:rPr lang="zh-CN" altLang="en-US" b="1" i="0" dirty="0">
+                <a:solidFill>
+                  <a:srgbClr val="000000"/>
+                </a:solidFill>
+                <a:effectLst/>
+                <a:latin typeface="Linux Libertine"/>
+              </a:rPr>
+              <a:t>）</a:t>
+            </a:r>
+            <a:r>
+              <a:rPr lang="en-US" altLang="zh-CN" b="1" i="0" dirty="0">
+                <a:solidFill>
+                  <a:srgbClr val="000000"/>
+                </a:solidFill>
+                <a:effectLst/>
+                <a:latin typeface="Linux Libertine"/>
+              </a:rPr>
+              <a:t>: </a:t>
+            </a:r>
+            <a:r>
+              <a:rPr lang="zh-CN" altLang="en-US" dirty="0">
+                <a:solidFill>
+                  <a:srgbClr val="000000"/>
+                </a:solidFill>
+                <a:latin typeface="Linux Libertine"/>
+              </a:rPr>
+              <a:t>不是集合的对象；</a:t>
+            </a:r>
+            <a:endParaRPr lang="en-US" altLang="zh-CN" dirty="0">
+              <a:solidFill>
+                <a:srgbClr val="000000"/>
+              </a:solidFill>
+              <a:latin typeface="Linux Libertine"/>
+            </a:endParaRPr>
+          </a:p>
+          <a:p>
+            <a:pPr lvl="1"/>
+            <a:r>
+              <a:rPr lang="zh-CN" altLang="en-US" dirty="0">
+                <a:solidFill>
+                  <a:srgbClr val="000000"/>
+                </a:solidFill>
+                <a:latin typeface="Linux Libertine"/>
+              </a:rPr>
+              <a:t>一般情况下，类就是一组集合（或者其他的数学对象）；</a:t>
+            </a:r>
+            <a:r>
+              <a:rPr lang="en-US" altLang="zh-CN" dirty="0">
+                <a:solidFill>
+                  <a:srgbClr val="000000"/>
+                </a:solidFill>
+                <a:latin typeface="Linux Libertine"/>
+              </a:rPr>
+              <a:t>ZFC</a:t>
+            </a:r>
+            <a:r>
+              <a:rPr lang="zh-CN" altLang="en-US" dirty="0">
+                <a:solidFill>
+                  <a:srgbClr val="000000"/>
+                </a:solidFill>
+                <a:latin typeface="Linux Libertine"/>
+              </a:rPr>
+              <a:t>中，非集合类叫做真类（</a:t>
+            </a:r>
+            <a:r>
+              <a:rPr lang="en-US" altLang="zh-CN" dirty="0">
+                <a:solidFill>
+                  <a:srgbClr val="000000"/>
+                </a:solidFill>
+                <a:latin typeface="Linux Libertine"/>
+              </a:rPr>
+              <a:t>Proper Class</a:t>
+            </a:r>
+            <a:r>
+              <a:rPr lang="zh-CN" altLang="en-US" dirty="0">
+                <a:solidFill>
+                  <a:srgbClr val="000000"/>
+                </a:solidFill>
+                <a:latin typeface="Linux Libertine"/>
+              </a:rPr>
+              <a:t>）。</a:t>
+            </a:r>
+            <a:endParaRPr lang="en-US" altLang="zh-CN" dirty="0">
+              <a:latin typeface="Times New Roman" panose="02020603050405020304" pitchFamily="18" charset="0"/>
+              <a:cs typeface="Times New Roman" panose="02020603050405020304" pitchFamily="18" charset="0"/>
+            </a:endParaRPr>
+          </a:p>
+          <a:p>
+            <a:r>
+              <a:rPr lang="en-US" altLang="zh-CN" dirty="0">
+                <a:latin typeface="Times New Roman" panose="02020603050405020304" pitchFamily="18" charset="0"/>
+                <a:cs typeface="Times New Roman" panose="02020603050405020304" pitchFamily="18" charset="0"/>
+              </a:rPr>
+              <a:t>ZFC</a:t>
+            </a:r>
+            <a:r>
+              <a:rPr lang="zh-CN" altLang="en-US" dirty="0">
+                <a:latin typeface="Times New Roman" panose="02020603050405020304" pitchFamily="18" charset="0"/>
+                <a:cs typeface="Times New Roman" panose="02020603050405020304" pitchFamily="18" charset="0"/>
+              </a:rPr>
+              <a:t>的公理仅仅涉及纯</a:t>
+            </a:r>
+            <a:r>
+              <a:rPr lang="en-US" altLang="zh-CN" dirty="0">
+                <a:latin typeface="Times New Roman" panose="02020603050405020304" pitchFamily="18" charset="0"/>
+                <a:cs typeface="Times New Roman" panose="02020603050405020304" pitchFamily="18" charset="0"/>
+              </a:rPr>
+              <a:t>/</a:t>
+            </a:r>
+            <a:r>
+              <a:rPr lang="zh-CN" altLang="en-US" dirty="0">
+                <a:latin typeface="Times New Roman" panose="02020603050405020304" pitchFamily="18" charset="0"/>
+                <a:cs typeface="Times New Roman" panose="02020603050405020304" pitchFamily="18" charset="0"/>
+              </a:rPr>
+              <a:t>遗传集合。</a:t>
+            </a:r>
+            <a:r>
+              <a:rPr lang="en-US" altLang="zh-CN" dirty="0">
+                <a:latin typeface="Times New Roman" panose="02020603050405020304" pitchFamily="18" charset="0"/>
+                <a:cs typeface="Times New Roman" panose="02020603050405020304" pitchFamily="18" charset="0"/>
+              </a:rPr>
+              <a:t>ZF</a:t>
+            </a:r>
+            <a:r>
+              <a:rPr lang="zh-CN" altLang="en-US" dirty="0">
+                <a:latin typeface="Times New Roman" panose="02020603050405020304" pitchFamily="18" charset="0"/>
+                <a:cs typeface="Times New Roman" panose="02020603050405020304" pitchFamily="18" charset="0"/>
+              </a:rPr>
+              <a:t>是不包括全集的。</a:t>
+            </a:r>
+            <a:endParaRPr lang="en-US" altLang="zh-CN" dirty="0">
+              <a:latin typeface="Times New Roman" panose="02020603050405020304" pitchFamily="18" charset="0"/>
+              <a:cs typeface="Times New Roman" panose="02020603050405020304" pitchFamily="18" charset="0"/>
+            </a:endParaRPr>
+          </a:p>
+          <a:p>
+            <a:r>
+              <a:rPr lang="en-US" altLang="zh-CN" dirty="0">
+                <a:latin typeface="Times New Roman" panose="02020603050405020304" pitchFamily="18" charset="0"/>
+                <a:cs typeface="Times New Roman" panose="02020603050405020304" pitchFamily="18" charset="0"/>
+              </a:rPr>
+              <a:t>ZFC</a:t>
+            </a:r>
+            <a:r>
+              <a:rPr lang="zh-CN" altLang="en-US" dirty="0"/>
+              <a:t>的公理：</a:t>
+            </a:r>
+            <a:endParaRPr lang="en-US" altLang="zh-CN" dirty="0"/>
+          </a:p>
+          <a:p>
+            <a:pPr lvl="1"/>
+            <a:r>
+              <a:rPr lang="zh-CN" altLang="en-US" b="1" dirty="0"/>
+              <a:t>外延公理</a:t>
+            </a:r>
+            <a:r>
+              <a:rPr lang="zh-CN" altLang="en-US" dirty="0"/>
+              <a:t>：</a:t>
+            </a:r>
+            <a:r>
+              <a:rPr lang="zh-CN" altLang="en-US" b="0" i="0" dirty="0">
+                <a:solidFill>
+                  <a:srgbClr val="202122"/>
+                </a:solidFill>
+                <a:effectLst/>
+                <a:latin typeface="Arial" panose="020B0604020202020204" pitchFamily="34" charset="0"/>
+              </a:rPr>
+              <a:t>两个集合相等，若它们有相同的元素。</a:t>
+            </a:r>
+            <a:endParaRPr lang="en-US" altLang="zh-CN" dirty="0"/>
+          </a:p>
+          <a:p>
+            <a:pPr lvl="1"/>
+            <a:r>
+              <a:rPr lang="zh-CN" altLang="en-US" b="1" dirty="0"/>
+              <a:t>正则公理</a:t>
+            </a:r>
+            <a:r>
+              <a:rPr lang="zh-CN" altLang="en-US" dirty="0"/>
+              <a:t>：每个非空集合</a:t>
+            </a:r>
+            <a:r>
+              <a:rPr lang="en-US" altLang="zh-CN" dirty="0"/>
+              <a:t>x</a:t>
+            </a:r>
+            <a:r>
+              <a:rPr lang="zh-CN" altLang="en-US" dirty="0"/>
+              <a:t>都有一个元素</a:t>
+            </a:r>
+            <a:r>
+              <a:rPr lang="en-US" altLang="zh-CN" dirty="0"/>
+              <a:t>y</a:t>
+            </a:r>
+            <a:r>
+              <a:rPr lang="zh-CN" altLang="en-US" dirty="0"/>
+              <a:t>，使得</a:t>
+            </a:r>
+            <a:r>
+              <a:rPr lang="en-US" altLang="zh-CN" dirty="0"/>
+              <a:t>x</a:t>
+            </a:r>
+            <a:r>
+              <a:rPr lang="zh-CN" altLang="en-US" dirty="0"/>
+              <a:t>和</a:t>
+            </a:r>
+            <a:r>
+              <a:rPr lang="en-US" altLang="zh-CN" dirty="0"/>
+              <a:t>y</a:t>
+            </a:r>
+            <a:r>
+              <a:rPr lang="zh-CN" altLang="en-US" dirty="0"/>
+              <a:t>交集为空。</a:t>
+            </a:r>
+            <a:endParaRPr lang="en-US" altLang="zh-CN" dirty="0"/>
+          </a:p>
+          <a:p>
+            <a:pPr lvl="1"/>
+            <a:r>
+              <a:rPr lang="en-US" altLang="zh-CN" b="1" dirty="0"/>
+              <a:t>UCP</a:t>
+            </a:r>
+            <a:r>
+              <a:rPr lang="zh-CN" altLang="en-US" dirty="0"/>
+              <a:t>：略</a:t>
+            </a:r>
+            <a:endParaRPr lang="en-US" altLang="zh-CN" dirty="0"/>
+          </a:p>
+          <a:p>
+            <a:pPr lvl="1"/>
+            <a:r>
+              <a:rPr lang="zh-CN" altLang="en-US" b="1" dirty="0"/>
+              <a:t>联集公理</a:t>
+            </a:r>
+            <a:r>
+              <a:rPr lang="zh-CN" altLang="en-US" dirty="0"/>
+              <a:t>：对于每个集合</a:t>
+            </a:r>
+            <a:r>
+              <a:rPr lang="en-US" altLang="zh-CN" dirty="0"/>
+              <a:t>x</a:t>
+            </a:r>
+            <a:r>
+              <a:rPr lang="zh-CN" altLang="en-US" dirty="0"/>
+              <a:t>存在一个集合</a:t>
+            </a:r>
+            <a:r>
+              <a:rPr lang="en-US" altLang="zh-CN" dirty="0"/>
+              <a:t>y</a:t>
+            </a:r>
+            <a:r>
+              <a:rPr lang="zh-CN" altLang="en-US" dirty="0"/>
+              <a:t>其元素恰好是</a:t>
+            </a:r>
+            <a:r>
+              <a:rPr lang="en-US" altLang="zh-CN" dirty="0"/>
+              <a:t>x</a:t>
+            </a:r>
+            <a:r>
+              <a:rPr lang="zh-CN" altLang="en-US" dirty="0"/>
+              <a:t>的元素的元素。</a:t>
+            </a:r>
+            <a:endParaRPr lang="en-US" altLang="zh-CN" dirty="0"/>
+          </a:p>
+          <a:p>
+            <a:pPr lvl="1"/>
+            <a:r>
+              <a:rPr lang="zh-CN" altLang="en-US" b="1" dirty="0"/>
+              <a:t>替代公理</a:t>
+            </a:r>
+            <a:r>
+              <a:rPr lang="zh-CN" altLang="en-US" dirty="0"/>
+              <a:t>：一个集合在一个映射（泛函谓词）下的像也是一个集合</a:t>
+            </a:r>
+            <a:endParaRPr lang="en-US" altLang="zh-CN" dirty="0"/>
+          </a:p>
+          <a:p>
+            <a:pPr lvl="1"/>
+            <a:r>
+              <a:rPr lang="zh-CN" altLang="en-US" b="1" dirty="0"/>
+              <a:t>幂集公理</a:t>
+            </a:r>
+            <a:r>
+              <a:rPr lang="zh-CN" altLang="en-US" dirty="0"/>
+              <a:t>：对于任意的集合</a:t>
+            </a:r>
+            <a:r>
+              <a:rPr lang="en-US" altLang="zh-CN" dirty="0"/>
+              <a:t>A</a:t>
+            </a:r>
+            <a:r>
+              <a:rPr lang="zh-CN" altLang="en-US" dirty="0"/>
+              <a:t>，存在一个集合</a:t>
+            </a:r>
+            <a:r>
+              <a:rPr lang="en-US" altLang="zh-CN" dirty="0"/>
+              <a:t>P(A)</a:t>
+            </a:r>
+            <a:r>
+              <a:rPr lang="zh-CN" altLang="en-US" dirty="0"/>
+              <a:t>使得对于任意集合</a:t>
+            </a:r>
+            <a:r>
+              <a:rPr lang="en-US" altLang="zh-CN" dirty="0"/>
+              <a:t>x</a:t>
+            </a:r>
+            <a:r>
+              <a:rPr lang="zh-CN" altLang="en-US" dirty="0"/>
+              <a:t>含于</a:t>
+            </a:r>
+            <a:r>
+              <a:rPr lang="en-US" altLang="zh-CN" dirty="0"/>
+              <a:t>A</a:t>
+            </a:r>
+            <a:r>
+              <a:rPr lang="zh-CN" altLang="en-US" dirty="0"/>
+              <a:t>，集合</a:t>
+            </a:r>
+            <a:r>
+              <a:rPr lang="en-US" altLang="zh-CN" dirty="0"/>
+              <a:t>x</a:t>
+            </a:r>
+            <a:r>
+              <a:rPr lang="zh-CN" altLang="en-US" dirty="0"/>
+              <a:t>含于</a:t>
+            </a:r>
+            <a:r>
+              <a:rPr lang="en-US" altLang="zh-CN" dirty="0"/>
+              <a:t>P(A)</a:t>
+            </a:r>
+            <a:r>
+              <a:rPr lang="zh-CN" altLang="en-US" dirty="0"/>
+              <a:t>。</a:t>
+            </a:r>
+            <a:endParaRPr lang="en-US" altLang="zh-CN" dirty="0"/>
+          </a:p>
+          <a:p>
+            <a:pPr lvl="1"/>
+            <a:r>
+              <a:rPr lang="zh-CN" altLang="en-US" b="1" dirty="0"/>
+              <a:t>良序公理</a:t>
+            </a:r>
+            <a:r>
+              <a:rPr lang="zh-CN" altLang="en-US" dirty="0"/>
+              <a:t>：所有集合均为良序。</a:t>
+            </a:r>
+            <a:endParaRPr lang="en-US" altLang="zh-CN" dirty="0"/>
+          </a:p>
+          <a:p>
+            <a:pPr lvl="1"/>
+            <a:r>
+              <a:rPr lang="zh-CN" altLang="en-US" b="1" dirty="0"/>
+              <a:t>配对公理</a:t>
+            </a:r>
+            <a:r>
+              <a:rPr lang="zh-CN" altLang="en-US" dirty="0"/>
+              <a:t>：若</a:t>
+            </a:r>
+            <a:r>
+              <a:rPr lang="en-US" altLang="zh-CN" dirty="0"/>
+              <a:t>A</a:t>
+            </a:r>
+            <a:r>
+              <a:rPr lang="zh-CN" altLang="en-US" dirty="0"/>
+              <a:t>和</a:t>
+            </a:r>
+            <a:r>
+              <a:rPr lang="en-US" altLang="zh-CN" dirty="0"/>
+              <a:t>B</a:t>
+            </a:r>
+            <a:r>
+              <a:rPr lang="zh-CN" altLang="en-US" dirty="0"/>
+              <a:t>均为集合，则存在一个集合包含</a:t>
+            </a:r>
+            <a:r>
+              <a:rPr lang="en-US" altLang="zh-CN" dirty="0"/>
+              <a:t>A</a:t>
+            </a:r>
+            <a:r>
+              <a:rPr lang="zh-CN" altLang="en-US" dirty="0"/>
+              <a:t>，</a:t>
+            </a:r>
+            <a:r>
+              <a:rPr lang="en-US" altLang="zh-CN" dirty="0"/>
+              <a:t>B</a:t>
+            </a:r>
+            <a:r>
+              <a:rPr lang="zh-CN" altLang="en-US" dirty="0"/>
+              <a:t>。</a:t>
+            </a:r>
+            <a:endParaRPr lang="en-US" altLang="zh-CN" dirty="0"/>
+          </a:p>
+          <a:p>
+            <a:pPr lvl="1"/>
+            <a:r>
+              <a:rPr lang="zh-CN" altLang="en-US" b="1" dirty="0"/>
+              <a:t>无穷公理</a:t>
+            </a:r>
+            <a:r>
+              <a:rPr lang="zh-CN" altLang="en-US" dirty="0"/>
+              <a:t>：存在一个集合</a:t>
+            </a:r>
+            <a:r>
+              <a:rPr lang="en-US" altLang="zh-CN" dirty="0"/>
+              <a:t>I</a:t>
+            </a:r>
+            <a:r>
+              <a:rPr lang="zh-CN" altLang="en-US" dirty="0"/>
+              <a:t>，空集存在于</a:t>
+            </a:r>
+            <a:r>
+              <a:rPr lang="en-US" altLang="zh-CN" dirty="0"/>
+              <a:t>I</a:t>
+            </a:r>
+            <a:r>
+              <a:rPr lang="zh-CN" altLang="en-US" dirty="0"/>
+              <a:t>中，使得</a:t>
+            </a:r>
+            <a:r>
+              <a:rPr lang="en-US" altLang="zh-CN" dirty="0"/>
+              <a:t>I</a:t>
+            </a:r>
+            <a:r>
+              <a:rPr lang="zh-CN" altLang="en-US" dirty="0"/>
+              <a:t>的元素</a:t>
+            </a:r>
+            <a:r>
+              <a:rPr lang="en-US" altLang="zh-CN" dirty="0"/>
+              <a:t>x</a:t>
+            </a:r>
+            <a:r>
+              <a:rPr lang="zh-CN" altLang="en-US" dirty="0"/>
+              <a:t>与其独元集</a:t>
+            </a:r>
+            <a:r>
+              <a:rPr lang="en-US" altLang="zh-CN" dirty="0"/>
+              <a:t>{x}(singleton)</a:t>
+            </a:r>
+            <a:r>
+              <a:rPr lang="zh-CN" altLang="en-US" dirty="0"/>
+              <a:t>的并仍然是</a:t>
+            </a:r>
+            <a:r>
+              <a:rPr lang="en-US" altLang="zh-CN" dirty="0"/>
+              <a:t>I</a:t>
+            </a:r>
+            <a:r>
+              <a:rPr lang="zh-CN" altLang="en-US" dirty="0"/>
+              <a:t>的元素，</a:t>
+            </a:r>
+            <a:r>
+              <a:rPr lang="en-US" altLang="zh-CN" dirty="0"/>
+              <a:t>{x,{x}}</a:t>
+            </a:r>
+            <a:r>
+              <a:rPr lang="zh-CN" altLang="en-US" dirty="0"/>
+              <a:t>这个集合被称为归纳集。</a:t>
+            </a:r>
+          </a:p>
+          <a:p>
+            <a:pPr lvl="1"/>
+            <a:endParaRPr lang="en-US" altLang="zh-CN" dirty="0"/>
+          </a:p>
+        </p:txBody>
+      </p:sp>
+    </p:spTree>
+    <p:extLst>
+      <p:ext uri="{BB962C8B-B14F-4D97-AF65-F5344CB8AC3E}">
+        <p14:creationId xmlns:p14="http://schemas.microsoft.com/office/powerpoint/2010/main" val="3322004891"/>
+      </p:ext>
+    </p:extLst>
+  </p:cSld>
+  <p:clrMapOvr>
+    <a:masterClrMapping/>
+  </p:clrMapOvr>
+</p:sld>
+</file>
+
+<file path=ppt/slides/slide11.xml><?xml version="1.0" encoding="utf-8"?>
+<p:sld xmlns:a="http://schemas.openxmlformats.org/drawingml/2006/main" xmlns:r="http://schemas.openxmlformats.org/officeDocument/2006/relationships" xmlns:p="http://schemas.openxmlformats.org/presentationml/2006/main">
+  <p:cSld>
+    <p:spTree>
+      <p:nvGrpSpPr>
+        <p:cNvPr id="1" name=""/>
+        <p:cNvGrpSpPr/>
+        <p:nvPr/>
+      </p:nvGrpSpPr>
+      <p:grpSpPr>
+        <a:xfrm>
+          <a:off x="0" y="0"/>
+          <a:ext cx="0" cy="0"/>
+          <a:chOff x="0" y="0"/>
+          <a:chExt cx="0" cy="0"/>
+        </a:xfrm>
+      </p:grpSpPr>
+      <p:sp>
+        <p:nvSpPr>
+          <p:cNvPr id="2" name="标题 1">
+            <a:extLst>
+              <a:ext uri="{FF2B5EF4-FFF2-40B4-BE49-F238E27FC236}">
                 <a16:creationId xmlns:a16="http://schemas.microsoft.com/office/drawing/2014/main" id="{2B89A5FC-0C04-4B43-97AD-A63162F72828}"/>
               </a:ext>
             </a:extLst>
@@ -3767,7 +4602,7 @@
 </p:sld>
 </file>
 
-<file path=ppt/slides/slide11.xml><?xml version="1.0" encoding="utf-8"?>
+<file path=ppt/slides/slide12.xml><?xml version="1.0" encoding="utf-8"?>
 <p:sld xmlns:a="http://schemas.openxmlformats.org/drawingml/2006/main" xmlns:r="http://schemas.openxmlformats.org/officeDocument/2006/relationships" xmlns:p="http://schemas.openxmlformats.org/presentationml/2006/main">
   <p:cSld>
     <p:spTree>
@@ -3817,8 +4652,8 @@
           </a:p>
         </p:txBody>
       </p:sp>
-      <mc:AlternateContent xmlns:mc="http://schemas.openxmlformats.org/markup-compatibility/2006">
-        <mc:Choice xmlns:a14="http://schemas.microsoft.com/office/drawing/2010/main" Requires="a14">
+      <mc:AlternateContent xmlns:mc="http://schemas.openxmlformats.org/markup-compatibility/2006" xmlns:a14="http://schemas.microsoft.com/office/drawing/2010/main">
+        <mc:Choice Requires="a14">
           <p:sp>
             <p:nvSpPr>
               <p:cNvPr id="3" name="内容占位符 2">
@@ -4236,7 +5071,7 @@
             </p:txBody>
           </p:sp>
         </mc:Choice>
-        <mc:Fallback>
+        <mc:Fallback xmlns="">
           <p:sp>
             <p:nvSpPr>
               <p:cNvPr id="3" name="内容占位符 2">
@@ -4293,7 +5128,7 @@
 </p:sld>
 </file>
 
-<file path=ppt/slides/slide12.xml><?xml version="1.0" encoding="utf-8"?>
+<file path=ppt/slides/slide13.xml><?xml version="1.0" encoding="utf-8"?>
 <p:sld xmlns:a="http://schemas.openxmlformats.org/drawingml/2006/main" xmlns:r="http://schemas.openxmlformats.org/officeDocument/2006/relationships" xmlns:p="http://schemas.openxmlformats.org/presentationml/2006/main">
   <p:cSld>
     <p:spTree>
@@ -4449,7 +5284,7 @@
 </p:sld>
 </file>
 
-<file path=ppt/slides/slide13.xml><?xml version="1.0" encoding="utf-8"?>
+<file path=ppt/slides/slide14.xml><?xml version="1.0" encoding="utf-8"?>
 <p:sld xmlns:a="http://schemas.openxmlformats.org/drawingml/2006/main" xmlns:r="http://schemas.openxmlformats.org/officeDocument/2006/relationships" xmlns:p="http://schemas.openxmlformats.org/presentationml/2006/main">
   <p:cSld>
     <p:spTree>
@@ -6771,7 +7606,7 @@
                 <a:latin typeface="华文楷体" panose="02010600040101010101" pitchFamily="2" charset="-122"/>
                 <a:ea typeface="华文楷体" panose="02010600040101010101" pitchFamily="2" charset="-122"/>
               </a:rPr>
-              <a:t>的连续性的问题，因此该考虑的是串接点上的问题。</a:t>
+              <a:t>的连续性的问题，因此该考虑的是串接点上的问题。那么，选择过程的总损失为：</a:t>
             </a:r>
             <a:endParaRPr lang="en-US" altLang="zh-CN" dirty="0">
               <a:solidFill>
@@ -7113,31 +7948,53 @@
           <a:chExt cx="0" cy="0"/>
         </a:xfrm>
       </p:grpSpPr>
-      <p:sp>
-        <p:nvSpPr>
-          <p:cNvPr id="2" name="标题 1">
+      <p:pic>
+        <p:nvPicPr>
+          <p:cNvPr id="1026" name="Picture 2">
             <a:extLst>
               <a:ext uri="{FF2B5EF4-FFF2-40B4-BE49-F238E27FC236}">
-                <a16:creationId xmlns:a16="http://schemas.microsoft.com/office/drawing/2014/main" id="{2825A82C-2F1D-413F-BAB4-F52C150C1367}"/>
+                <a16:creationId xmlns:a16="http://schemas.microsoft.com/office/drawing/2014/main" id="{8E95D0FC-BABB-482C-9BB3-8E1E98574500}"/>
               </a:ext>
             </a:extLst>
           </p:cNvPr>
-          <p:cNvSpPr>
-            <a:spLocks noGrp="1"/>
-          </p:cNvSpPr>
-          <p:nvPr>
-            <p:ph type="title"/>
-          </p:nvPr>
-        </p:nvSpPr>
-        <p:spPr/>
-        <p:txBody>
-          <a:bodyPr/>
-          <a:lstStyle/>
-          <a:p>
-            <a:endParaRPr lang="zh-CN" altLang="en-US"/>
-          </a:p>
-        </p:txBody>
-      </p:sp>
+          <p:cNvPicPr>
+            <a:picLocks noChangeAspect="1" noChangeArrowheads="1"/>
+          </p:cNvPicPr>
+          <p:nvPr/>
+        </p:nvPicPr>
+        <p:blipFill>
+          <a:blip r:embed="rId2">
+            <a:extLst>
+              <a:ext uri="{28A0092B-C50C-407E-A947-70E740481C1C}">
+                <a14:useLocalDpi xmlns:a14="http://schemas.microsoft.com/office/drawing/2010/main" val="0"/>
+              </a:ext>
+            </a:extLst>
+          </a:blip>
+          <a:srcRect/>
+          <a:stretch>
+            <a:fillRect/>
+          </a:stretch>
+        </p:blipFill>
+        <p:spPr bwMode="auto">
+          <a:xfrm>
+            <a:off x="3619098" y="875901"/>
+            <a:ext cx="4889635" cy="3320714"/>
+          </a:xfrm>
+          <a:prstGeom prst="rect">
+            <a:avLst/>
+          </a:prstGeom>
+          <a:noFill/>
+          <a:extLst>
+            <a:ext uri="{909E8E84-426E-40DD-AFC4-6F175D3DCCD1}">
+              <a14:hiddenFill xmlns:a14="http://schemas.microsoft.com/office/drawing/2010/main">
+                <a:solidFill>
+                  <a:srgbClr val="FFFFFF"/>
+                </a:solidFill>
+              </a14:hiddenFill>
+            </a:ext>
+          </a:extLst>
+        </p:spPr>
+      </p:pic>
       <p:sp>
         <p:nvSpPr>
           <p:cNvPr id="3" name="内容占位符 2">
@@ -7154,11 +8011,291 @@
             <p:ph idx="1"/>
           </p:nvPr>
         </p:nvSpPr>
-        <p:spPr/>
+        <p:spPr>
+          <a:xfrm>
+            <a:off x="452387" y="279134"/>
+            <a:ext cx="11213432" cy="6256420"/>
+          </a:xfrm>
+        </p:spPr>
         <p:txBody>
-          <a:bodyPr/>
+          <a:bodyPr>
+            <a:normAutofit fontScale="92500" lnSpcReduction="10000"/>
+          </a:bodyPr>
           <a:lstStyle/>
           <a:p>
+            <a:r>
+              <a:rPr lang="zh-CN" altLang="en-US" dirty="0"/>
+              <a:t>因此，选择的过程就是选择使上述公式值最小的    的过程。</a:t>
+            </a:r>
+            <a:endParaRPr lang="en-US" altLang="zh-CN" dirty="0"/>
+          </a:p>
+          <a:p>
+            <a:endParaRPr lang="en-US" altLang="zh-CN" dirty="0"/>
+          </a:p>
+          <a:p>
+            <a:endParaRPr lang="en-US" altLang="zh-CN" dirty="0"/>
+          </a:p>
+          <a:p>
+            <a:endParaRPr lang="en-US" altLang="zh-CN" dirty="0"/>
+          </a:p>
+          <a:p>
+            <a:endParaRPr lang="en-US" altLang="zh-CN" dirty="0"/>
+          </a:p>
+          <a:p>
+            <a:endParaRPr lang="en-US" altLang="zh-CN" dirty="0"/>
+          </a:p>
+          <a:p>
+            <a:endParaRPr lang="en-US" altLang="zh-CN" dirty="0"/>
+          </a:p>
+          <a:p>
+            <a:pPr marL="0" indent="0">
+              <a:buNone/>
+            </a:pPr>
+            <a:r>
+              <a:rPr lang="en-US" altLang="zh-CN" dirty="0"/>
+              <a:t>                                                               </a:t>
+            </a:r>
+          </a:p>
+          <a:p>
+            <a:endParaRPr lang="en-US" altLang="zh-CN" dirty="0"/>
+          </a:p>
+          <a:p>
+            <a:pPr marL="0" indent="0" algn="ctr">
+              <a:buNone/>
+            </a:pPr>
+            <a:endParaRPr lang="en-US" altLang="zh-CN" dirty="0"/>
+          </a:p>
+          <a:p>
+            <a:pPr marL="0" indent="0" algn="ctr">
+              <a:buNone/>
+            </a:pPr>
+            <a:r>
+              <a:rPr lang="zh-CN" altLang="en-US" dirty="0"/>
+              <a:t>图</a:t>
+            </a:r>
+            <a:r>
+              <a:rPr lang="en-US" altLang="zh-CN" dirty="0"/>
+              <a:t>-1 </a:t>
+            </a:r>
+            <a:r>
+              <a:rPr lang="zh-CN" altLang="en-US" dirty="0"/>
+              <a:t>前面的框代表的是目标损失，后面的框代表的是串接损失</a:t>
+            </a:r>
+            <a:endParaRPr lang="en-US" altLang="zh-CN" dirty="0"/>
+          </a:p>
+          <a:p>
+            <a:pPr marL="0" indent="0">
+              <a:buNone/>
+            </a:pPr>
+            <a:r>
+              <a:rPr lang="zh-CN" altLang="en-US" dirty="0"/>
+              <a:t>       上图为一个格</a:t>
+            </a:r>
+            <a:r>
+              <a:rPr lang="en-US" altLang="zh-CN" dirty="0"/>
+              <a:t>(trellis)</a:t>
+            </a:r>
+            <a:r>
+              <a:rPr lang="zh-CN" altLang="en-US" dirty="0"/>
+              <a:t>，它是一种图</a:t>
+            </a:r>
+            <a:r>
+              <a:rPr lang="en-US" altLang="zh-CN" dirty="0"/>
+              <a:t>(graph)</a:t>
+            </a:r>
+            <a:r>
+              <a:rPr lang="zh-CN" altLang="en-US" dirty="0"/>
+              <a:t>，该图常用在通信和加密理论中用以表征编码器和解码器。该图因与建筑上的格结构（</a:t>
+            </a:r>
+            <a:r>
+              <a:rPr lang="en-US" altLang="zh-CN" dirty="0"/>
+              <a:t>treillage</a:t>
+            </a:r>
+            <a:r>
+              <a:rPr lang="zh-CN" altLang="en-US" dirty="0"/>
+              <a:t>）相似而得名。在这种图中，节点呈垂直排布在一个切片中，每个切片中节点跟前一个切片和后一个切片中的至少一个节点连接。</a:t>
+            </a:r>
+            <a:endParaRPr lang="en-US" altLang="zh-CN" dirty="0"/>
+          </a:p>
+          <a:p>
+            <a:pPr marL="0" indent="0">
+              <a:buNone/>
+            </a:pPr>
+            <a:r>
+              <a:rPr lang="en-US" altLang="zh-CN" dirty="0"/>
+              <a:t>       </a:t>
+            </a:r>
+            <a:r>
+              <a:rPr lang="zh-CN" altLang="en-US" dirty="0"/>
+              <a:t>该优选过程可以用</a:t>
+            </a:r>
+            <a:r>
+              <a:rPr lang="en-US" altLang="zh-CN" dirty="0"/>
+              <a:t>Viterbi</a:t>
+            </a:r>
+            <a:r>
+              <a:rPr lang="zh-CN" altLang="en-US" dirty="0"/>
+              <a:t>算法实现，用集束搜索（</a:t>
+            </a:r>
+            <a:r>
+              <a:rPr lang="en-US" altLang="zh-CN" dirty="0"/>
+              <a:t>beam search</a:t>
+            </a:r>
+            <a:r>
+              <a:rPr lang="zh-CN" altLang="en-US" dirty="0"/>
+              <a:t>）加速该实现过程。</a:t>
+            </a:r>
+            <a:endParaRPr lang="en-US" altLang="zh-CN" dirty="0"/>
+          </a:p>
+          <a:p>
+            <a:pPr marL="0" indent="0">
+              <a:buNone/>
+            </a:pPr>
+            <a:endParaRPr lang="en-US" altLang="zh-CN" dirty="0"/>
+          </a:p>
+          <a:p>
+            <a:pPr algn="ctr"/>
+            <a:endParaRPr lang="en-US" altLang="zh-CN" dirty="0"/>
+          </a:p>
+          <a:p>
+            <a:pPr marL="0" indent="0" algn="ctr">
+              <a:buNone/>
+            </a:pPr>
+            <a:r>
+              <a:rPr lang="zh-CN" altLang="en-US" dirty="0"/>
+              <a:t>    </a:t>
+            </a:r>
+          </a:p>
+        </p:txBody>
+      </p:sp>
+      <p:pic>
+        <p:nvPicPr>
+          <p:cNvPr id="5" name="图片 4">
+            <a:extLst>
+              <a:ext uri="{FF2B5EF4-FFF2-40B4-BE49-F238E27FC236}">
+                <a16:creationId xmlns:a16="http://schemas.microsoft.com/office/drawing/2014/main" id="{26762E0F-1323-4EBF-A976-0CA3B6636E5A}"/>
+              </a:ext>
+            </a:extLst>
+          </p:cNvPr>
+          <p:cNvPicPr>
+            <a:picLocks noChangeAspect="1"/>
+          </p:cNvPicPr>
+          <p:nvPr/>
+        </p:nvPicPr>
+        <p:blipFill>
+          <a:blip r:embed="rId3">
+            <a:extLst>
+              <a:ext uri="{28A0092B-C50C-407E-A947-70E740481C1C}">
+                <a14:useLocalDpi xmlns:a14="http://schemas.microsoft.com/office/drawing/2010/main" val="0"/>
+              </a:ext>
+            </a:extLst>
+          </a:blip>
+          <a:stretch>
+            <a:fillRect/>
+          </a:stretch>
+        </p:blipFill>
+        <p:spPr>
+          <a:xfrm>
+            <a:off x="5290515" y="322446"/>
+            <a:ext cx="243504" cy="246119"/>
+          </a:xfrm>
+          <a:prstGeom prst="rect">
+            <a:avLst/>
+          </a:prstGeom>
+        </p:spPr>
+      </p:pic>
+      <p:sp>
+        <p:nvSpPr>
+          <p:cNvPr id="6" name="矩形 5">
+            <a:extLst>
+              <a:ext uri="{FF2B5EF4-FFF2-40B4-BE49-F238E27FC236}">
+                <a16:creationId xmlns:a16="http://schemas.microsoft.com/office/drawing/2014/main" id="{3802FD98-C47E-40BB-96B3-C023DCC0CD25}"/>
+              </a:ext>
+            </a:extLst>
+          </p:cNvPr>
+          <p:cNvSpPr/>
+          <p:nvPr/>
+        </p:nvSpPr>
+        <p:spPr>
+          <a:xfrm>
+            <a:off x="4677877" y="952902"/>
+            <a:ext cx="583763" cy="3118584"/>
+          </a:xfrm>
+          <a:prstGeom prst="rect">
+            <a:avLst/>
+          </a:prstGeom>
+          <a:noFill/>
+          <a:ln w="28575"/>
+        </p:spPr>
+        <p:style>
+          <a:lnRef idx="2">
+            <a:schemeClr val="accent1">
+              <a:shade val="50000"/>
+            </a:schemeClr>
+          </a:lnRef>
+          <a:fillRef idx="1">
+            <a:schemeClr val="accent1"/>
+          </a:fillRef>
+          <a:effectRef idx="0">
+            <a:schemeClr val="accent1"/>
+          </a:effectRef>
+          <a:fontRef idx="minor">
+            <a:schemeClr val="lt1"/>
+          </a:fontRef>
+        </p:style>
+        <p:txBody>
+          <a:bodyPr rtlCol="0" anchor="ctr"/>
+          <a:lstStyle/>
+          <a:p>
+            <a:pPr algn="ctr"/>
+            <a:endParaRPr lang="zh-CN" altLang="en-US"/>
+          </a:p>
+        </p:txBody>
+      </p:sp>
+      <p:sp>
+        <p:nvSpPr>
+          <p:cNvPr id="7" name="矩形 6">
+            <a:extLst>
+              <a:ext uri="{FF2B5EF4-FFF2-40B4-BE49-F238E27FC236}">
+                <a16:creationId xmlns:a16="http://schemas.microsoft.com/office/drawing/2014/main" id="{38C3C001-D4C1-4326-8842-3CBAC7FF7BB7}"/>
+              </a:ext>
+            </a:extLst>
+          </p:cNvPr>
+          <p:cNvSpPr/>
+          <p:nvPr/>
+        </p:nvSpPr>
+        <p:spPr>
+          <a:xfrm>
+            <a:off x="5727031" y="952902"/>
+            <a:ext cx="593387" cy="3118584"/>
+          </a:xfrm>
+          <a:prstGeom prst="rect">
+            <a:avLst/>
+          </a:prstGeom>
+          <a:noFill/>
+          <a:ln w="28575"/>
+        </p:spPr>
+        <p:style>
+          <a:lnRef idx="2">
+            <a:schemeClr val="accent1">
+              <a:shade val="50000"/>
+            </a:schemeClr>
+          </a:lnRef>
+          <a:fillRef idx="1">
+            <a:schemeClr val="accent1"/>
+          </a:fillRef>
+          <a:effectRef idx="0">
+            <a:schemeClr val="accent1"/>
+          </a:effectRef>
+          <a:fontRef idx="minor">
+            <a:schemeClr val="lt1"/>
+          </a:fontRef>
+        </p:style>
+        <p:txBody>
+          <a:bodyPr rtlCol="0" anchor="ctr"/>
+          <a:lstStyle/>
+          <a:p>
+            <a:pPr algn="ctr"/>
             <a:endParaRPr lang="zh-CN" altLang="en-US"/>
           </a:p>
         </p:txBody>
@@ -7209,12 +8346,30 @@
             <p:ph type="title"/>
           </p:nvPr>
         </p:nvSpPr>
-        <p:spPr/>
+        <p:spPr>
+          <a:xfrm>
+            <a:off x="404261" y="295736"/>
+            <a:ext cx="11251933" cy="474285"/>
+          </a:xfrm>
+        </p:spPr>
         <p:txBody>
-          <a:bodyPr/>
+          <a:bodyPr>
+            <a:normAutofit fontScale="90000"/>
+          </a:bodyPr>
           <a:lstStyle/>
           <a:p>
-            <a:endParaRPr lang="zh-CN" altLang="en-US"/>
+            <a:r>
+              <a:rPr lang="zh-CN" altLang="en-US" dirty="0"/>
+              <a:t>图、</a:t>
+            </a:r>
+            <a:r>
+              <a:rPr lang="en-US" altLang="zh-CN" dirty="0"/>
+              <a:t>Viterbi</a:t>
+            </a:r>
+            <a:r>
+              <a:rPr lang="zh-CN" altLang="en-US" dirty="0"/>
+              <a:t>算法和集束搜索</a:t>
+            </a:r>
           </a:p>
         </p:txBody>
       </p:sp>
@@ -7234,12 +8389,45 @@
             <p:ph idx="1"/>
           </p:nvPr>
         </p:nvSpPr>
-        <p:spPr/>
+        <p:spPr>
+          <a:xfrm>
+            <a:off x="404261" y="1039528"/>
+            <a:ext cx="11251933" cy="5553777"/>
+          </a:xfrm>
+        </p:spPr>
         <p:txBody>
           <a:bodyPr/>
           <a:lstStyle/>
           <a:p>
-            <a:endParaRPr lang="zh-CN" altLang="en-US"/>
+            <a:r>
+              <a:rPr lang="zh-CN" altLang="en-US" dirty="0"/>
+              <a:t>图是一类数学结构，它相当于某些相互（某种意义上）关联的对象的集合。</a:t>
+            </a:r>
+            <a:endParaRPr lang="en-US" altLang="zh-CN" dirty="0"/>
+          </a:p>
+          <a:p>
+            <a:r>
+              <a:rPr lang="zh-CN" altLang="en-US" dirty="0"/>
+              <a:t>形式化定义：</a:t>
+            </a:r>
+            <a:r>
+              <a:rPr lang="en-US" altLang="zh-CN" dirty="0"/>
+              <a:t>G=(V, E)</a:t>
+            </a:r>
+          </a:p>
+          <a:p>
+            <a:r>
+              <a:rPr lang="zh-CN" altLang="en-US" dirty="0"/>
+              <a:t>启发式</a:t>
+            </a:r>
+            <a:r>
+              <a:rPr lang="en-US" altLang="zh-CN" dirty="0"/>
+              <a:t>(Heuristic)</a:t>
+            </a:r>
+            <a:r>
+              <a:rPr lang="zh-CN" altLang="en-US" dirty="0"/>
+              <a:t>算法：是一种问题求解的技术，用以找到快速有效的解。这类算法常常在一定时间内输出令人满意的解，但是仅仅偶尔产出最优解。</a:t>
+            </a:r>
           </a:p>
         </p:txBody>
       </p:sp>
@@ -7257,6 +8445,279 @@
 </file>
 
 <file path=ppt/slides/slide8.xml><?xml version="1.0" encoding="utf-8"?>
+<p:sld xmlns:a="http://schemas.openxmlformats.org/drawingml/2006/main" xmlns:r="http://schemas.openxmlformats.org/officeDocument/2006/relationships" xmlns:p="http://schemas.openxmlformats.org/presentationml/2006/main">
+  <p:cSld>
+    <p:spTree>
+      <p:nvGrpSpPr>
+        <p:cNvPr id="1" name=""/>
+        <p:cNvGrpSpPr/>
+        <p:nvPr/>
+      </p:nvGrpSpPr>
+      <p:grpSpPr>
+        <a:xfrm>
+          <a:off x="0" y="0"/>
+          <a:ext cx="0" cy="0"/>
+          <a:chOff x="0" y="0"/>
+          <a:chExt cx="0" cy="0"/>
+        </a:xfrm>
+      </p:grpSpPr>
+      <p:sp>
+        <p:nvSpPr>
+          <p:cNvPr id="2" name="标题 1">
+            <a:extLst>
+              <a:ext uri="{FF2B5EF4-FFF2-40B4-BE49-F238E27FC236}">
+                <a16:creationId xmlns:a16="http://schemas.microsoft.com/office/drawing/2014/main" id="{F6F00ED9-4202-4B3C-B202-915B1C479254}"/>
+              </a:ext>
+            </a:extLst>
+          </p:cNvPr>
+          <p:cNvSpPr>
+            <a:spLocks noGrp="1"/>
+          </p:cNvSpPr>
+          <p:nvPr>
+            <p:ph type="title"/>
+          </p:nvPr>
+        </p:nvSpPr>
+        <p:spPr>
+          <a:xfrm>
+            <a:off x="404261" y="295736"/>
+            <a:ext cx="11251933" cy="474285"/>
+          </a:xfrm>
+        </p:spPr>
+        <p:txBody>
+          <a:bodyPr>
+            <a:normAutofit fontScale="90000"/>
+          </a:bodyPr>
+          <a:lstStyle/>
+          <a:p>
+            <a:r>
+              <a:rPr lang="zh-CN" altLang="en-US" dirty="0"/>
+              <a:t>定义（哲学）</a:t>
+            </a:r>
+          </a:p>
+        </p:txBody>
+      </p:sp>
+      <p:sp>
+        <p:nvSpPr>
+          <p:cNvPr id="3" name="内容占位符 2">
+            <a:extLst>
+              <a:ext uri="{FF2B5EF4-FFF2-40B4-BE49-F238E27FC236}">
+                <a16:creationId xmlns:a16="http://schemas.microsoft.com/office/drawing/2014/main" id="{BABCF17C-4B79-496E-B424-C929BA960345}"/>
+              </a:ext>
+            </a:extLst>
+          </p:cNvPr>
+          <p:cNvSpPr>
+            <a:spLocks noGrp="1"/>
+          </p:cNvSpPr>
+          <p:nvPr>
+            <p:ph idx="1"/>
+          </p:nvPr>
+        </p:nvSpPr>
+        <p:spPr>
+          <a:xfrm>
+            <a:off x="404261" y="1039528"/>
+            <a:ext cx="11251933" cy="5553777"/>
+          </a:xfrm>
+        </p:spPr>
+        <p:txBody>
+          <a:bodyPr>
+            <a:normAutofit/>
+          </a:bodyPr>
+          <a:lstStyle/>
+          <a:p>
+            <a:r>
+              <a:rPr lang="zh-CN" altLang="en-US" dirty="0"/>
+              <a:t>定义的类型：</a:t>
+            </a:r>
+            <a:endParaRPr lang="en-US" altLang="zh-CN" dirty="0"/>
+          </a:p>
+          <a:p>
+            <a:pPr lvl="1"/>
+            <a:r>
+              <a:rPr lang="en-US" altLang="zh-CN" dirty="0"/>
+              <a:t>1. </a:t>
+            </a:r>
+            <a:r>
+              <a:rPr lang="zh-CN" altLang="en-US" dirty="0"/>
+              <a:t>外延定义：某物属于特定集合的充要条件。</a:t>
+            </a:r>
+            <a:endParaRPr lang="en-US" altLang="zh-CN" dirty="0"/>
+          </a:p>
+          <a:p>
+            <a:pPr lvl="2"/>
+            <a:r>
+              <a:rPr lang="zh-CN" altLang="en-US" dirty="0"/>
+              <a:t>内涵定义：属于某个特定集合的对象的列表。</a:t>
+            </a:r>
+            <a:endParaRPr lang="en-US" altLang="zh-CN" dirty="0"/>
+          </a:p>
+          <a:p>
+            <a:pPr lvl="1"/>
+            <a:r>
+              <a:rPr lang="en-US" altLang="zh-CN" dirty="0"/>
+              <a:t>2. </a:t>
+            </a:r>
+            <a:r>
+              <a:rPr lang="zh-CN" altLang="en-US" dirty="0"/>
+              <a:t>实指定义：词指代的人事物的定义</a:t>
+            </a:r>
+            <a:endParaRPr lang="en-US" altLang="zh-CN" dirty="0"/>
+          </a:p>
+          <a:p>
+            <a:pPr lvl="2"/>
+            <a:r>
+              <a:rPr lang="en-US" altLang="zh-CN" dirty="0"/>
+              <a:t>Nominal definition</a:t>
+            </a:r>
+            <a:r>
+              <a:rPr lang="zh-CN" altLang="en-US" dirty="0"/>
+              <a:t>：词的定义</a:t>
+            </a:r>
+            <a:endParaRPr lang="en-US" altLang="zh-CN" dirty="0"/>
+          </a:p>
+          <a:p>
+            <a:pPr lvl="1"/>
+            <a:r>
+              <a:rPr lang="en-US" altLang="zh-CN" dirty="0"/>
+              <a:t>3. </a:t>
+            </a:r>
+            <a:r>
+              <a:rPr lang="zh-CN" altLang="en-US" dirty="0"/>
+              <a:t>递归</a:t>
+            </a:r>
+            <a:r>
+              <a:rPr lang="en-US" altLang="zh-CN" dirty="0"/>
+              <a:t>/</a:t>
+            </a:r>
+            <a:r>
+              <a:rPr lang="zh-CN" altLang="en-US" dirty="0"/>
+              <a:t>归纳定义：用集合中的某些元素定义除了这些元素之外的元素。</a:t>
+            </a:r>
+            <a:endParaRPr lang="en-US" altLang="zh-CN" dirty="0"/>
+          </a:p>
+          <a:p>
+            <a:pPr lvl="2"/>
+            <a:r>
+              <a:rPr lang="zh-CN" altLang="en-US" dirty="0"/>
+              <a:t>操作定义：用以表征概念（</a:t>
+            </a:r>
+            <a:r>
+              <a:rPr lang="en-US" altLang="zh-CN" dirty="0"/>
+              <a:t>construct</a:t>
+            </a:r>
+            <a:r>
+              <a:rPr lang="zh-CN" altLang="en-US" dirty="0"/>
+              <a:t>）的某种确切的可重复的程序。</a:t>
+            </a:r>
+            <a:endParaRPr lang="en-US" altLang="zh-CN" dirty="0"/>
+          </a:p>
+          <a:p>
+            <a:pPr lvl="2"/>
+            <a:r>
+              <a:rPr lang="zh-CN" altLang="en-US" dirty="0"/>
+              <a:t>理论定义</a:t>
+            </a:r>
+            <a:r>
+              <a:rPr lang="zh-CN" altLang="en-US" dirty="0">
+                <a:sym typeface="Wingdings" panose="05000000000000000000" pitchFamily="2" charset="2"/>
+              </a:rPr>
+              <a:t>：科学假设。</a:t>
+            </a:r>
+            <a:endParaRPr lang="en-US" altLang="zh-CN" dirty="0"/>
+          </a:p>
+          <a:p>
+            <a:pPr lvl="1"/>
+            <a:r>
+              <a:rPr lang="en-US" altLang="zh-CN" dirty="0"/>
+              <a:t>4. </a:t>
+            </a:r>
+            <a:r>
+              <a:rPr lang="zh-CN" altLang="en-US" dirty="0"/>
+              <a:t>规定定义（</a:t>
+            </a:r>
+            <a:r>
+              <a:rPr lang="en-US" altLang="zh-CN" dirty="0"/>
+              <a:t>stipulative definition</a:t>
+            </a:r>
+            <a:r>
+              <a:rPr lang="zh-CN" altLang="en-US" dirty="0"/>
+              <a:t>）：给已有定义的术语赋的新值。</a:t>
+            </a:r>
+            <a:endParaRPr lang="en-US" altLang="zh-CN" dirty="0"/>
+          </a:p>
+          <a:p>
+            <a:pPr lvl="2"/>
+            <a:r>
+              <a:rPr lang="zh-CN" altLang="en-US" dirty="0"/>
+              <a:t>描写定义：给术语赋值使之适配已有的用法。</a:t>
+            </a:r>
+            <a:endParaRPr lang="en-US" altLang="zh-CN" dirty="0"/>
+          </a:p>
+          <a:p>
+            <a:pPr lvl="2"/>
+            <a:r>
+              <a:rPr lang="zh-CN" altLang="en-US" dirty="0"/>
+              <a:t>解读定义（</a:t>
+            </a:r>
+            <a:r>
+              <a:rPr lang="en-US" altLang="zh-CN" dirty="0"/>
+              <a:t>explicative definition</a:t>
+            </a:r>
+            <a:r>
+              <a:rPr lang="zh-CN" altLang="en-US" dirty="0"/>
+              <a:t>）：某个术语的核心用法。</a:t>
+            </a:r>
+            <a:endParaRPr lang="en-US" altLang="zh-CN" dirty="0"/>
+          </a:p>
+          <a:p>
+            <a:pPr lvl="2"/>
+            <a:r>
+              <a:rPr lang="zh-CN" altLang="en-US" dirty="0"/>
+              <a:t>例证定义（</a:t>
+            </a:r>
+            <a:r>
+              <a:rPr lang="en-US" altLang="zh-CN" b="0" i="0" dirty="0">
+                <a:solidFill>
+                  <a:srgbClr val="000000"/>
+                </a:solidFill>
+                <a:effectLst/>
+                <a:latin typeface="Linux Libertine"/>
+              </a:rPr>
+              <a:t>Ostensive definition</a:t>
+            </a:r>
+            <a:r>
+              <a:rPr lang="zh-CN" altLang="en-US" dirty="0"/>
+              <a:t>）：通过举例揭示意义。</a:t>
+            </a:r>
+            <a:endParaRPr lang="en-US" altLang="zh-CN" dirty="0"/>
+          </a:p>
+          <a:p>
+            <a:pPr lvl="1"/>
+            <a:r>
+              <a:rPr lang="en-US" altLang="zh-CN" dirty="0"/>
+              <a:t>5. </a:t>
+            </a:r>
+            <a:r>
+              <a:rPr lang="zh-CN" altLang="en-US" dirty="0"/>
+              <a:t>循环定义：与循环论证有关。</a:t>
+            </a:r>
+            <a:endParaRPr lang="en-US" altLang="zh-CN" dirty="0"/>
+          </a:p>
+        </p:txBody>
+      </p:sp>
+    </p:spTree>
+    <p:extLst>
+      <p:ext uri="{BB962C8B-B14F-4D97-AF65-F5344CB8AC3E}">
+        <p14:creationId xmlns:p14="http://schemas.microsoft.com/office/powerpoint/2010/main" val="1581984823"/>
+      </p:ext>
+    </p:extLst>
+  </p:cSld>
+  <p:clrMapOvr>
+    <a:masterClrMapping/>
+  </p:clrMapOvr>
+</p:sld>
+</file>
+
+<file path=ppt/slides/slide9.xml><?xml version="1.0" encoding="utf-8"?>
 <p:sld xmlns:a="http://schemas.openxmlformats.org/drawingml/2006/main" xmlns:r="http://schemas.openxmlformats.org/officeDocument/2006/relationships" xmlns:p="http://schemas.openxmlformats.org/presentationml/2006/main">
   <p:cSld>
     <p:spTree>
@@ -7306,8 +8767,8 @@
           </a:p>
         </p:txBody>
       </p:sp>
-      <mc:AlternateContent xmlns:mc="http://schemas.openxmlformats.org/markup-compatibility/2006">
-        <mc:Choice xmlns:a14="http://schemas.microsoft.com/office/drawing/2010/main" Requires="a14">
+      <mc:AlternateContent xmlns:mc="http://schemas.openxmlformats.org/markup-compatibility/2006" xmlns:a14="http://schemas.microsoft.com/office/drawing/2010/main">
+        <mc:Choice Requires="a14">
           <p:sp>
             <p:nvSpPr>
               <p:cNvPr id="3" name="内容占位符 2">
@@ -7563,7 +9024,7 @@
             </p:txBody>
           </p:sp>
         </mc:Choice>
-        <mc:Fallback>
+        <mc:Fallback xmlns="">
           <p:sp>
             <p:nvSpPr>
               <p:cNvPr id="3" name="内容占位符 2">
@@ -7611,840 +9072,6 @@
     <p:extLst>
       <p:ext uri="{BB962C8B-B14F-4D97-AF65-F5344CB8AC3E}">
         <p14:creationId xmlns:p14="http://schemas.microsoft.com/office/powerpoint/2010/main" val="293865575"/>
-      </p:ext>
-    </p:extLst>
-  </p:cSld>
-  <p:clrMapOvr>
-    <a:masterClrMapping/>
-  </p:clrMapOvr>
-</p:sld>
-</file>
-
-<file path=ppt/slides/slide9.xml><?xml version="1.0" encoding="utf-8"?>
-<p:sld xmlns:a="http://schemas.openxmlformats.org/drawingml/2006/main" xmlns:r="http://schemas.openxmlformats.org/officeDocument/2006/relationships" xmlns:p="http://schemas.openxmlformats.org/presentationml/2006/main">
-  <p:cSld>
-    <p:spTree>
-      <p:nvGrpSpPr>
-        <p:cNvPr id="1" name=""/>
-        <p:cNvGrpSpPr/>
-        <p:nvPr/>
-      </p:nvGrpSpPr>
-      <p:grpSpPr>
-        <a:xfrm>
-          <a:off x="0" y="0"/>
-          <a:ext cx="0" cy="0"/>
-          <a:chOff x="0" y="0"/>
-          <a:chExt cx="0" cy="0"/>
-        </a:xfrm>
-      </p:grpSpPr>
-      <p:sp>
-        <p:nvSpPr>
-          <p:cNvPr id="2" name="标题 1">
-            <a:extLst>
-              <a:ext uri="{FF2B5EF4-FFF2-40B4-BE49-F238E27FC236}">
-                <a16:creationId xmlns:a16="http://schemas.microsoft.com/office/drawing/2014/main" id="{C78EC630-E97D-4FF4-902F-3CCE3E59F89D}"/>
-              </a:ext>
-            </a:extLst>
-          </p:cNvPr>
-          <p:cNvSpPr>
-            <a:spLocks noGrp="1"/>
-          </p:cNvSpPr>
-          <p:nvPr>
-            <p:ph type="title"/>
-          </p:nvPr>
-        </p:nvSpPr>
-        <p:spPr>
-          <a:xfrm>
-            <a:off x="2231136" y="185046"/>
-            <a:ext cx="7729728" cy="479097"/>
-          </a:xfrm>
-        </p:spPr>
-        <p:txBody>
-          <a:bodyPr>
-            <a:normAutofit fontScale="90000"/>
-          </a:bodyPr>
-          <a:lstStyle/>
-          <a:p>
-            <a:r>
-              <a:rPr lang="en-US" altLang="zh-CN" dirty="0"/>
-              <a:t>ZFC</a:t>
-            </a:r>
-            <a:endParaRPr lang="zh-CN" altLang="en-US" dirty="0"/>
-          </a:p>
-        </p:txBody>
-      </p:sp>
-      <p:sp>
-        <p:nvSpPr>
-          <p:cNvPr id="3" name="内容占位符 2">
-            <a:extLst>
-              <a:ext uri="{FF2B5EF4-FFF2-40B4-BE49-F238E27FC236}">
-                <a16:creationId xmlns:a16="http://schemas.microsoft.com/office/drawing/2014/main" id="{1CCB3BC5-2830-4458-B6EE-FEEC34C5E23C}"/>
-              </a:ext>
-            </a:extLst>
-          </p:cNvPr>
-          <p:cNvSpPr>
-            <a:spLocks noGrp="1"/>
-          </p:cNvSpPr>
-          <p:nvPr>
-            <p:ph idx="1"/>
-          </p:nvPr>
-        </p:nvSpPr>
-        <p:spPr>
-          <a:xfrm>
-            <a:off x="522010" y="780368"/>
-            <a:ext cx="11147980" cy="5892586"/>
-          </a:xfrm>
-        </p:spPr>
-        <p:txBody>
-          <a:bodyPr>
-            <a:normAutofit fontScale="92500" lnSpcReduction="20000"/>
-          </a:bodyPr>
-          <a:lstStyle/>
-          <a:p>
-            <a:r>
-              <a:rPr lang="en-US" altLang="zh-CN" dirty="0">
-                <a:latin typeface="Times New Roman" panose="02020603050405020304" pitchFamily="18" charset="0"/>
-                <a:cs typeface="Times New Roman" panose="02020603050405020304" pitchFamily="18" charset="0"/>
-              </a:rPr>
-              <a:t>ZFC</a:t>
-            </a:r>
-            <a:r>
-              <a:rPr lang="zh-CN" altLang="en-US" dirty="0"/>
-              <a:t>：策梅洛</a:t>
-            </a:r>
-            <a:r>
-              <a:rPr lang="en-US" altLang="zh-CN" dirty="0"/>
-              <a:t>·</a:t>
-            </a:r>
-            <a:r>
-              <a:rPr lang="zh-CN" altLang="en-US" dirty="0"/>
-              <a:t>弗兰克尔集合论</a:t>
-            </a:r>
-            <a:r>
-              <a:rPr lang="en-US" altLang="zh-CN" dirty="0"/>
-              <a:t>+</a:t>
-            </a:r>
-            <a:r>
-              <a:rPr lang="zh-CN" altLang="en-US" dirty="0"/>
-              <a:t>选择公理</a:t>
-            </a:r>
-            <a:r>
-              <a:rPr lang="en-US" altLang="zh-CN" dirty="0"/>
-              <a:t>[</a:t>
-            </a:r>
-            <a:r>
-              <a:rPr lang="zh-CN" altLang="en-US" dirty="0">
-                <a:solidFill>
-                  <a:srgbClr val="FF0000"/>
-                </a:solidFill>
-              </a:rPr>
-              <a:t>非空集合的集合的笛卡尔积为非空集合</a:t>
-            </a:r>
-            <a:r>
-              <a:rPr lang="zh-CN" altLang="en-US" dirty="0"/>
-              <a:t>（有争议，</a:t>
-            </a:r>
-            <a:r>
-              <a:rPr lang="en-US" altLang="zh-CN" dirty="0"/>
-              <a:t>UCP</a:t>
-            </a:r>
-            <a:r>
-              <a:rPr lang="zh-CN" altLang="en-US" dirty="0"/>
-              <a:t>）</a:t>
-            </a:r>
-            <a:r>
-              <a:rPr lang="en-US" altLang="zh-CN" dirty="0"/>
-              <a:t>]</a:t>
-            </a:r>
-            <a:r>
-              <a:rPr lang="zh-CN" altLang="en-US" dirty="0"/>
-              <a:t>（无选择公理时为</a:t>
-            </a:r>
-            <a:r>
-              <a:rPr lang="en-US" altLang="zh-CN" dirty="0"/>
-              <a:t>ZF</a:t>
-            </a:r>
-            <a:r>
-              <a:rPr lang="zh-CN" altLang="en-US" dirty="0"/>
-              <a:t>）。该集合论旨在构建一个无悖论的公理系统。</a:t>
-            </a:r>
-            <a:endParaRPr lang="en-US" altLang="zh-CN" dirty="0"/>
-          </a:p>
-          <a:p>
-            <a:pPr lvl="1"/>
-            <a:r>
-              <a:rPr lang="en-US" altLang="zh-CN" dirty="0">
-                <a:solidFill>
-                  <a:srgbClr val="FF0000"/>
-                </a:solidFill>
-                <a:latin typeface="Times New Roman" panose="02020603050405020304" pitchFamily="18" charset="0"/>
-                <a:cs typeface="Times New Roman" panose="02020603050405020304" pitchFamily="18" charset="0"/>
-              </a:rPr>
-              <a:t>Unrestricted Comprehension Principle(UCP):</a:t>
-            </a:r>
-            <a:r>
-              <a:rPr lang="zh-CN" altLang="en-US" dirty="0">
-                <a:latin typeface="Times New Roman" panose="02020603050405020304" pitchFamily="18" charset="0"/>
-                <a:cs typeface="Times New Roman" panose="02020603050405020304" pitchFamily="18" charset="0"/>
-              </a:rPr>
-              <a:t>给定集合 </a:t>
-            </a:r>
-            <a:r>
-              <a:rPr lang="en-US" altLang="zh-CN" dirty="0">
-                <a:latin typeface="Times New Roman" panose="02020603050405020304" pitchFamily="18" charset="0"/>
-                <a:cs typeface="Times New Roman" panose="02020603050405020304" pitchFamily="18" charset="0"/>
-              </a:rPr>
-              <a:t>A </a:t>
-            </a:r>
-            <a:r>
-              <a:rPr lang="zh-CN" altLang="en-US" dirty="0">
-                <a:latin typeface="Times New Roman" panose="02020603050405020304" pitchFamily="18" charset="0"/>
-                <a:cs typeface="Times New Roman" panose="02020603050405020304" pitchFamily="18" charset="0"/>
-              </a:rPr>
-              <a:t>和谓词 </a:t>
-            </a:r>
-            <a:r>
-              <a:rPr lang="en-US" altLang="zh-CN" dirty="0">
-                <a:latin typeface="Times New Roman" panose="02020603050405020304" pitchFamily="18" charset="0"/>
-                <a:cs typeface="Times New Roman" panose="02020603050405020304" pitchFamily="18" charset="0"/>
-              </a:rPr>
-              <a:t>P</a:t>
-            </a:r>
-            <a:r>
-              <a:rPr lang="zh-CN" altLang="en-US" dirty="0">
-                <a:latin typeface="Times New Roman" panose="02020603050405020304" pitchFamily="18" charset="0"/>
-                <a:cs typeface="Times New Roman" panose="02020603050405020304" pitchFamily="18" charset="0"/>
-              </a:rPr>
-              <a:t>，我们可以找到 </a:t>
-            </a:r>
-            <a:r>
-              <a:rPr lang="en-US" altLang="zh-CN" dirty="0">
-                <a:latin typeface="Times New Roman" panose="02020603050405020304" pitchFamily="18" charset="0"/>
-                <a:cs typeface="Times New Roman" panose="02020603050405020304" pitchFamily="18" charset="0"/>
-              </a:rPr>
-              <a:t>A </a:t>
-            </a:r>
-            <a:r>
-              <a:rPr lang="zh-CN" altLang="en-US" dirty="0">
-                <a:latin typeface="Times New Roman" panose="02020603050405020304" pitchFamily="18" charset="0"/>
-                <a:cs typeface="Times New Roman" panose="02020603050405020304" pitchFamily="18" charset="0"/>
-              </a:rPr>
-              <a:t>的子集 </a:t>
-            </a:r>
-            <a:r>
-              <a:rPr lang="en-US" altLang="zh-CN" dirty="0">
-                <a:latin typeface="Times New Roman" panose="02020603050405020304" pitchFamily="18" charset="0"/>
-                <a:cs typeface="Times New Roman" panose="02020603050405020304" pitchFamily="18" charset="0"/>
-              </a:rPr>
-              <a:t>B</a:t>
-            </a:r>
-            <a:r>
-              <a:rPr lang="zh-CN" altLang="en-US" dirty="0">
-                <a:latin typeface="Times New Roman" panose="02020603050405020304" pitchFamily="18" charset="0"/>
-                <a:cs typeface="Times New Roman" panose="02020603050405020304" pitchFamily="18" charset="0"/>
-              </a:rPr>
-              <a:t>，它的成员满足 </a:t>
-            </a:r>
-            <a:r>
-              <a:rPr lang="en-US" altLang="zh-CN" dirty="0">
-                <a:latin typeface="Times New Roman" panose="02020603050405020304" pitchFamily="18" charset="0"/>
-                <a:cs typeface="Times New Roman" panose="02020603050405020304" pitchFamily="18" charset="0"/>
-              </a:rPr>
-              <a:t>P</a:t>
-            </a:r>
-            <a:r>
-              <a:rPr lang="zh-CN" altLang="en-US" dirty="0">
-                <a:latin typeface="Times New Roman" panose="02020603050405020304" pitchFamily="18" charset="0"/>
-                <a:cs typeface="Times New Roman" panose="02020603050405020304" pitchFamily="18" charset="0"/>
-              </a:rPr>
-              <a:t>。因此对于所有集合的集合，我们总是可以找到一个子集不在集合中，这就产生了矛盾，因此不存在所有集合的集合。</a:t>
-            </a:r>
-            <a:endParaRPr lang="en-US" altLang="zh-CN" dirty="0">
-              <a:latin typeface="Times New Roman" panose="02020603050405020304" pitchFamily="18" charset="0"/>
-              <a:cs typeface="Times New Roman" panose="02020603050405020304" pitchFamily="18" charset="0"/>
-            </a:endParaRPr>
-          </a:p>
-          <a:p>
-            <a:pPr lvl="1"/>
-            <a:r>
-              <a:rPr lang="zh-CN" altLang="en-US" dirty="0">
-                <a:solidFill>
-                  <a:schemeClr val="accent2">
-                    <a:lumMod val="50000"/>
-                  </a:schemeClr>
-                </a:solidFill>
-                <a:latin typeface="Times New Roman" panose="02020603050405020304" pitchFamily="18" charset="0"/>
-                <a:cs typeface="Times New Roman" panose="02020603050405020304" pitchFamily="18" charset="0"/>
-              </a:rPr>
-              <a:t>虚真</a:t>
-            </a:r>
-            <a:r>
-              <a:rPr lang="zh-CN" altLang="en-US" dirty="0">
-                <a:latin typeface="Times New Roman" panose="02020603050405020304" pitchFamily="18" charset="0"/>
-                <a:cs typeface="Times New Roman" panose="02020603050405020304" pitchFamily="18" charset="0"/>
-              </a:rPr>
-              <a:t>：</a:t>
-            </a:r>
-            <a:r>
-              <a:rPr lang="en-US" altLang="zh-CN" dirty="0">
-                <a:latin typeface="Times New Roman" panose="02020603050405020304" pitchFamily="18" charset="0"/>
-                <a:cs typeface="Times New Roman" panose="02020603050405020304" pitchFamily="18" charset="0"/>
-              </a:rPr>
-              <a:t>P-&gt;Q</a:t>
-            </a:r>
-            <a:r>
-              <a:rPr lang="zh-CN" altLang="en-US" dirty="0">
-                <a:latin typeface="Times New Roman" panose="02020603050405020304" pitchFamily="18" charset="0"/>
-                <a:cs typeface="Times New Roman" panose="02020603050405020304" pitchFamily="18" charset="0"/>
-              </a:rPr>
-              <a:t>为真</a:t>
-            </a:r>
-            <a:r>
-              <a:rPr lang="en-US" altLang="zh-CN" dirty="0">
-                <a:latin typeface="Times New Roman" panose="02020603050405020304" pitchFamily="18" charset="0"/>
-                <a:cs typeface="Times New Roman" panose="02020603050405020304" pitchFamily="18" charset="0"/>
-              </a:rPr>
-              <a:t>, </a:t>
-            </a:r>
-            <a:r>
-              <a:rPr lang="zh-CN" altLang="en-US" dirty="0">
-                <a:latin typeface="Times New Roman" panose="02020603050405020304" pitchFamily="18" charset="0"/>
-                <a:cs typeface="Times New Roman" panose="02020603050405020304" pitchFamily="18" charset="0"/>
-              </a:rPr>
-              <a:t>且</a:t>
-            </a:r>
-            <a:r>
-              <a:rPr lang="en-US" altLang="zh-CN" dirty="0">
-                <a:latin typeface="Times New Roman" panose="02020603050405020304" pitchFamily="18" charset="0"/>
-                <a:cs typeface="Times New Roman" panose="02020603050405020304" pitchFamily="18" charset="0"/>
-              </a:rPr>
-              <a:t>P</a:t>
-            </a:r>
-            <a:r>
-              <a:rPr lang="zh-CN" altLang="en-US" dirty="0">
-                <a:latin typeface="Times New Roman" panose="02020603050405020304" pitchFamily="18" charset="0"/>
-                <a:cs typeface="Times New Roman" panose="02020603050405020304" pitchFamily="18" charset="0"/>
-              </a:rPr>
-              <a:t>为假；</a:t>
-            </a:r>
-            <a:r>
-              <a:rPr lang="zh-CN" altLang="en-US" dirty="0">
-                <a:solidFill>
-                  <a:schemeClr val="accent2">
-                    <a:lumMod val="50000"/>
-                  </a:schemeClr>
-                </a:solidFill>
-                <a:latin typeface="Times New Roman" panose="02020603050405020304" pitchFamily="18" charset="0"/>
-                <a:cs typeface="Times New Roman" panose="02020603050405020304" pitchFamily="18" charset="0"/>
-              </a:rPr>
-              <a:t> 纯集合</a:t>
-            </a:r>
-            <a:r>
-              <a:rPr lang="zh-CN" altLang="en-US" dirty="0">
-                <a:latin typeface="Times New Roman" panose="02020603050405020304" pitchFamily="18" charset="0"/>
-                <a:cs typeface="Times New Roman" panose="02020603050405020304" pitchFamily="18" charset="0"/>
-              </a:rPr>
-              <a:t>：集合的成员都是集合，成员的集合都是集合</a:t>
-            </a:r>
-            <a:r>
-              <a:rPr lang="en-US" altLang="zh-CN" dirty="0">
-                <a:latin typeface="Times New Roman" panose="02020603050405020304" pitchFamily="18" charset="0"/>
-                <a:cs typeface="Times New Roman" panose="02020603050405020304" pitchFamily="18" charset="0"/>
-              </a:rPr>
-              <a:t>…..</a:t>
-            </a:r>
-          </a:p>
-          <a:p>
-            <a:pPr lvl="1"/>
-            <a:r>
-              <a:rPr lang="zh-CN" altLang="en-US" b="1" i="0" dirty="0">
-                <a:solidFill>
-                  <a:srgbClr val="000000"/>
-                </a:solidFill>
-                <a:effectLst/>
-                <a:latin typeface="Linux Libertine"/>
-              </a:rPr>
-              <a:t>基本元素（</a:t>
-            </a:r>
-            <a:r>
-              <a:rPr lang="en-US" altLang="zh-CN" b="1" i="0" dirty="0">
-                <a:solidFill>
-                  <a:srgbClr val="000000"/>
-                </a:solidFill>
-                <a:effectLst/>
-                <a:latin typeface="Linux Libertine"/>
-              </a:rPr>
-              <a:t>Urelement</a:t>
-            </a:r>
-            <a:r>
-              <a:rPr lang="zh-CN" altLang="en-US" b="1" i="0" dirty="0">
-                <a:solidFill>
-                  <a:srgbClr val="000000"/>
-                </a:solidFill>
-                <a:effectLst/>
-                <a:latin typeface="Linux Libertine"/>
-              </a:rPr>
-              <a:t>）</a:t>
-            </a:r>
-            <a:r>
-              <a:rPr lang="en-US" altLang="zh-CN" b="1" i="0" dirty="0">
-                <a:solidFill>
-                  <a:srgbClr val="000000"/>
-                </a:solidFill>
-                <a:effectLst/>
-                <a:latin typeface="Linux Libertine"/>
-              </a:rPr>
-              <a:t>: </a:t>
-            </a:r>
-            <a:r>
-              <a:rPr lang="zh-CN" altLang="en-US" dirty="0">
-                <a:solidFill>
-                  <a:srgbClr val="000000"/>
-                </a:solidFill>
-                <a:latin typeface="Linux Libertine"/>
-              </a:rPr>
-              <a:t>不是集合的对象；</a:t>
-            </a:r>
-            <a:endParaRPr lang="en-US" altLang="zh-CN" dirty="0">
-              <a:solidFill>
-                <a:srgbClr val="000000"/>
-              </a:solidFill>
-              <a:latin typeface="Linux Libertine"/>
-            </a:endParaRPr>
-          </a:p>
-          <a:p>
-            <a:pPr lvl="1"/>
-            <a:r>
-              <a:rPr lang="zh-CN" altLang="en-US" dirty="0">
-                <a:solidFill>
-                  <a:srgbClr val="000000"/>
-                </a:solidFill>
-                <a:latin typeface="Linux Libertine"/>
-              </a:rPr>
-              <a:t>一般情况下，类就是一组集合（或者其他的数学对象）；</a:t>
-            </a:r>
-            <a:r>
-              <a:rPr lang="en-US" altLang="zh-CN" dirty="0">
-                <a:solidFill>
-                  <a:srgbClr val="000000"/>
-                </a:solidFill>
-                <a:latin typeface="Linux Libertine"/>
-              </a:rPr>
-              <a:t>ZFC</a:t>
-            </a:r>
-            <a:r>
-              <a:rPr lang="zh-CN" altLang="en-US" dirty="0">
-                <a:solidFill>
-                  <a:srgbClr val="000000"/>
-                </a:solidFill>
-                <a:latin typeface="Linux Libertine"/>
-              </a:rPr>
-              <a:t>中，非集合类叫做真类（</a:t>
-            </a:r>
-            <a:r>
-              <a:rPr lang="en-US" altLang="zh-CN" dirty="0">
-                <a:solidFill>
-                  <a:srgbClr val="000000"/>
-                </a:solidFill>
-                <a:latin typeface="Linux Libertine"/>
-              </a:rPr>
-              <a:t>Proper Class</a:t>
-            </a:r>
-            <a:r>
-              <a:rPr lang="zh-CN" altLang="en-US" dirty="0">
-                <a:solidFill>
-                  <a:srgbClr val="000000"/>
-                </a:solidFill>
-                <a:latin typeface="Linux Libertine"/>
-              </a:rPr>
-              <a:t>）。</a:t>
-            </a:r>
-            <a:endParaRPr lang="en-US" altLang="zh-CN" dirty="0">
-              <a:latin typeface="Times New Roman" panose="02020603050405020304" pitchFamily="18" charset="0"/>
-              <a:cs typeface="Times New Roman" panose="02020603050405020304" pitchFamily="18" charset="0"/>
-            </a:endParaRPr>
-          </a:p>
-          <a:p>
-            <a:r>
-              <a:rPr lang="en-US" altLang="zh-CN" dirty="0">
-                <a:latin typeface="Times New Roman" panose="02020603050405020304" pitchFamily="18" charset="0"/>
-                <a:cs typeface="Times New Roman" panose="02020603050405020304" pitchFamily="18" charset="0"/>
-              </a:rPr>
-              <a:t>ZFC</a:t>
-            </a:r>
-            <a:r>
-              <a:rPr lang="zh-CN" altLang="en-US" dirty="0">
-                <a:latin typeface="Times New Roman" panose="02020603050405020304" pitchFamily="18" charset="0"/>
-                <a:cs typeface="Times New Roman" panose="02020603050405020304" pitchFamily="18" charset="0"/>
-              </a:rPr>
-              <a:t>的公理仅仅涉及纯</a:t>
-            </a:r>
-            <a:r>
-              <a:rPr lang="en-US" altLang="zh-CN" dirty="0">
-                <a:latin typeface="Times New Roman" panose="02020603050405020304" pitchFamily="18" charset="0"/>
-                <a:cs typeface="Times New Roman" panose="02020603050405020304" pitchFamily="18" charset="0"/>
-              </a:rPr>
-              <a:t>/</a:t>
-            </a:r>
-            <a:r>
-              <a:rPr lang="zh-CN" altLang="en-US" dirty="0">
-                <a:latin typeface="Times New Roman" panose="02020603050405020304" pitchFamily="18" charset="0"/>
-                <a:cs typeface="Times New Roman" panose="02020603050405020304" pitchFamily="18" charset="0"/>
-              </a:rPr>
-              <a:t>遗传集合。</a:t>
-            </a:r>
-            <a:r>
-              <a:rPr lang="en-US" altLang="zh-CN" dirty="0">
-                <a:latin typeface="Times New Roman" panose="02020603050405020304" pitchFamily="18" charset="0"/>
-                <a:cs typeface="Times New Roman" panose="02020603050405020304" pitchFamily="18" charset="0"/>
-              </a:rPr>
-              <a:t>ZF</a:t>
-            </a:r>
-            <a:r>
-              <a:rPr lang="zh-CN" altLang="en-US" dirty="0">
-                <a:latin typeface="Times New Roman" panose="02020603050405020304" pitchFamily="18" charset="0"/>
-                <a:cs typeface="Times New Roman" panose="02020603050405020304" pitchFamily="18" charset="0"/>
-              </a:rPr>
-              <a:t>是不包括全集的。</a:t>
-            </a:r>
-            <a:endParaRPr lang="en-US" altLang="zh-CN" dirty="0">
-              <a:latin typeface="Times New Roman" panose="02020603050405020304" pitchFamily="18" charset="0"/>
-              <a:cs typeface="Times New Roman" panose="02020603050405020304" pitchFamily="18" charset="0"/>
-            </a:endParaRPr>
-          </a:p>
-          <a:p>
-            <a:r>
-              <a:rPr lang="en-US" altLang="zh-CN" dirty="0">
-                <a:latin typeface="Times New Roman" panose="02020603050405020304" pitchFamily="18" charset="0"/>
-                <a:cs typeface="Times New Roman" panose="02020603050405020304" pitchFamily="18" charset="0"/>
-              </a:rPr>
-              <a:t>ZFC</a:t>
-            </a:r>
-            <a:r>
-              <a:rPr lang="zh-CN" altLang="en-US" dirty="0"/>
-              <a:t>的公理：</a:t>
-            </a:r>
-            <a:endParaRPr lang="en-US" altLang="zh-CN" dirty="0"/>
-          </a:p>
-          <a:p>
-            <a:pPr lvl="1"/>
-            <a:r>
-              <a:rPr lang="zh-CN" altLang="en-US" b="1" dirty="0"/>
-              <a:t>外延公理</a:t>
-            </a:r>
-            <a:r>
-              <a:rPr lang="zh-CN" altLang="en-US" dirty="0"/>
-              <a:t>：</a:t>
-            </a:r>
-            <a:r>
-              <a:rPr lang="zh-CN" altLang="en-US" b="0" i="0" dirty="0">
-                <a:solidFill>
-                  <a:srgbClr val="202122"/>
-                </a:solidFill>
-                <a:effectLst/>
-                <a:latin typeface="Arial" panose="020B0604020202020204" pitchFamily="34" charset="0"/>
-              </a:rPr>
-              <a:t>两个集合相等，若它们有相同的元素。</a:t>
-            </a:r>
-            <a:endParaRPr lang="en-US" altLang="zh-CN" dirty="0"/>
-          </a:p>
-          <a:p>
-            <a:pPr lvl="1"/>
-            <a:r>
-              <a:rPr lang="zh-CN" altLang="en-US" b="1" dirty="0"/>
-              <a:t>正则公理</a:t>
-            </a:r>
-            <a:r>
-              <a:rPr lang="zh-CN" altLang="en-US" dirty="0"/>
-              <a:t>：每个非空集合</a:t>
-            </a:r>
-            <a:r>
-              <a:rPr lang="en-US" altLang="zh-CN" dirty="0"/>
-              <a:t>x</a:t>
-            </a:r>
-            <a:r>
-              <a:rPr lang="zh-CN" altLang="en-US" dirty="0"/>
-              <a:t>都有一个元素</a:t>
-            </a:r>
-            <a:r>
-              <a:rPr lang="en-US" altLang="zh-CN" dirty="0"/>
-              <a:t>y</a:t>
-            </a:r>
-            <a:r>
-              <a:rPr lang="zh-CN" altLang="en-US" dirty="0"/>
-              <a:t>，使得</a:t>
-            </a:r>
-            <a:r>
-              <a:rPr lang="en-US" altLang="zh-CN" dirty="0"/>
-              <a:t>x</a:t>
-            </a:r>
-            <a:r>
-              <a:rPr lang="zh-CN" altLang="en-US" dirty="0"/>
-              <a:t>和</a:t>
-            </a:r>
-            <a:r>
-              <a:rPr lang="en-US" altLang="zh-CN" dirty="0"/>
-              <a:t>y</a:t>
-            </a:r>
-            <a:r>
-              <a:rPr lang="zh-CN" altLang="en-US" dirty="0"/>
-              <a:t>交集为空。</a:t>
-            </a:r>
-            <a:endParaRPr lang="en-US" altLang="zh-CN" dirty="0"/>
-          </a:p>
-          <a:p>
-            <a:pPr lvl="1"/>
-            <a:r>
-              <a:rPr lang="en-US" altLang="zh-CN" b="1" dirty="0"/>
-              <a:t>UCP</a:t>
-            </a:r>
-            <a:r>
-              <a:rPr lang="zh-CN" altLang="en-US" dirty="0"/>
-              <a:t>：略</a:t>
-            </a:r>
-            <a:endParaRPr lang="en-US" altLang="zh-CN" dirty="0"/>
-          </a:p>
-          <a:p>
-            <a:pPr lvl="1"/>
-            <a:r>
-              <a:rPr lang="zh-CN" altLang="en-US" b="1" dirty="0"/>
-              <a:t>联集公理</a:t>
-            </a:r>
-            <a:r>
-              <a:rPr lang="zh-CN" altLang="en-US" dirty="0"/>
-              <a:t>：对于每个集合</a:t>
-            </a:r>
-            <a:r>
-              <a:rPr lang="en-US" altLang="zh-CN" dirty="0"/>
-              <a:t>x</a:t>
-            </a:r>
-            <a:r>
-              <a:rPr lang="zh-CN" altLang="en-US" dirty="0"/>
-              <a:t>存在一个集合</a:t>
-            </a:r>
-            <a:r>
-              <a:rPr lang="en-US" altLang="zh-CN" dirty="0"/>
-              <a:t>y</a:t>
-            </a:r>
-            <a:r>
-              <a:rPr lang="zh-CN" altLang="en-US" dirty="0"/>
-              <a:t>其元素恰好是</a:t>
-            </a:r>
-            <a:r>
-              <a:rPr lang="en-US" altLang="zh-CN" dirty="0"/>
-              <a:t>x</a:t>
-            </a:r>
-            <a:r>
-              <a:rPr lang="zh-CN" altLang="en-US" dirty="0"/>
-              <a:t>的元素的元素。</a:t>
-            </a:r>
-            <a:endParaRPr lang="en-US" altLang="zh-CN" dirty="0"/>
-          </a:p>
-          <a:p>
-            <a:pPr lvl="1"/>
-            <a:r>
-              <a:rPr lang="zh-CN" altLang="en-US" b="1" dirty="0"/>
-              <a:t>替代公理</a:t>
-            </a:r>
-            <a:r>
-              <a:rPr lang="zh-CN" altLang="en-US" dirty="0"/>
-              <a:t>：一个集合在一个映射（泛函谓词）下的像也是一个集合</a:t>
-            </a:r>
-            <a:endParaRPr lang="en-US" altLang="zh-CN" dirty="0"/>
-          </a:p>
-          <a:p>
-            <a:pPr lvl="1"/>
-            <a:r>
-              <a:rPr lang="zh-CN" altLang="en-US" b="1" dirty="0"/>
-              <a:t>幂集公理</a:t>
-            </a:r>
-            <a:r>
-              <a:rPr lang="zh-CN" altLang="en-US" dirty="0"/>
-              <a:t>：对于任意的集合</a:t>
-            </a:r>
-            <a:r>
-              <a:rPr lang="en-US" altLang="zh-CN" dirty="0"/>
-              <a:t>A</a:t>
-            </a:r>
-            <a:r>
-              <a:rPr lang="zh-CN" altLang="en-US" dirty="0"/>
-              <a:t>，存在一个集合</a:t>
-            </a:r>
-            <a:r>
-              <a:rPr lang="en-US" altLang="zh-CN" dirty="0"/>
-              <a:t>P(A)</a:t>
-            </a:r>
-            <a:r>
-              <a:rPr lang="zh-CN" altLang="en-US" dirty="0"/>
-              <a:t>使得对于任意集合</a:t>
-            </a:r>
-            <a:r>
-              <a:rPr lang="en-US" altLang="zh-CN" dirty="0"/>
-              <a:t>x</a:t>
-            </a:r>
-            <a:r>
-              <a:rPr lang="zh-CN" altLang="en-US" dirty="0"/>
-              <a:t>含于</a:t>
-            </a:r>
-            <a:r>
-              <a:rPr lang="en-US" altLang="zh-CN" dirty="0"/>
-              <a:t>A</a:t>
-            </a:r>
-            <a:r>
-              <a:rPr lang="zh-CN" altLang="en-US" dirty="0"/>
-              <a:t>，集合</a:t>
-            </a:r>
-            <a:r>
-              <a:rPr lang="en-US" altLang="zh-CN" dirty="0"/>
-              <a:t>x</a:t>
-            </a:r>
-            <a:r>
-              <a:rPr lang="zh-CN" altLang="en-US" dirty="0"/>
-              <a:t>含于</a:t>
-            </a:r>
-            <a:r>
-              <a:rPr lang="en-US" altLang="zh-CN" dirty="0"/>
-              <a:t>P(A)</a:t>
-            </a:r>
-            <a:r>
-              <a:rPr lang="zh-CN" altLang="en-US" dirty="0"/>
-              <a:t>。</a:t>
-            </a:r>
-            <a:endParaRPr lang="en-US" altLang="zh-CN" dirty="0"/>
-          </a:p>
-          <a:p>
-            <a:pPr lvl="1"/>
-            <a:r>
-              <a:rPr lang="zh-CN" altLang="en-US" b="1" dirty="0"/>
-              <a:t>良序公理</a:t>
-            </a:r>
-            <a:r>
-              <a:rPr lang="zh-CN" altLang="en-US" dirty="0"/>
-              <a:t>：所有集合均为良序。</a:t>
-            </a:r>
-            <a:endParaRPr lang="en-US" altLang="zh-CN" dirty="0"/>
-          </a:p>
-          <a:p>
-            <a:pPr lvl="1"/>
-            <a:r>
-              <a:rPr lang="zh-CN" altLang="en-US" b="1" dirty="0"/>
-              <a:t>配对公理</a:t>
-            </a:r>
-            <a:r>
-              <a:rPr lang="zh-CN" altLang="en-US" dirty="0"/>
-              <a:t>：若</a:t>
-            </a:r>
-            <a:r>
-              <a:rPr lang="en-US" altLang="zh-CN" dirty="0"/>
-              <a:t>A</a:t>
-            </a:r>
-            <a:r>
-              <a:rPr lang="zh-CN" altLang="en-US" dirty="0"/>
-              <a:t>和</a:t>
-            </a:r>
-            <a:r>
-              <a:rPr lang="en-US" altLang="zh-CN" dirty="0"/>
-              <a:t>B</a:t>
-            </a:r>
-            <a:r>
-              <a:rPr lang="zh-CN" altLang="en-US" dirty="0"/>
-              <a:t>均为集合，则存在一个集合包含</a:t>
-            </a:r>
-            <a:r>
-              <a:rPr lang="en-US" altLang="zh-CN" dirty="0"/>
-              <a:t>A</a:t>
-            </a:r>
-            <a:r>
-              <a:rPr lang="zh-CN" altLang="en-US" dirty="0"/>
-              <a:t>，</a:t>
-            </a:r>
-            <a:r>
-              <a:rPr lang="en-US" altLang="zh-CN" dirty="0"/>
-              <a:t>B</a:t>
-            </a:r>
-            <a:r>
-              <a:rPr lang="zh-CN" altLang="en-US" dirty="0"/>
-              <a:t>。</a:t>
-            </a:r>
-            <a:endParaRPr lang="en-US" altLang="zh-CN" dirty="0"/>
-          </a:p>
-          <a:p>
-            <a:pPr lvl="1"/>
-            <a:r>
-              <a:rPr lang="zh-CN" altLang="en-US" b="1" dirty="0"/>
-              <a:t>无穷公理</a:t>
-            </a:r>
-            <a:r>
-              <a:rPr lang="zh-CN" altLang="en-US" dirty="0"/>
-              <a:t>：存在一个集合</a:t>
-            </a:r>
-            <a:r>
-              <a:rPr lang="en-US" altLang="zh-CN" dirty="0"/>
-              <a:t>I</a:t>
-            </a:r>
-            <a:r>
-              <a:rPr lang="zh-CN" altLang="en-US" dirty="0"/>
-              <a:t>，空集存在于</a:t>
-            </a:r>
-            <a:r>
-              <a:rPr lang="en-US" altLang="zh-CN" dirty="0"/>
-              <a:t>I</a:t>
-            </a:r>
-            <a:r>
-              <a:rPr lang="zh-CN" altLang="en-US" dirty="0"/>
-              <a:t>中，使得</a:t>
-            </a:r>
-            <a:r>
-              <a:rPr lang="en-US" altLang="zh-CN" dirty="0"/>
-              <a:t>I</a:t>
-            </a:r>
-            <a:r>
-              <a:rPr lang="zh-CN" altLang="en-US" dirty="0"/>
-              <a:t>的元素</a:t>
-            </a:r>
-            <a:r>
-              <a:rPr lang="en-US" altLang="zh-CN" dirty="0"/>
-              <a:t>x</a:t>
-            </a:r>
-            <a:r>
-              <a:rPr lang="zh-CN" altLang="en-US" dirty="0"/>
-              <a:t>与其独元集</a:t>
-            </a:r>
-            <a:r>
-              <a:rPr lang="en-US" altLang="zh-CN" dirty="0"/>
-              <a:t>{x}(singleton)</a:t>
-            </a:r>
-            <a:r>
-              <a:rPr lang="zh-CN" altLang="en-US" dirty="0"/>
-              <a:t>的并仍然是</a:t>
-            </a:r>
-            <a:r>
-              <a:rPr lang="en-US" altLang="zh-CN" dirty="0"/>
-              <a:t>I</a:t>
-            </a:r>
-            <a:r>
-              <a:rPr lang="zh-CN" altLang="en-US" dirty="0"/>
-              <a:t>的元素，</a:t>
-            </a:r>
-            <a:r>
-              <a:rPr lang="en-US" altLang="zh-CN" dirty="0"/>
-              <a:t>{x,{x}}</a:t>
-            </a:r>
-            <a:r>
-              <a:rPr lang="zh-CN" altLang="en-US" dirty="0"/>
-              <a:t>这个集合被称为归纳集。</a:t>
-            </a:r>
-          </a:p>
-          <a:p>
-            <a:pPr lvl="1"/>
-            <a:endParaRPr lang="en-US" altLang="zh-CN" dirty="0"/>
-          </a:p>
-        </p:txBody>
-      </p:sp>
-    </p:spTree>
-    <p:extLst>
-      <p:ext uri="{BB962C8B-B14F-4D97-AF65-F5344CB8AC3E}">
-        <p14:creationId xmlns:p14="http://schemas.microsoft.com/office/powerpoint/2010/main" val="3322004891"/>
       </p:ext>
     </p:extLst>
   </p:cSld>

--- a/语音处理/TTS入门2.pptx
+++ b/语音处理/TTS入门2.pptx
@@ -11,14 +11,16 @@
     <p:sldId id="259" r:id="rId5"/>
     <p:sldId id="260" r:id="rId6"/>
     <p:sldId id="267" r:id="rId7"/>
-    <p:sldId id="268" r:id="rId8"/>
-    <p:sldId id="269" r:id="rId9"/>
-    <p:sldId id="262" r:id="rId10"/>
-    <p:sldId id="265" r:id="rId11"/>
-    <p:sldId id="266" r:id="rId12"/>
-    <p:sldId id="263" r:id="rId13"/>
-    <p:sldId id="264" r:id="rId14"/>
-    <p:sldId id="261" r:id="rId15"/>
+    <p:sldId id="270" r:id="rId8"/>
+    <p:sldId id="271" r:id="rId9"/>
+    <p:sldId id="268" r:id="rId10"/>
+    <p:sldId id="269" r:id="rId11"/>
+    <p:sldId id="262" r:id="rId12"/>
+    <p:sldId id="265" r:id="rId13"/>
+    <p:sldId id="266" r:id="rId14"/>
+    <p:sldId id="263" r:id="rId15"/>
+    <p:sldId id="264" r:id="rId16"/>
+    <p:sldId id="261" r:id="rId17"/>
   </p:sldIdLst>
   <p:sldSz cx="12192000" cy="6858000"/>
   <p:notesSz cx="6858000" cy="9144000"/>
@@ -288,7 +290,7 @@
           <a:p>
             <a:fld id="{7D992E2B-DF6A-4357-9038-70C7EFA6D81D}" type="datetimeFigureOut">
               <a:rPr lang="zh-CN" altLang="en-US" smtClean="0"/>
-              <a:t>2023/11/22</a:t>
+              <a:t>2023/11/23</a:t>
             </a:fld>
             <a:endParaRPr lang="zh-CN" altLang="en-US"/>
           </a:p>
@@ -458,7 +460,7 @@
           <a:p>
             <a:fld id="{7D992E2B-DF6A-4357-9038-70C7EFA6D81D}" type="datetimeFigureOut">
               <a:rPr lang="zh-CN" altLang="en-US" smtClean="0"/>
-              <a:t>2023/11/22</a:t>
+              <a:t>2023/11/23</a:t>
             </a:fld>
             <a:endParaRPr lang="zh-CN" altLang="en-US"/>
           </a:p>
@@ -638,7 +640,7 @@
           <a:p>
             <a:fld id="{7D992E2B-DF6A-4357-9038-70C7EFA6D81D}" type="datetimeFigureOut">
               <a:rPr lang="zh-CN" altLang="en-US" smtClean="0"/>
-              <a:t>2023/11/22</a:t>
+              <a:t>2023/11/23</a:t>
             </a:fld>
             <a:endParaRPr lang="zh-CN" altLang="en-US"/>
           </a:p>
@@ -808,7 +810,7 @@
           <a:p>
             <a:fld id="{7D992E2B-DF6A-4357-9038-70C7EFA6D81D}" type="datetimeFigureOut">
               <a:rPr lang="zh-CN" altLang="en-US" smtClean="0"/>
-              <a:t>2023/11/22</a:t>
+              <a:t>2023/11/23</a:t>
             </a:fld>
             <a:endParaRPr lang="zh-CN" altLang="en-US"/>
           </a:p>
@@ -1076,7 +1078,7 @@
           <a:p>
             <a:fld id="{7D992E2B-DF6A-4357-9038-70C7EFA6D81D}" type="datetimeFigureOut">
               <a:rPr lang="zh-CN" altLang="en-US" smtClean="0"/>
-              <a:t>2023/11/22</a:t>
+              <a:t>2023/11/23</a:t>
             </a:fld>
             <a:endParaRPr lang="zh-CN" altLang="en-US"/>
           </a:p>
@@ -1308,7 +1310,7 @@
           <a:p>
             <a:fld id="{7D992E2B-DF6A-4357-9038-70C7EFA6D81D}" type="datetimeFigureOut">
               <a:rPr lang="zh-CN" altLang="en-US" smtClean="0"/>
-              <a:t>2023/11/22</a:t>
+              <a:t>2023/11/23</a:t>
             </a:fld>
             <a:endParaRPr lang="zh-CN" altLang="en-US"/>
           </a:p>
@@ -1667,7 +1669,7 @@
           <a:p>
             <a:fld id="{7D992E2B-DF6A-4357-9038-70C7EFA6D81D}" type="datetimeFigureOut">
               <a:rPr lang="zh-CN" altLang="en-US" smtClean="0"/>
-              <a:t>2023/11/22</a:t>
+              <a:t>2023/11/23</a:t>
             </a:fld>
             <a:endParaRPr lang="zh-CN" altLang="en-US"/>
           </a:p>
@@ -1808,7 +1810,7 @@
           <a:p>
             <a:fld id="{7D992E2B-DF6A-4357-9038-70C7EFA6D81D}" type="datetimeFigureOut">
               <a:rPr lang="zh-CN" altLang="en-US" smtClean="0"/>
-              <a:t>2023/11/22</a:t>
+              <a:t>2023/11/23</a:t>
             </a:fld>
             <a:endParaRPr lang="zh-CN" altLang="en-US"/>
           </a:p>
@@ -1903,7 +1905,7 @@
           <a:p>
             <a:fld id="{7D992E2B-DF6A-4357-9038-70C7EFA6D81D}" type="datetimeFigureOut">
               <a:rPr lang="zh-CN" altLang="en-US" smtClean="0"/>
-              <a:t>2023/11/22</a:t>
+              <a:t>2023/11/23</a:t>
             </a:fld>
             <a:endParaRPr lang="zh-CN" altLang="en-US"/>
           </a:p>
@@ -2260,7 +2262,7 @@
           <a:p>
             <a:fld id="{7D992E2B-DF6A-4357-9038-70C7EFA6D81D}" type="datetimeFigureOut">
               <a:rPr lang="zh-CN" altLang="en-US" smtClean="0"/>
-              <a:t>2023/11/22</a:t>
+              <a:t>2023/11/23</a:t>
             </a:fld>
             <a:endParaRPr lang="zh-CN" altLang="en-US"/>
           </a:p>
@@ -2617,7 +2619,7 @@
           <a:p>
             <a:fld id="{7D992E2B-DF6A-4357-9038-70C7EFA6D81D}" type="datetimeFigureOut">
               <a:rPr lang="zh-CN" altLang="en-US" smtClean="0"/>
-              <a:t>2023/11/22</a:t>
+              <a:t>2023/11/23</a:t>
             </a:fld>
             <a:endParaRPr lang="zh-CN" altLang="en-US"/>
           </a:p>
@@ -2859,7 +2861,7 @@
           <a:p>
             <a:fld id="{7D992E2B-DF6A-4357-9038-70C7EFA6D81D}" type="datetimeFigureOut">
               <a:rPr lang="zh-CN" altLang="en-US" smtClean="0"/>
-              <a:t>2023/11/22</a:t>
+              <a:t>2023/11/23</a:t>
             </a:fld>
             <a:endParaRPr lang="zh-CN" altLang="en-US"/>
           </a:p>
@@ -3551,6 +3553,643 @@
           <p:cNvPr id="2" name="标题 1">
             <a:extLst>
               <a:ext uri="{FF2B5EF4-FFF2-40B4-BE49-F238E27FC236}">
+                <a16:creationId xmlns:a16="http://schemas.microsoft.com/office/drawing/2014/main" id="{F6F00ED9-4202-4B3C-B202-915B1C479254}"/>
+              </a:ext>
+            </a:extLst>
+          </p:cNvPr>
+          <p:cNvSpPr>
+            <a:spLocks noGrp="1"/>
+          </p:cNvSpPr>
+          <p:nvPr>
+            <p:ph type="title"/>
+          </p:nvPr>
+        </p:nvSpPr>
+        <p:spPr>
+          <a:xfrm>
+            <a:off x="404261" y="295736"/>
+            <a:ext cx="11251933" cy="474285"/>
+          </a:xfrm>
+        </p:spPr>
+        <p:txBody>
+          <a:bodyPr>
+            <a:normAutofit fontScale="90000"/>
+          </a:bodyPr>
+          <a:lstStyle/>
+          <a:p>
+            <a:r>
+              <a:rPr lang="zh-CN" altLang="en-US" dirty="0"/>
+              <a:t>定义（哲学）</a:t>
+            </a:r>
+          </a:p>
+        </p:txBody>
+      </p:sp>
+      <p:sp>
+        <p:nvSpPr>
+          <p:cNvPr id="3" name="内容占位符 2">
+            <a:extLst>
+              <a:ext uri="{FF2B5EF4-FFF2-40B4-BE49-F238E27FC236}">
+                <a16:creationId xmlns:a16="http://schemas.microsoft.com/office/drawing/2014/main" id="{BABCF17C-4B79-496E-B424-C929BA960345}"/>
+              </a:ext>
+            </a:extLst>
+          </p:cNvPr>
+          <p:cNvSpPr>
+            <a:spLocks noGrp="1"/>
+          </p:cNvSpPr>
+          <p:nvPr>
+            <p:ph idx="1"/>
+          </p:nvPr>
+        </p:nvSpPr>
+        <p:spPr>
+          <a:xfrm>
+            <a:off x="404261" y="1039528"/>
+            <a:ext cx="11251933" cy="5553777"/>
+          </a:xfrm>
+        </p:spPr>
+        <p:txBody>
+          <a:bodyPr>
+            <a:normAutofit/>
+          </a:bodyPr>
+          <a:lstStyle/>
+          <a:p>
+            <a:r>
+              <a:rPr lang="zh-CN" altLang="en-US" dirty="0"/>
+              <a:t>定义的类型：</a:t>
+            </a:r>
+            <a:endParaRPr lang="en-US" altLang="zh-CN" dirty="0"/>
+          </a:p>
+          <a:p>
+            <a:pPr lvl="1"/>
+            <a:r>
+              <a:rPr lang="en-US" altLang="zh-CN" dirty="0"/>
+              <a:t>1. </a:t>
+            </a:r>
+            <a:r>
+              <a:rPr lang="zh-CN" altLang="en-US" dirty="0"/>
+              <a:t>外延定义：某物属于特定集合的充要条件。</a:t>
+            </a:r>
+            <a:endParaRPr lang="en-US" altLang="zh-CN" dirty="0"/>
+          </a:p>
+          <a:p>
+            <a:pPr lvl="2"/>
+            <a:r>
+              <a:rPr lang="zh-CN" altLang="en-US" dirty="0"/>
+              <a:t>内涵定义：属于某个特定集合的对象的列表。</a:t>
+            </a:r>
+            <a:endParaRPr lang="en-US" altLang="zh-CN" dirty="0"/>
+          </a:p>
+          <a:p>
+            <a:pPr lvl="1"/>
+            <a:r>
+              <a:rPr lang="en-US" altLang="zh-CN" dirty="0"/>
+              <a:t>2. </a:t>
+            </a:r>
+            <a:r>
+              <a:rPr lang="zh-CN" altLang="en-US" dirty="0"/>
+              <a:t>实指定义：词指代的人事物的定义</a:t>
+            </a:r>
+            <a:endParaRPr lang="en-US" altLang="zh-CN" dirty="0"/>
+          </a:p>
+          <a:p>
+            <a:pPr lvl="2"/>
+            <a:r>
+              <a:rPr lang="en-US" altLang="zh-CN" dirty="0"/>
+              <a:t>Nominal definition</a:t>
+            </a:r>
+            <a:r>
+              <a:rPr lang="zh-CN" altLang="en-US" dirty="0"/>
+              <a:t>：词的定义</a:t>
+            </a:r>
+            <a:endParaRPr lang="en-US" altLang="zh-CN" dirty="0"/>
+          </a:p>
+          <a:p>
+            <a:pPr lvl="1"/>
+            <a:r>
+              <a:rPr lang="en-US" altLang="zh-CN" dirty="0"/>
+              <a:t>3. </a:t>
+            </a:r>
+            <a:r>
+              <a:rPr lang="zh-CN" altLang="en-US" dirty="0"/>
+              <a:t>递归</a:t>
+            </a:r>
+            <a:r>
+              <a:rPr lang="en-US" altLang="zh-CN" dirty="0"/>
+              <a:t>/</a:t>
+            </a:r>
+            <a:r>
+              <a:rPr lang="zh-CN" altLang="en-US" dirty="0"/>
+              <a:t>归纳定义：用集合中的某些元素定义除了这些元素之外的元素。</a:t>
+            </a:r>
+            <a:endParaRPr lang="en-US" altLang="zh-CN" dirty="0"/>
+          </a:p>
+          <a:p>
+            <a:pPr lvl="2"/>
+            <a:r>
+              <a:rPr lang="zh-CN" altLang="en-US" dirty="0"/>
+              <a:t>操作定义：用以表征概念（</a:t>
+            </a:r>
+            <a:r>
+              <a:rPr lang="en-US" altLang="zh-CN" dirty="0"/>
+              <a:t>construct</a:t>
+            </a:r>
+            <a:r>
+              <a:rPr lang="zh-CN" altLang="en-US" dirty="0"/>
+              <a:t>）的某种确切的可重复的程序。</a:t>
+            </a:r>
+            <a:endParaRPr lang="en-US" altLang="zh-CN" dirty="0"/>
+          </a:p>
+          <a:p>
+            <a:pPr lvl="2"/>
+            <a:r>
+              <a:rPr lang="zh-CN" altLang="en-US" dirty="0"/>
+              <a:t>理论定义</a:t>
+            </a:r>
+            <a:r>
+              <a:rPr lang="zh-CN" altLang="en-US" dirty="0">
+                <a:sym typeface="Wingdings" panose="05000000000000000000" pitchFamily="2" charset="2"/>
+              </a:rPr>
+              <a:t>：科学假设。</a:t>
+            </a:r>
+            <a:endParaRPr lang="en-US" altLang="zh-CN" dirty="0"/>
+          </a:p>
+          <a:p>
+            <a:pPr lvl="1"/>
+            <a:r>
+              <a:rPr lang="en-US" altLang="zh-CN" dirty="0"/>
+              <a:t>4. </a:t>
+            </a:r>
+            <a:r>
+              <a:rPr lang="zh-CN" altLang="en-US" dirty="0"/>
+              <a:t>规定定义（</a:t>
+            </a:r>
+            <a:r>
+              <a:rPr lang="en-US" altLang="zh-CN" dirty="0"/>
+              <a:t>stipulative definition</a:t>
+            </a:r>
+            <a:r>
+              <a:rPr lang="zh-CN" altLang="en-US" dirty="0"/>
+              <a:t>）：给已有定义的术语赋的新值。</a:t>
+            </a:r>
+            <a:endParaRPr lang="en-US" altLang="zh-CN" dirty="0"/>
+          </a:p>
+          <a:p>
+            <a:pPr lvl="2"/>
+            <a:r>
+              <a:rPr lang="zh-CN" altLang="en-US" dirty="0"/>
+              <a:t>描写定义：给术语赋值使之适配已有的用法。</a:t>
+            </a:r>
+            <a:endParaRPr lang="en-US" altLang="zh-CN" dirty="0"/>
+          </a:p>
+          <a:p>
+            <a:pPr lvl="2"/>
+            <a:r>
+              <a:rPr lang="zh-CN" altLang="en-US" dirty="0"/>
+              <a:t>解读定义（</a:t>
+            </a:r>
+            <a:r>
+              <a:rPr lang="en-US" altLang="zh-CN" dirty="0"/>
+              <a:t>explicative definition</a:t>
+            </a:r>
+            <a:r>
+              <a:rPr lang="zh-CN" altLang="en-US" dirty="0"/>
+              <a:t>）：某个术语的核心用法。</a:t>
+            </a:r>
+            <a:endParaRPr lang="en-US" altLang="zh-CN" dirty="0"/>
+          </a:p>
+          <a:p>
+            <a:pPr lvl="2"/>
+            <a:r>
+              <a:rPr lang="zh-CN" altLang="en-US" dirty="0"/>
+              <a:t>例证定义（</a:t>
+            </a:r>
+            <a:r>
+              <a:rPr lang="en-US" altLang="zh-CN" b="0" i="0" dirty="0">
+                <a:solidFill>
+                  <a:srgbClr val="000000"/>
+                </a:solidFill>
+                <a:effectLst/>
+                <a:latin typeface="Linux Libertine"/>
+              </a:rPr>
+              <a:t>Ostensive definition</a:t>
+            </a:r>
+            <a:r>
+              <a:rPr lang="zh-CN" altLang="en-US" dirty="0"/>
+              <a:t>）：通过举例揭示意义。</a:t>
+            </a:r>
+            <a:endParaRPr lang="en-US" altLang="zh-CN" dirty="0"/>
+          </a:p>
+          <a:p>
+            <a:pPr lvl="1"/>
+            <a:r>
+              <a:rPr lang="en-US" altLang="zh-CN" dirty="0"/>
+              <a:t>5. </a:t>
+            </a:r>
+            <a:r>
+              <a:rPr lang="zh-CN" altLang="en-US" dirty="0"/>
+              <a:t>循环定义：与循环论证有关。</a:t>
+            </a:r>
+            <a:endParaRPr lang="en-US" altLang="zh-CN" dirty="0"/>
+          </a:p>
+        </p:txBody>
+      </p:sp>
+    </p:spTree>
+    <p:extLst>
+      <p:ext uri="{BB962C8B-B14F-4D97-AF65-F5344CB8AC3E}">
+        <p14:creationId xmlns:p14="http://schemas.microsoft.com/office/powerpoint/2010/main" val="1581984823"/>
+      </p:ext>
+    </p:extLst>
+  </p:cSld>
+  <p:clrMapOvr>
+    <a:masterClrMapping/>
+  </p:clrMapOvr>
+</p:sld>
+</file>
+
+<file path=ppt/slides/slide11.xml><?xml version="1.0" encoding="utf-8"?>
+<p:sld xmlns:a="http://schemas.openxmlformats.org/drawingml/2006/main" xmlns:r="http://schemas.openxmlformats.org/officeDocument/2006/relationships" xmlns:p="http://schemas.openxmlformats.org/presentationml/2006/main">
+  <p:cSld>
+    <p:spTree>
+      <p:nvGrpSpPr>
+        <p:cNvPr id="1" name=""/>
+        <p:cNvGrpSpPr/>
+        <p:nvPr/>
+      </p:nvGrpSpPr>
+      <p:grpSpPr>
+        <a:xfrm>
+          <a:off x="0" y="0"/>
+          <a:ext cx="0" cy="0"/>
+          <a:chOff x="0" y="0"/>
+          <a:chExt cx="0" cy="0"/>
+        </a:xfrm>
+      </p:grpSpPr>
+      <p:sp>
+        <p:nvSpPr>
+          <p:cNvPr id="2" name="标题 1">
+            <a:extLst>
+              <a:ext uri="{FF2B5EF4-FFF2-40B4-BE49-F238E27FC236}">
+                <a16:creationId xmlns:a16="http://schemas.microsoft.com/office/drawing/2014/main" id="{7F4D7448-137C-4C90-AE09-322931156528}"/>
+              </a:ext>
+            </a:extLst>
+          </p:cNvPr>
+          <p:cNvSpPr>
+            <a:spLocks noGrp="1"/>
+          </p:cNvSpPr>
+          <p:nvPr>
+            <p:ph type="title"/>
+          </p:nvPr>
+        </p:nvSpPr>
+        <p:spPr>
+          <a:xfrm>
+            <a:off x="2231136" y="348242"/>
+            <a:ext cx="7729728" cy="1188720"/>
+          </a:xfrm>
+        </p:spPr>
+        <p:txBody>
+          <a:bodyPr/>
+          <a:lstStyle/>
+          <a:p>
+            <a:r>
+              <a:rPr lang="zh-CN" altLang="en-US" dirty="0"/>
+              <a:t>连续统假设</a:t>
+            </a:r>
+          </a:p>
+        </p:txBody>
+      </p:sp>
+      <mc:AlternateContent xmlns:mc="http://schemas.openxmlformats.org/markup-compatibility/2006">
+        <mc:Choice xmlns:a14="http://schemas.microsoft.com/office/drawing/2010/main" Requires="a14">
+          <p:sp>
+            <p:nvSpPr>
+              <p:cNvPr id="3" name="内容占位符 2">
+                <a:extLst>
+                  <a:ext uri="{FF2B5EF4-FFF2-40B4-BE49-F238E27FC236}">
+                    <a16:creationId xmlns:a16="http://schemas.microsoft.com/office/drawing/2014/main" id="{627BEB56-02F9-40FF-942F-9AFA22622D53}"/>
+                  </a:ext>
+                </a:extLst>
+              </p:cNvPr>
+              <p:cNvSpPr>
+                <a:spLocks noGrp="1"/>
+              </p:cNvSpPr>
+              <p:nvPr>
+                <p:ph idx="1"/>
+              </p:nvPr>
+            </p:nvSpPr>
+            <p:spPr>
+              <a:xfrm>
+                <a:off x="576997" y="1744193"/>
+                <a:ext cx="10981430" cy="4765565"/>
+              </a:xfrm>
+            </p:spPr>
+            <p:txBody>
+              <a:bodyPr/>
+              <a:lstStyle/>
+              <a:p>
+                <a:r>
+                  <a:rPr lang="zh-CN" altLang="en-US" dirty="0">
+                    <a:solidFill>
+                      <a:schemeClr val="accent2">
+                        <a:lumMod val="50000"/>
+                      </a:schemeClr>
+                    </a:solidFill>
+                  </a:rPr>
+                  <a:t>连续统假设</a:t>
+                </a:r>
+                <a:r>
+                  <a:rPr lang="zh-CN" altLang="en-US" dirty="0"/>
+                  <a:t>：不存在基数在自然数集的基数</a:t>
+                </a:r>
+                <a:r>
+                  <a:rPr lang="en-US" altLang="zh-CN" dirty="0"/>
+                  <a:t>(</a:t>
+                </a:r>
+                <a14:m>
+                  <m:oMath xmlns:m="http://schemas.openxmlformats.org/officeDocument/2006/math">
+                    <m:sSub>
+                      <m:sSubPr>
+                        <m:ctrlPr>
+                          <a:rPr lang="en-US" altLang="zh-CN" i="1" smtClean="0">
+                            <a:latin typeface="Cambria Math" panose="02040503050406030204" pitchFamily="18" charset="0"/>
+                          </a:rPr>
+                        </m:ctrlPr>
+                      </m:sSubPr>
+                      <m:e>
+                        <m:r>
+                          <a:rPr lang="en-US" altLang="zh-CN" i="1" smtClean="0">
+                            <a:latin typeface="Cambria Math" panose="02040503050406030204" pitchFamily="18" charset="0"/>
+                            <a:ea typeface="Cambria Math" panose="02040503050406030204" pitchFamily="18" charset="0"/>
+                          </a:rPr>
+                          <m:t>ℵ</m:t>
+                        </m:r>
+                      </m:e>
+                      <m:sub>
+                        <m:r>
+                          <a:rPr lang="en-US" altLang="zh-CN" b="0" i="1" smtClean="0">
+                            <a:latin typeface="Cambria Math" panose="02040503050406030204" pitchFamily="18" charset="0"/>
+                          </a:rPr>
+                          <m:t>0</m:t>
+                        </m:r>
+                      </m:sub>
+                    </m:sSub>
+                  </m:oMath>
+                </a14:m>
+                <a:r>
+                  <a:rPr lang="en-US" altLang="zh-CN" dirty="0"/>
+                  <a:t>)</a:t>
+                </a:r>
+                <a:r>
+                  <a:rPr lang="zh-CN" altLang="en-US" dirty="0"/>
+                  <a:t>和实数集（连续统）的基数之间的无限集</a:t>
+                </a:r>
+                <a:r>
+                  <a:rPr lang="en-US" altLang="zh-CN" dirty="0"/>
+                  <a:t>.</a:t>
+                </a:r>
+              </a:p>
+              <a:p>
+                <a:pPr lvl="1"/>
+                <a:r>
+                  <a:rPr lang="zh-CN" altLang="en-US" sz="1800" dirty="0">
+                    <a:solidFill>
+                      <a:schemeClr val="accent2">
+                        <a:lumMod val="75000"/>
+                      </a:schemeClr>
+                    </a:solidFill>
+                  </a:rPr>
+                  <a:t>相关概念</a:t>
+                </a:r>
+                <a:r>
+                  <a:rPr lang="zh-CN" altLang="en-US" sz="1800" dirty="0"/>
+                  <a:t>：</a:t>
+                </a:r>
+                <a14:m>
+                  <m:oMath xmlns:m="http://schemas.openxmlformats.org/officeDocument/2006/math">
+                    <m:sSup>
+                      <m:sSupPr>
+                        <m:ctrlPr>
+                          <a:rPr lang="en-US" altLang="zh-CN" sz="1800" i="1" smtClean="0">
+                            <a:latin typeface="Cambria Math" panose="02040503050406030204" pitchFamily="18" charset="0"/>
+                          </a:rPr>
+                        </m:ctrlPr>
+                      </m:sSupPr>
+                      <m:e>
+                        <m:r>
+                          <a:rPr lang="zh-CN" altLang="en-US" sz="1800" i="1">
+                            <a:latin typeface="Cambria Math" panose="02040503050406030204" pitchFamily="18" charset="0"/>
+                          </a:rPr>
+                          <m:t>实数集</m:t>
+                        </m:r>
+                        <m:r>
+                          <a:rPr lang="zh-CN" altLang="en-US" sz="1800" i="1" smtClean="0">
+                            <a:latin typeface="Cambria Math" panose="02040503050406030204" pitchFamily="18" charset="0"/>
+                          </a:rPr>
+                          <m:t>的</m:t>
+                        </m:r>
+                        <m:r>
+                          <a:rPr lang="zh-CN" altLang="en-US" sz="1800" i="1">
+                            <a:latin typeface="Cambria Math" panose="02040503050406030204" pitchFamily="18" charset="0"/>
+                          </a:rPr>
+                          <m:t>基数</m:t>
+                        </m:r>
+                        <m:r>
+                          <a:rPr lang="zh-CN" altLang="en-US" sz="1800" i="1" smtClean="0">
+                            <a:latin typeface="Cambria Math" panose="02040503050406030204" pitchFamily="18" charset="0"/>
+                          </a:rPr>
+                          <m:t>：</m:t>
+                        </m:r>
+                        <m:r>
+                          <a:rPr lang="en-US" altLang="zh-CN" sz="1800" b="0" i="1" smtClean="0">
+                            <a:latin typeface="Cambria Math" panose="02040503050406030204" pitchFamily="18" charset="0"/>
+                          </a:rPr>
+                          <m:t>2</m:t>
+                        </m:r>
+                      </m:e>
+                      <m:sup>
+                        <m:sSub>
+                          <m:sSubPr>
+                            <m:ctrlPr>
+                              <a:rPr lang="en-US" altLang="zh-CN" sz="1800" i="1" smtClean="0">
+                                <a:latin typeface="Cambria Math" panose="02040503050406030204" pitchFamily="18" charset="0"/>
+                              </a:rPr>
+                            </m:ctrlPr>
+                          </m:sSubPr>
+                          <m:e>
+                            <m:r>
+                              <a:rPr lang="en-US" altLang="zh-CN" sz="1800" i="1" smtClean="0">
+                                <a:latin typeface="Cambria Math" panose="02040503050406030204" pitchFamily="18" charset="0"/>
+                                <a:ea typeface="Cambria Math" panose="02040503050406030204" pitchFamily="18" charset="0"/>
+                              </a:rPr>
+                              <m:t>ℵ</m:t>
+                            </m:r>
+                          </m:e>
+                          <m:sub>
+                            <m:r>
+                              <a:rPr lang="en-US" altLang="zh-CN" sz="1800" b="0" i="1" smtClean="0">
+                                <a:latin typeface="Cambria Math" panose="02040503050406030204" pitchFamily="18" charset="0"/>
+                              </a:rPr>
+                              <m:t>0</m:t>
+                            </m:r>
+                          </m:sub>
+                        </m:sSub>
+                      </m:sup>
+                    </m:sSup>
+                    <m:r>
+                      <a:rPr lang="zh-CN" altLang="en-US" sz="1800" i="1">
+                        <a:latin typeface="Cambria Math" panose="02040503050406030204" pitchFamily="18" charset="0"/>
+                      </a:rPr>
+                      <m:t>（</m:t>
+                    </m:r>
+                  </m:oMath>
+                </a14:m>
+                <a:r>
+                  <a:rPr lang="zh-CN" altLang="en-US" sz="1800" dirty="0"/>
+                  <a:t>每个元素都有两种可能性：存在于某个子集中和不存在于某个子集中）；</a:t>
+                </a:r>
+                <a:endParaRPr lang="en-US" altLang="zh-CN" sz="1800" dirty="0"/>
+              </a:p>
+              <a:p>
+                <a:pPr lvl="2"/>
+                <a:r>
+                  <a:rPr lang="zh-CN" altLang="en-US" sz="1800" dirty="0"/>
+                  <a:t>任何集合的基数都严格小于其幂集的基数，因此自然数的幂集不可数</a:t>
+                </a:r>
+                <a:endParaRPr lang="en-US" altLang="zh-CN" sz="1800" dirty="0"/>
+              </a:p>
+              <a:p>
+                <a:pPr lvl="2"/>
+                <a:r>
+                  <a:rPr lang="zh-CN" altLang="en-US" sz="1800" dirty="0"/>
+                  <a:t>连续统假设由康托尔（</a:t>
+                </a:r>
+                <a:r>
+                  <a:rPr lang="en-US" altLang="zh-CN" sz="1800" dirty="0"/>
+                  <a:t>1787</a:t>
+                </a:r>
+                <a:r>
+                  <a:rPr lang="zh-CN" altLang="en-US" sz="1800" dirty="0"/>
+                  <a:t>）提出，后又被希尔伯特于</a:t>
+                </a:r>
+                <a:r>
+                  <a:rPr lang="en-US" altLang="zh-CN" sz="1800" dirty="0"/>
+                  <a:t>1900</a:t>
+                </a:r>
+                <a:r>
+                  <a:rPr lang="zh-CN" altLang="en-US" sz="1800" dirty="0"/>
+                  <a:t>年放入其</a:t>
+                </a:r>
+                <a:r>
+                  <a:rPr lang="en-US" altLang="zh-CN" sz="1800" dirty="0"/>
+                  <a:t>23</a:t>
+                </a:r>
+                <a:r>
+                  <a:rPr lang="zh-CN" altLang="en-US" sz="1800" dirty="0"/>
+                  <a:t>个问题中，设被哥德尔（</a:t>
+                </a:r>
+                <a:r>
+                  <a:rPr lang="en-US" altLang="zh-CN" sz="1800" dirty="0"/>
+                  <a:t>1940</a:t>
+                </a:r>
+                <a:r>
+                  <a:rPr lang="zh-CN" altLang="en-US" sz="1800" dirty="0"/>
+                  <a:t>）和科恩（</a:t>
+                </a:r>
+                <a:r>
+                  <a:rPr lang="en-US" altLang="zh-CN" sz="1800" dirty="0"/>
+                  <a:t>1963</a:t>
+                </a:r>
+                <a:r>
+                  <a:rPr lang="zh-CN" altLang="en-US" sz="1800" dirty="0"/>
+                  <a:t>）证伪：该假设的解与</a:t>
+                </a:r>
+                <a:r>
+                  <a:rPr lang="en-US" altLang="zh-CN" sz="1800" dirty="0"/>
+                  <a:t>ZFC</a:t>
+                </a:r>
+                <a:r>
+                  <a:rPr lang="zh-CN" altLang="en-US" sz="1800" dirty="0"/>
+                  <a:t>无关。</a:t>
+                </a:r>
+                <a:endParaRPr lang="en-US" altLang="zh-CN" sz="1800" dirty="0"/>
+              </a:p>
+            </p:txBody>
+          </p:sp>
+        </mc:Choice>
+        <mc:Fallback>
+          <p:sp>
+            <p:nvSpPr>
+              <p:cNvPr id="3" name="内容占位符 2">
+                <a:extLst>
+                  <a:ext uri="{FF2B5EF4-FFF2-40B4-BE49-F238E27FC236}">
+                    <a16:creationId xmlns:a16="http://schemas.microsoft.com/office/drawing/2014/main" id="{627BEB56-02F9-40FF-942F-9AFA22622D53}"/>
+                  </a:ext>
+                </a:extLst>
+              </p:cNvPr>
+              <p:cNvSpPr>
+                <a:spLocks noGrp="1" noRot="1" noChangeAspect="1" noMove="1" noResize="1" noEditPoints="1" noAdjustHandles="1" noChangeArrowheads="1" noChangeShapeType="1" noTextEdit="1"/>
+              </p:cNvSpPr>
+              <p:nvPr>
+                <p:ph idx="1"/>
+              </p:nvPr>
+            </p:nvSpPr>
+            <p:spPr>
+              <a:xfrm>
+                <a:off x="576997" y="1744193"/>
+                <a:ext cx="10981430" cy="4765565"/>
+              </a:xfrm>
+              <a:blipFill>
+                <a:blip r:embed="rId2"/>
+                <a:stretch>
+                  <a:fillRect l="-389" t="-639" r="-2054"/>
+                </a:stretch>
+              </a:blipFill>
+            </p:spPr>
+            <p:txBody>
+              <a:bodyPr/>
+              <a:lstStyle/>
+              <a:p>
+                <a:r>
+                  <a:rPr lang="zh-CN" altLang="en-US">
+                    <a:noFill/>
+                  </a:rPr>
+                  <a:t> </a:t>
+                </a:r>
+              </a:p>
+            </p:txBody>
+          </p:sp>
+        </mc:Fallback>
+      </mc:AlternateContent>
+    </p:spTree>
+    <p:extLst>
+      <p:ext uri="{BB962C8B-B14F-4D97-AF65-F5344CB8AC3E}">
+        <p14:creationId xmlns:p14="http://schemas.microsoft.com/office/powerpoint/2010/main" val="293865575"/>
+      </p:ext>
+    </p:extLst>
+  </p:cSld>
+  <p:clrMapOvr>
+    <a:masterClrMapping/>
+  </p:clrMapOvr>
+</p:sld>
+</file>
+
+<file path=ppt/slides/slide12.xml><?xml version="1.0" encoding="utf-8"?>
+<p:sld xmlns:a="http://schemas.openxmlformats.org/drawingml/2006/main" xmlns:r="http://schemas.openxmlformats.org/officeDocument/2006/relationships" xmlns:p="http://schemas.openxmlformats.org/presentationml/2006/main">
+  <p:cSld>
+    <p:spTree>
+      <p:nvGrpSpPr>
+        <p:cNvPr id="1" name=""/>
+        <p:cNvGrpSpPr/>
+        <p:nvPr/>
+      </p:nvGrpSpPr>
+      <p:grpSpPr>
+        <a:xfrm>
+          <a:off x="0" y="0"/>
+          <a:ext cx="0" cy="0"/>
+          <a:chOff x="0" y="0"/>
+          <a:chExt cx="0" cy="0"/>
+        </a:xfrm>
+      </p:grpSpPr>
+      <p:sp>
+        <p:nvSpPr>
+          <p:cNvPr id="2" name="标题 1">
+            <a:extLst>
+              <a:ext uri="{FF2B5EF4-FFF2-40B4-BE49-F238E27FC236}">
                 <a16:creationId xmlns:a16="http://schemas.microsoft.com/office/drawing/2014/main" id="{C78EC630-E97D-4FF4-902F-3CCE3E59F89D}"/>
               </a:ext>
             </a:extLst>
@@ -3564,7 +4203,7 @@
         </p:nvSpPr>
         <p:spPr>
           <a:xfrm>
-            <a:off x="2231136" y="185046"/>
+            <a:off x="2231136" y="79168"/>
             <a:ext cx="7729728" cy="479097"/>
           </a:xfrm>
         </p:spPr>
@@ -3600,7 +4239,7 @@
         </p:nvSpPr>
         <p:spPr>
           <a:xfrm>
-            <a:off x="522010" y="780368"/>
+            <a:off x="522010" y="635989"/>
             <a:ext cx="11147980" cy="5892586"/>
           </a:xfrm>
         </p:spPr>
@@ -3680,7 +4319,11 @@
             <a:endParaRPr lang="en-US" altLang="zh-CN" dirty="0"/>
           </a:p>
           <a:p>
-            <a:pPr lvl="1"/>
+            <a:pPr lvl="1">
+              <a:lnSpc>
+                <a:spcPct val="170000"/>
+              </a:lnSpc>
+            </a:pPr>
             <a:r>
               <a:rPr lang="en-US" altLang="zh-CN" dirty="0">
                 <a:solidFill>
@@ -4363,7 +5006,7 @@
 </p:sld>
 </file>
 
-<file path=ppt/slides/slide11.xml><?xml version="1.0" encoding="utf-8"?>
+<file path=ppt/slides/slide13.xml><?xml version="1.0" encoding="utf-8"?>
 <p:sld xmlns:a="http://schemas.openxmlformats.org/drawingml/2006/main" xmlns:r="http://schemas.openxmlformats.org/officeDocument/2006/relationships" xmlns:p="http://schemas.openxmlformats.org/presentationml/2006/main">
   <p:cSld>
     <p:spTree>
@@ -4468,67 +5111,25 @@
           <a:lstStyle/>
           <a:p>
             <a:r>
-              <a:rPr lang="zh-CN" altLang="en-US" sz="2800" dirty="0">
-                <a:latin typeface="华文楷体" panose="02010600040101010101" pitchFamily="2" charset="-122"/>
-                <a:ea typeface="华文楷体" panose="02010600040101010101" pitchFamily="2" charset="-122"/>
-              </a:rPr>
-              <a:t>冯诺依曼全集</a:t>
-            </a:r>
-            <a:r>
-              <a:rPr lang="en-US" altLang="zh-CN" sz="2800" dirty="0">
-                <a:latin typeface="华文楷体" panose="02010600040101010101" pitchFamily="2" charset="-122"/>
-                <a:ea typeface="华文楷体" panose="02010600040101010101" pitchFamily="2" charset="-122"/>
-              </a:rPr>
-              <a:t>/</a:t>
-            </a:r>
-            <a:r>
-              <a:rPr lang="zh-CN" altLang="en-US" sz="2800" dirty="0">
-                <a:latin typeface="华文楷体" panose="02010600040101010101" pitchFamily="2" charset="-122"/>
-                <a:ea typeface="华文楷体" panose="02010600040101010101" pitchFamily="2" charset="-122"/>
-              </a:rPr>
-              <a:t>冯诺依曼集合层级：纯良基集构成的类（范畴）。</a:t>
-            </a:r>
-            <a:endParaRPr lang="en-US" altLang="zh-CN" sz="2800" dirty="0">
-              <a:latin typeface="华文楷体" panose="02010600040101010101" pitchFamily="2" charset="-122"/>
-              <a:ea typeface="华文楷体" panose="02010600040101010101" pitchFamily="2" charset="-122"/>
-            </a:endParaRPr>
-          </a:p>
-          <a:p>
-            <a:pPr lvl="1"/>
-            <a:r>
               <a:rPr lang="zh-CN" altLang="en-US" sz="2400" dirty="0">
                 <a:latin typeface="华文楷体" panose="02010600040101010101" pitchFamily="2" charset="-122"/>
                 <a:ea typeface="华文楷体" panose="02010600040101010101" pitchFamily="2" charset="-122"/>
               </a:rPr>
-              <a:t>良基关系：对于一个类</a:t>
+              <a:t>冯诺依曼全集</a:t>
             </a:r>
             <a:r>
               <a:rPr lang="en-US" altLang="zh-CN" sz="2400" dirty="0">
                 <a:latin typeface="华文楷体" panose="02010600040101010101" pitchFamily="2" charset="-122"/>
                 <a:ea typeface="华文楷体" panose="02010600040101010101" pitchFamily="2" charset="-122"/>
               </a:rPr>
-              <a:t>X</a:t>
+              <a:t>/</a:t>
             </a:r>
             <a:r>
               <a:rPr lang="zh-CN" altLang="en-US" sz="2400" dirty="0">
                 <a:latin typeface="华文楷体" panose="02010600040101010101" pitchFamily="2" charset="-122"/>
                 <a:ea typeface="华文楷体" panose="02010600040101010101" pitchFamily="2" charset="-122"/>
               </a:rPr>
-              <a:t>，其中任意一个非空子集</a:t>
-            </a:r>
-            <a:r>
-              <a:rPr lang="en-US" altLang="zh-CN" sz="2400" dirty="0">
-                <a:latin typeface="华文楷体" panose="02010600040101010101" pitchFamily="2" charset="-122"/>
-                <a:ea typeface="华文楷体" panose="02010600040101010101" pitchFamily="2" charset="-122"/>
-              </a:rPr>
-              <a:t>S</a:t>
-            </a:r>
-            <a:r>
-              <a:rPr lang="zh-CN" altLang="en-US" sz="2400" dirty="0">
-                <a:latin typeface="华文楷体" panose="02010600040101010101" pitchFamily="2" charset="-122"/>
-                <a:ea typeface="华文楷体" panose="02010600040101010101" pitchFamily="2" charset="-122"/>
-              </a:rPr>
-              <a:t>都有极小元。</a:t>
+              <a:t>冯诺依曼集合层级：纯良基集构成的类（范畴）。</a:t>
             </a:r>
             <a:endParaRPr lang="en-US" altLang="zh-CN" sz="2400" dirty="0">
               <a:latin typeface="华文楷体" panose="02010600040101010101" pitchFamily="2" charset="-122"/>
@@ -4538,13 +5139,48 @@
           <a:p>
             <a:pPr lvl="1"/>
             <a:r>
-              <a:rPr lang="zh-CN" altLang="en-US" sz="2400" dirty="0">
+              <a:rPr lang="zh-CN" altLang="en-US" sz="2000" b="1" dirty="0">
                 <a:latin typeface="华文楷体" panose="02010600040101010101" pitchFamily="2" charset="-122"/>
                 <a:ea typeface="华文楷体" panose="02010600040101010101" pitchFamily="2" charset="-122"/>
               </a:rPr>
-              <a:t>偏序关系（序理论）：元素有前后。严格偏序（无相等关系）</a:t>
-            </a:r>
-            <a:endParaRPr lang="en-US" altLang="zh-CN" sz="2400" dirty="0">
+              <a:t>良基关系</a:t>
+            </a:r>
+            <a:r>
+              <a:rPr lang="zh-CN" altLang="en-US" sz="2000" dirty="0">
+                <a:latin typeface="华文楷体" panose="02010600040101010101" pitchFamily="2" charset="-122"/>
+                <a:ea typeface="华文楷体" panose="02010600040101010101" pitchFamily="2" charset="-122"/>
+              </a:rPr>
+              <a:t>：对于一个类</a:t>
+            </a:r>
+            <a:r>
+              <a:rPr lang="en-US" altLang="zh-CN" sz="2000" dirty="0">
+                <a:latin typeface="华文楷体" panose="02010600040101010101" pitchFamily="2" charset="-122"/>
+                <a:ea typeface="华文楷体" panose="02010600040101010101" pitchFamily="2" charset="-122"/>
+              </a:rPr>
+              <a:t>X</a:t>
+            </a:r>
+            <a:r>
+              <a:rPr lang="zh-CN" altLang="en-US" sz="2000" dirty="0">
+                <a:latin typeface="华文楷体" panose="02010600040101010101" pitchFamily="2" charset="-122"/>
+                <a:ea typeface="华文楷体" panose="02010600040101010101" pitchFamily="2" charset="-122"/>
+              </a:rPr>
+              <a:t>，其中任意一个非空子集</a:t>
+            </a:r>
+            <a:r>
+              <a:rPr lang="en-US" altLang="zh-CN" sz="2000" dirty="0">
+                <a:latin typeface="华文楷体" panose="02010600040101010101" pitchFamily="2" charset="-122"/>
+                <a:ea typeface="华文楷体" panose="02010600040101010101" pitchFamily="2" charset="-122"/>
+              </a:rPr>
+              <a:t>S</a:t>
+            </a:r>
+            <a:r>
+              <a:rPr lang="zh-CN" altLang="en-US" sz="2000" dirty="0">
+                <a:latin typeface="华文楷体" panose="02010600040101010101" pitchFamily="2" charset="-122"/>
+                <a:ea typeface="华文楷体" panose="02010600040101010101" pitchFamily="2" charset="-122"/>
+              </a:rPr>
+              <a:t>都有极小元。</a:t>
+            </a:r>
+            <a:endParaRPr lang="en-US" altLang="zh-CN" sz="2000" dirty="0">
               <a:latin typeface="华文楷体" panose="02010600040101010101" pitchFamily="2" charset="-122"/>
               <a:ea typeface="华文楷体" panose="02010600040101010101" pitchFamily="2" charset="-122"/>
             </a:endParaRPr>
@@ -4552,27 +5188,20 @@
           <a:p>
             <a:pPr lvl="1"/>
             <a:r>
-              <a:rPr lang="zh-CN" altLang="en-US" sz="2400" dirty="0">
+              <a:rPr lang="zh-CN" altLang="en-US" sz="2000" b="1" dirty="0">
                 <a:latin typeface="华文楷体" panose="02010600040101010101" pitchFamily="2" charset="-122"/>
                 <a:ea typeface="华文楷体" panose="02010600040101010101" pitchFamily="2" charset="-122"/>
               </a:rPr>
-              <a:t>良序关系就是良基关系的线性表达，因此对于一个集合</a:t>
-            </a:r>
-            <a:r>
-              <a:rPr lang="en-US" altLang="zh-CN" sz="2400" dirty="0">
+              <a:t>偏序关系（序理论）</a:t>
+            </a:r>
+            <a:r>
+              <a:rPr lang="zh-CN" altLang="en-US" sz="2000" dirty="0">
                 <a:latin typeface="华文楷体" panose="02010600040101010101" pitchFamily="2" charset="-122"/>
                 <a:ea typeface="华文楷体" panose="02010600040101010101" pitchFamily="2" charset="-122"/>
               </a:rPr>
-              <a:t>S</a:t>
-            </a:r>
-            <a:r>
-              <a:rPr lang="zh-CN" altLang="en-US" sz="2400" dirty="0">
-                <a:latin typeface="华文楷体" panose="02010600040101010101" pitchFamily="2" charset="-122"/>
-                <a:ea typeface="华文楷体" panose="02010600040101010101" pitchFamily="2" charset="-122"/>
-              </a:rPr>
-              <a:t>的线性表达，其中任意一个非空子集都有最小元。</a:t>
-            </a:r>
-            <a:endParaRPr lang="en-US" altLang="zh-CN" sz="2400" dirty="0">
+              <a:t>：元素有前后。严格偏序（无相等关系）</a:t>
+            </a:r>
+            <a:endParaRPr lang="en-US" altLang="zh-CN" sz="2000" dirty="0">
               <a:latin typeface="华文楷体" panose="02010600040101010101" pitchFamily="2" charset="-122"/>
               <a:ea typeface="华文楷体" panose="02010600040101010101" pitchFamily="2" charset="-122"/>
             </a:endParaRPr>
@@ -4580,7 +5209,35 @@
           <a:p>
             <a:pPr lvl="1"/>
             <a:r>
-              <a:rPr lang="zh-CN" altLang="en-US" sz="2400" dirty="0">
+              <a:rPr lang="zh-CN" altLang="en-US" sz="2000" dirty="0">
+                <a:latin typeface="华文楷体" panose="02010600040101010101" pitchFamily="2" charset="-122"/>
+                <a:ea typeface="华文楷体" panose="02010600040101010101" pitchFamily="2" charset="-122"/>
+              </a:rPr>
+              <a:t>良序关系就是良基关系的线性表达，因此对于一个集合</a:t>
+            </a:r>
+            <a:r>
+              <a:rPr lang="en-US" altLang="zh-CN" sz="2000" dirty="0">
+                <a:latin typeface="华文楷体" panose="02010600040101010101" pitchFamily="2" charset="-122"/>
+                <a:ea typeface="华文楷体" panose="02010600040101010101" pitchFamily="2" charset="-122"/>
+              </a:rPr>
+              <a:t>S</a:t>
+            </a:r>
+            <a:r>
+              <a:rPr lang="zh-CN" altLang="en-US" sz="2000" dirty="0">
+                <a:latin typeface="华文楷体" panose="02010600040101010101" pitchFamily="2" charset="-122"/>
+                <a:ea typeface="华文楷体" panose="02010600040101010101" pitchFamily="2" charset="-122"/>
+              </a:rPr>
+              <a:t>的线性表达，其中任意一个非空子集都有最小元。</a:t>
+            </a:r>
+            <a:endParaRPr lang="en-US" altLang="zh-CN" sz="2000" dirty="0">
+              <a:latin typeface="华文楷体" panose="02010600040101010101" pitchFamily="2" charset="-122"/>
+              <a:ea typeface="华文楷体" panose="02010600040101010101" pitchFamily="2" charset="-122"/>
+            </a:endParaRPr>
+          </a:p>
+          <a:p>
+            <a:pPr lvl="1"/>
+            <a:r>
+              <a:rPr lang="zh-CN" altLang="en-US" sz="2000" dirty="0">
                 <a:latin typeface="华文楷体" panose="02010600040101010101" pitchFamily="2" charset="-122"/>
                 <a:ea typeface="华文楷体" panose="02010600040101010101" pitchFamily="2" charset="-122"/>
               </a:rPr>
@@ -4602,7 +5259,7 @@
 </p:sld>
 </file>
 
-<file path=ppt/slides/slide12.xml><?xml version="1.0" encoding="utf-8"?>
+<file path=ppt/slides/slide14.xml><?xml version="1.0" encoding="utf-8"?>
 <p:sld xmlns:a="http://schemas.openxmlformats.org/drawingml/2006/main" xmlns:r="http://schemas.openxmlformats.org/officeDocument/2006/relationships" xmlns:p="http://schemas.openxmlformats.org/presentationml/2006/main">
   <p:cSld>
     <p:spTree>
@@ -4652,8 +5309,8 @@
           </a:p>
         </p:txBody>
       </p:sp>
-      <mc:AlternateContent xmlns:mc="http://schemas.openxmlformats.org/markup-compatibility/2006" xmlns:a14="http://schemas.microsoft.com/office/drawing/2010/main">
-        <mc:Choice Requires="a14">
+      <mc:AlternateContent xmlns:mc="http://schemas.openxmlformats.org/markup-compatibility/2006">
+        <mc:Choice xmlns:a14="http://schemas.microsoft.com/office/drawing/2010/main" Requires="a14">
           <p:sp>
             <p:nvSpPr>
               <p:cNvPr id="3" name="内容占位符 2">
@@ -4695,32 +5352,32 @@
               <a:p>
                 <a:pPr lvl="1"/>
                 <a:r>
-                  <a:rPr lang="zh-CN" altLang="en-US" dirty="0">
+                  <a:rPr lang="zh-CN" altLang="en-US" b="1" dirty="0">
                     <a:latin typeface="Times New Roman" panose="02020603050405020304" pitchFamily="18" charset="0"/>
                     <a:ea typeface="华文楷体" panose="02010600040101010101" pitchFamily="2" charset="-122"/>
                   </a:rPr>
                   <a:t>极大元</a:t>
                 </a:r>
                 <a:r>
-                  <a:rPr lang="en-US" altLang="zh-CN" dirty="0">
+                  <a:rPr lang="en-US" altLang="zh-CN" b="1" dirty="0">
                     <a:latin typeface="Times New Roman" panose="02020603050405020304" pitchFamily="18" charset="0"/>
                     <a:ea typeface="华文楷体" panose="02010600040101010101" pitchFamily="2" charset="-122"/>
                   </a:rPr>
                   <a:t>(</a:t>
                 </a:r>
                 <a:r>
-                  <a:rPr lang="en-US" altLang="zh-CN" dirty="0"/>
+                  <a:rPr lang="en-US" altLang="zh-CN" b="1" dirty="0"/>
                   <a:t>maximal element</a:t>
                 </a:r>
                 <a:r>
-                  <a:rPr lang="en-US" altLang="zh-CN" dirty="0">
+                  <a:rPr lang="en-US" altLang="zh-CN" b="1" dirty="0">
                     <a:latin typeface="Times New Roman" panose="02020603050405020304" pitchFamily="18" charset="0"/>
                     <a:ea typeface="华文楷体" panose="02010600040101010101" pitchFamily="2" charset="-122"/>
                   </a:rPr>
                   <a:t>)</a:t>
                 </a:r>
                 <a:r>
-                  <a:rPr lang="zh-CN" altLang="en-US" dirty="0">
+                  <a:rPr lang="zh-CN" altLang="en-US" b="1" dirty="0">
                     <a:latin typeface="Times New Roman" panose="02020603050405020304" pitchFamily="18" charset="0"/>
                     <a:ea typeface="华文楷体" panose="02010600040101010101" pitchFamily="2" charset="-122"/>
                   </a:rPr>
@@ -4729,7 +5386,7 @@
                 <a14:m>
                   <m:oMath xmlns:m="http://schemas.openxmlformats.org/officeDocument/2006/math">
                     <m:r>
-                      <a:rPr lang="zh-CN" altLang="en-US" i="1" smtClean="0">
+                      <a:rPr lang="zh-CN" altLang="en-US" b="1" i="1" smtClean="0">
                         <a:latin typeface="Cambria Math" panose="02040503050406030204" pitchFamily="18" charset="0"/>
                       </a:rPr>
                       <m:t>≥</m:t>
@@ -4737,13 +5394,13 @@
                   </m:oMath>
                 </a14:m>
                 <a:r>
-                  <a:rPr lang="zh-CN" altLang="en-US" dirty="0">
+                  <a:rPr lang="zh-CN" altLang="en-US" b="1" dirty="0">
                     <a:latin typeface="Times New Roman" panose="02020603050405020304" pitchFamily="18" charset="0"/>
                     <a:ea typeface="华文楷体" panose="02010600040101010101" pitchFamily="2" charset="-122"/>
                   </a:rPr>
                   <a:t> </a:t>
                 </a:r>
-                <a:endParaRPr lang="en-US" altLang="zh-CN" dirty="0">
+                <a:endParaRPr lang="en-US" altLang="zh-CN" b="1" dirty="0">
                   <a:latin typeface="Times New Roman" panose="02020603050405020304" pitchFamily="18" charset="0"/>
                   <a:ea typeface="华文楷体" panose="02010600040101010101" pitchFamily="2" charset="-122"/>
                 </a:endParaRPr>
@@ -4751,32 +5408,32 @@
               <a:p>
                 <a:pPr lvl="1"/>
                 <a:r>
-                  <a:rPr lang="zh-CN" altLang="en-US" dirty="0">
+                  <a:rPr lang="zh-CN" altLang="en-US" b="1" dirty="0">
                     <a:latin typeface="Times New Roman" panose="02020603050405020304" pitchFamily="18" charset="0"/>
                     <a:ea typeface="华文楷体" panose="02010600040101010101" pitchFamily="2" charset="-122"/>
                   </a:rPr>
                   <a:t>最大元</a:t>
                 </a:r>
                 <a:r>
-                  <a:rPr lang="en-US" altLang="zh-CN" dirty="0">
+                  <a:rPr lang="en-US" altLang="zh-CN" b="1" dirty="0">
                     <a:latin typeface="Times New Roman" panose="02020603050405020304" pitchFamily="18" charset="0"/>
                     <a:ea typeface="华文楷体" panose="02010600040101010101" pitchFamily="2" charset="-122"/>
                   </a:rPr>
                   <a:t>(</a:t>
                 </a:r>
                 <a:r>
-                  <a:rPr lang="en-US" altLang="zh-CN" dirty="0"/>
+                  <a:rPr lang="en-US" altLang="zh-CN" b="1" dirty="0"/>
                   <a:t>greatest element</a:t>
                 </a:r>
                 <a:r>
-                  <a:rPr lang="en-US" altLang="zh-CN" dirty="0">
+                  <a:rPr lang="en-US" altLang="zh-CN" b="1" dirty="0">
                     <a:latin typeface="Times New Roman" panose="02020603050405020304" pitchFamily="18" charset="0"/>
                     <a:ea typeface="华文楷体" panose="02010600040101010101" pitchFamily="2" charset="-122"/>
                   </a:rPr>
                   <a:t>)</a:t>
                 </a:r>
                 <a:r>
-                  <a:rPr lang="zh-CN" altLang="en-US" dirty="0">
+                  <a:rPr lang="zh-CN" altLang="en-US" b="1" dirty="0">
                     <a:latin typeface="Times New Roman" panose="02020603050405020304" pitchFamily="18" charset="0"/>
                     <a:ea typeface="华文楷体" panose="02010600040101010101" pitchFamily="2" charset="-122"/>
                   </a:rPr>
@@ -4785,7 +5442,7 @@
                 <a14:m>
                   <m:oMath xmlns:m="http://schemas.openxmlformats.org/officeDocument/2006/math">
                     <m:r>
-                      <a:rPr lang="en-US" altLang="zh-CN" i="1" smtClean="0">
+                      <a:rPr lang="en-US" altLang="zh-CN" b="1" i="1" smtClean="0">
                         <a:latin typeface="Cambria Math" panose="02040503050406030204" pitchFamily="18" charset="0"/>
                         <a:ea typeface="Cambria Math" panose="02040503050406030204" pitchFamily="18" charset="0"/>
                       </a:rPr>
@@ -4793,7 +5450,7 @@
                     </m:r>
                   </m:oMath>
                 </a14:m>
-                <a:endParaRPr lang="en-US" altLang="zh-CN" dirty="0">
+                <a:endParaRPr lang="en-US" altLang="zh-CN" b="1" dirty="0">
                   <a:latin typeface="Times New Roman" panose="02020603050405020304" pitchFamily="18" charset="0"/>
                   <a:ea typeface="华文楷体" panose="02010600040101010101" pitchFamily="2" charset="-122"/>
                 </a:endParaRPr>
@@ -4801,14 +5458,14 @@
               <a:p>
                 <a:pPr lvl="1"/>
                 <a:r>
-                  <a:rPr lang="zh-CN" altLang="en-US" dirty="0">
+                  <a:rPr lang="zh-CN" altLang="en-US" b="1" dirty="0">
                     <a:latin typeface="Times New Roman" panose="02020603050405020304" pitchFamily="18" charset="0"/>
                     <a:ea typeface="华文楷体" panose="02010600040101010101" pitchFamily="2" charset="-122"/>
                   </a:rPr>
                   <a:t>极小元</a:t>
                 </a:r>
                 <a:r>
-                  <a:rPr lang="en-US" altLang="zh-CN" dirty="0">
+                  <a:rPr lang="en-US" altLang="zh-CN" b="1" dirty="0">
                     <a:latin typeface="Times New Roman" panose="02020603050405020304" pitchFamily="18" charset="0"/>
                     <a:ea typeface="华文楷体" panose="02010600040101010101" pitchFamily="2" charset="-122"/>
                   </a:rPr>
@@ -4817,14 +5474,14 @@
                 <a14:m>
                   <m:oMath xmlns:m="http://schemas.openxmlformats.org/officeDocument/2006/math">
                     <m:r>
-                      <a:rPr lang="zh-CN" altLang="en-US" i="1" smtClean="0">
+                      <a:rPr lang="zh-CN" altLang="en-US" b="1" i="1" smtClean="0">
                         <a:latin typeface="Cambria Math" panose="02040503050406030204" pitchFamily="18" charset="0"/>
                       </a:rPr>
                       <m:t>≤</m:t>
                     </m:r>
                   </m:oMath>
                 </a14:m>
-                <a:endParaRPr lang="en-US" altLang="zh-CN" dirty="0">
+                <a:endParaRPr lang="en-US" altLang="zh-CN" b="1" dirty="0">
                   <a:latin typeface="Times New Roman" panose="02020603050405020304" pitchFamily="18" charset="0"/>
                   <a:ea typeface="华文楷体" panose="02010600040101010101" pitchFamily="2" charset="-122"/>
                 </a:endParaRPr>
@@ -4832,32 +5489,32 @@
               <a:p>
                 <a:pPr lvl="1"/>
                 <a:r>
-                  <a:rPr lang="zh-CN" altLang="en-US" dirty="0">
+                  <a:rPr lang="zh-CN" altLang="en-US" b="1" dirty="0">
                     <a:latin typeface="Times New Roman" panose="02020603050405020304" pitchFamily="18" charset="0"/>
                     <a:ea typeface="华文楷体" panose="02010600040101010101" pitchFamily="2" charset="-122"/>
                   </a:rPr>
                   <a:t>最小元</a:t>
                 </a:r>
                 <a:r>
-                  <a:rPr lang="en-US" altLang="zh-CN" dirty="0">
+                  <a:rPr lang="en-US" altLang="zh-CN" b="1" dirty="0">
                     <a:latin typeface="Times New Roman" panose="02020603050405020304" pitchFamily="18" charset="0"/>
                     <a:ea typeface="华文楷体" panose="02010600040101010101" pitchFamily="2" charset="-122"/>
                   </a:rPr>
                   <a:t>(</a:t>
                 </a:r>
                 <a:r>
-                  <a:rPr lang="en-US" altLang="zh-CN" dirty="0"/>
+                  <a:rPr lang="en-US" altLang="zh-CN" b="1" dirty="0"/>
                   <a:t>least element</a:t>
                 </a:r>
                 <a:r>
-                  <a:rPr lang="en-US" altLang="zh-CN" dirty="0">
+                  <a:rPr lang="en-US" altLang="zh-CN" b="1" dirty="0">
                     <a:latin typeface="Times New Roman" panose="02020603050405020304" pitchFamily="18" charset="0"/>
                     <a:ea typeface="华文楷体" panose="02010600040101010101" pitchFamily="2" charset="-122"/>
                   </a:rPr>
                   <a:t>)</a:t>
                 </a:r>
                 <a:r>
-                  <a:rPr lang="zh-CN" altLang="en-US" dirty="0">
+                  <a:rPr lang="zh-CN" altLang="en-US" b="1" dirty="0">
                     <a:latin typeface="Times New Roman" panose="02020603050405020304" pitchFamily="18" charset="0"/>
                     <a:ea typeface="华文楷体" panose="02010600040101010101" pitchFamily="2" charset="-122"/>
                   </a:rPr>
@@ -4866,7 +5523,7 @@
                 <a14:m>
                   <m:oMath xmlns:m="http://schemas.openxmlformats.org/officeDocument/2006/math">
                     <m:r>
-                      <a:rPr lang="en-US" altLang="zh-CN" i="1" smtClean="0">
+                      <a:rPr lang="en-US" altLang="zh-CN" b="1" i="1" smtClean="0">
                         <a:latin typeface="Cambria Math" panose="02040503050406030204" pitchFamily="18" charset="0"/>
                         <a:ea typeface="Cambria Math" panose="02040503050406030204" pitchFamily="18" charset="0"/>
                       </a:rPr>
@@ -4874,7 +5531,7 @@
                     </m:r>
                   </m:oMath>
                 </a14:m>
-                <a:endParaRPr lang="en-US" altLang="zh-CN" dirty="0">
+                <a:endParaRPr lang="en-US" altLang="zh-CN" b="1" dirty="0">
                   <a:latin typeface="Times New Roman" panose="02020603050405020304" pitchFamily="18" charset="0"/>
                   <a:ea typeface="华文楷体" panose="02010600040101010101" pitchFamily="2" charset="-122"/>
                 </a:endParaRPr>
@@ -4895,21 +5552,21 @@
               <a:p>
                 <a:pPr lvl="1"/>
                 <a:r>
-                  <a:rPr lang="en-US" altLang="zh-CN" dirty="0">
+                  <a:rPr lang="en-US" altLang="zh-CN" b="1" dirty="0">
                     <a:latin typeface="Times New Roman" panose="02020603050405020304" pitchFamily="18" charset="0"/>
                     <a:ea typeface="华文楷体" panose="02010600040101010101" pitchFamily="2" charset="-122"/>
                   </a:rPr>
                   <a:t>B</a:t>
                 </a:r>
                 <a:r>
-                  <a:rPr lang="zh-CN" altLang="en-US" dirty="0">
+                  <a:rPr lang="zh-CN" altLang="en-US" b="1" dirty="0">
                     <a:latin typeface="Times New Roman" panose="02020603050405020304" pitchFamily="18" charset="0"/>
                     <a:ea typeface="华文楷体" panose="02010600040101010101" pitchFamily="2" charset="-122"/>
                   </a:rPr>
                   <a:t>的上界：</a:t>
                 </a:r>
                 <a:r>
-                  <a:rPr lang="zh-CN" altLang="en-US" b="0" i="0" dirty="0">
+                  <a:rPr lang="zh-CN" altLang="en-US" b="1" i="0" dirty="0">
                     <a:solidFill>
                       <a:srgbClr val="333333"/>
                     </a:solidFill>
@@ -4920,7 +5577,7 @@
                   <a:t>偏序集</a:t>
                 </a:r>
                 <a:r>
-                  <a:rPr lang="en-US" altLang="zh-CN" b="0" i="0" dirty="0">
+                  <a:rPr lang="en-US" altLang="zh-CN" b="1" i="0" dirty="0">
                     <a:solidFill>
                       <a:srgbClr val="333333"/>
                     </a:solidFill>
@@ -4931,7 +5588,7 @@
                   <a:t>A</a:t>
                 </a:r>
                 <a:r>
-                  <a:rPr lang="zh-CN" altLang="en-US" b="0" i="0" dirty="0">
+                  <a:rPr lang="zh-CN" altLang="en-US" b="1" i="0" dirty="0">
                     <a:solidFill>
                       <a:srgbClr val="333333"/>
                     </a:solidFill>
@@ -4942,7 +5599,7 @@
                   <a:t>中大于或等于它的子集</a:t>
                 </a:r>
                 <a:r>
-                  <a:rPr lang="en-US" altLang="zh-CN" b="0" i="0" dirty="0">
+                  <a:rPr lang="en-US" altLang="zh-CN" b="1" i="0" dirty="0">
                     <a:solidFill>
                       <a:srgbClr val="333333"/>
                     </a:solidFill>
@@ -4953,7 +5610,7 @@
                   <a:t>(B)</a:t>
                 </a:r>
                 <a:r>
-                  <a:rPr lang="zh-CN" altLang="en-US" b="0" i="0" dirty="0">
+                  <a:rPr lang="zh-CN" altLang="en-US" b="1" i="0" dirty="0">
                     <a:solidFill>
                       <a:srgbClr val="333333"/>
                     </a:solidFill>
@@ -4963,7 +5620,7 @@
                   </a:rPr>
                   <a:t>中一切元素的元素</a:t>
                 </a:r>
-                <a:endParaRPr lang="en-US" altLang="zh-CN" dirty="0">
+                <a:endParaRPr lang="en-US" altLang="zh-CN" b="1" dirty="0">
                   <a:latin typeface="Times New Roman" panose="02020603050405020304" pitchFamily="18" charset="0"/>
                   <a:ea typeface="华文楷体" panose="02010600040101010101" pitchFamily="2" charset="-122"/>
                 </a:endParaRPr>
@@ -4971,13 +5628,13 @@
               <a:p>
                 <a:pPr lvl="1"/>
                 <a:r>
-                  <a:rPr lang="zh-CN" altLang="en-US" dirty="0">
+                  <a:rPr lang="zh-CN" altLang="en-US" b="1" dirty="0">
                     <a:latin typeface="Times New Roman" panose="02020603050405020304" pitchFamily="18" charset="0"/>
                     <a:ea typeface="华文楷体" panose="02010600040101010101" pitchFamily="2" charset="-122"/>
                   </a:rPr>
                   <a:t>上确界：上界的最小元</a:t>
                 </a:r>
-                <a:endParaRPr lang="en-US" altLang="zh-CN" dirty="0">
+                <a:endParaRPr lang="en-US" altLang="zh-CN" b="1" dirty="0">
                   <a:latin typeface="Times New Roman" panose="02020603050405020304" pitchFamily="18" charset="0"/>
                   <a:ea typeface="华文楷体" panose="02010600040101010101" pitchFamily="2" charset="-122"/>
                 </a:endParaRPr>
@@ -4985,21 +5642,21 @@
               <a:p>
                 <a:pPr lvl="1"/>
                 <a:r>
-                  <a:rPr lang="en-US" altLang="zh-CN" dirty="0">
+                  <a:rPr lang="en-US" altLang="zh-CN" b="1" dirty="0">
                     <a:latin typeface="Times New Roman" panose="02020603050405020304" pitchFamily="18" charset="0"/>
                     <a:ea typeface="华文楷体" panose="02010600040101010101" pitchFamily="2" charset="-122"/>
                   </a:rPr>
                   <a:t>B</a:t>
                 </a:r>
                 <a:r>
-                  <a:rPr lang="zh-CN" altLang="en-US" dirty="0">
+                  <a:rPr lang="zh-CN" altLang="en-US" b="1" dirty="0">
                     <a:latin typeface="Times New Roman" panose="02020603050405020304" pitchFamily="18" charset="0"/>
                     <a:ea typeface="华文楷体" panose="02010600040101010101" pitchFamily="2" charset="-122"/>
                   </a:rPr>
                   <a:t>的下界：</a:t>
                 </a:r>
                 <a:r>
-                  <a:rPr lang="zh-CN" altLang="en-US" b="0" i="0" dirty="0">
+                  <a:rPr lang="zh-CN" altLang="en-US" b="1" i="0" dirty="0">
                     <a:solidFill>
                       <a:srgbClr val="333333"/>
                     </a:solidFill>
@@ -5010,7 +5667,7 @@
                   <a:t>偏序集</a:t>
                 </a:r>
                 <a:r>
-                  <a:rPr lang="en-US" altLang="zh-CN" b="0" i="0" dirty="0">
+                  <a:rPr lang="en-US" altLang="zh-CN" b="1" i="0" dirty="0">
                     <a:solidFill>
                       <a:srgbClr val="333333"/>
                     </a:solidFill>
@@ -5021,7 +5678,7 @@
                   <a:t>A</a:t>
                 </a:r>
                 <a:r>
-                  <a:rPr lang="zh-CN" altLang="en-US" b="0" i="0" dirty="0">
+                  <a:rPr lang="zh-CN" altLang="en-US" b="1" i="0" dirty="0">
                     <a:solidFill>
                       <a:srgbClr val="333333"/>
                     </a:solidFill>
@@ -5032,7 +5689,7 @@
                   <a:t>中小于或等于它的子集</a:t>
                 </a:r>
                 <a:r>
-                  <a:rPr lang="en-US" altLang="zh-CN" b="0" i="0" dirty="0">
+                  <a:rPr lang="en-US" altLang="zh-CN" b="1" i="0" dirty="0">
                     <a:solidFill>
                       <a:srgbClr val="333333"/>
                     </a:solidFill>
@@ -5043,7 +5700,7 @@
                   <a:t>(B)</a:t>
                 </a:r>
                 <a:r>
-                  <a:rPr lang="zh-CN" altLang="en-US" b="0" i="0" dirty="0">
+                  <a:rPr lang="zh-CN" altLang="en-US" b="1" i="0" dirty="0">
                     <a:solidFill>
                       <a:srgbClr val="333333"/>
                     </a:solidFill>
@@ -5053,7 +5710,7 @@
                   </a:rPr>
                   <a:t>中一切元素的元素</a:t>
                 </a:r>
-                <a:endParaRPr lang="en-US" altLang="zh-CN" dirty="0">
+                <a:endParaRPr lang="en-US" altLang="zh-CN" b="1" dirty="0">
                   <a:latin typeface="Times New Roman" panose="02020603050405020304" pitchFamily="18" charset="0"/>
                   <a:ea typeface="华文楷体" panose="02010600040101010101" pitchFamily="2" charset="-122"/>
                 </a:endParaRPr>
@@ -5061,7 +5718,7 @@
               <a:p>
                 <a:pPr lvl="1"/>
                 <a:r>
-                  <a:rPr lang="zh-CN" altLang="en-US" dirty="0">
+                  <a:rPr lang="zh-CN" altLang="en-US" b="1" dirty="0">
                     <a:latin typeface="Times New Roman" panose="02020603050405020304" pitchFamily="18" charset="0"/>
                     <a:ea typeface="华文楷体" panose="02010600040101010101" pitchFamily="2" charset="-122"/>
                   </a:rPr>
@@ -5071,7 +5728,7 @@
             </p:txBody>
           </p:sp>
         </mc:Choice>
-        <mc:Fallback xmlns="">
+        <mc:Fallback>
           <p:sp>
             <p:nvSpPr>
               <p:cNvPr id="3" name="内容占位符 2">
@@ -5128,7 +5785,7 @@
 </p:sld>
 </file>
 
-<file path=ppt/slides/slide13.xml><?xml version="1.0" encoding="utf-8"?>
+<file path=ppt/slides/slide15.xml><?xml version="1.0" encoding="utf-8"?>
 <p:sld xmlns:a="http://schemas.openxmlformats.org/drawingml/2006/main" xmlns:r="http://schemas.openxmlformats.org/officeDocument/2006/relationships" xmlns:p="http://schemas.openxmlformats.org/presentationml/2006/main">
   <p:cSld>
     <p:spTree>
@@ -5265,6 +5922,19 @@
               <a:rPr lang="zh-CN" altLang="en-US" dirty="0"/>
               <a:t>：</a:t>
             </a:r>
+            <a:endParaRPr lang="en-US" altLang="zh-CN" dirty="0"/>
+          </a:p>
+          <a:p>
+            <a:r>
+              <a:rPr lang="zh-CN" altLang="en-US" dirty="0">
+                <a:solidFill>
+                  <a:schemeClr val="accent2">
+                    <a:lumMod val="50000"/>
+                  </a:schemeClr>
+                </a:solidFill>
+              </a:rPr>
+              <a:t>数学最优化：连续最优化；离散最优化</a:t>
+            </a:r>
           </a:p>
           <a:p>
             <a:endParaRPr lang="zh-CN" altLang="en-US" dirty="0"/>
@@ -5284,7 +5954,7 @@
 </p:sld>
 </file>
 
-<file path=ppt/slides/slide14.xml><?xml version="1.0" encoding="utf-8"?>
+<file path=ppt/slides/slide16.xml><?xml version="1.0" encoding="utf-8"?>
 <p:sld xmlns:a="http://schemas.openxmlformats.org/drawingml/2006/main" xmlns:r="http://schemas.openxmlformats.org/officeDocument/2006/relationships" xmlns:p="http://schemas.openxmlformats.org/presentationml/2006/main">
   <p:cSld>
     <p:spTree>
@@ -8019,133 +8689,154 @@
         </p:spPr>
         <p:txBody>
           <a:bodyPr>
-            <a:normAutofit fontScale="92500" lnSpcReduction="10000"/>
+            <a:normAutofit fontScale="25000" lnSpcReduction="20000"/>
           </a:bodyPr>
           <a:lstStyle/>
           <a:p>
             <a:r>
-              <a:rPr lang="zh-CN" altLang="en-US" dirty="0"/>
+              <a:rPr lang="zh-CN" altLang="en-US" sz="6400" dirty="0"/>
               <a:t>因此，选择的过程就是选择使上述公式值最小的    的过程。</a:t>
             </a:r>
-            <a:endParaRPr lang="en-US" altLang="zh-CN" dirty="0"/>
-          </a:p>
-          <a:p>
-            <a:endParaRPr lang="en-US" altLang="zh-CN" dirty="0"/>
-          </a:p>
-          <a:p>
-            <a:endParaRPr lang="en-US" altLang="zh-CN" dirty="0"/>
-          </a:p>
-          <a:p>
-            <a:endParaRPr lang="en-US" altLang="zh-CN" dirty="0"/>
-          </a:p>
-          <a:p>
-            <a:endParaRPr lang="en-US" altLang="zh-CN" dirty="0"/>
-          </a:p>
-          <a:p>
-            <a:endParaRPr lang="en-US" altLang="zh-CN" dirty="0"/>
-          </a:p>
-          <a:p>
-            <a:endParaRPr lang="en-US" altLang="zh-CN" dirty="0"/>
+            <a:endParaRPr lang="en-US" altLang="zh-CN" sz="6400" dirty="0"/>
+          </a:p>
+          <a:p>
+            <a:endParaRPr lang="en-US" altLang="zh-CN" sz="6400" dirty="0"/>
+          </a:p>
+          <a:p>
+            <a:endParaRPr lang="en-US" altLang="zh-CN" sz="6400" dirty="0"/>
+          </a:p>
+          <a:p>
+            <a:endParaRPr lang="en-US" altLang="zh-CN" sz="6400" dirty="0"/>
+          </a:p>
+          <a:p>
+            <a:endParaRPr lang="en-US" altLang="zh-CN" sz="6400" dirty="0"/>
+          </a:p>
+          <a:p>
+            <a:endParaRPr lang="en-US" altLang="zh-CN" sz="6400" dirty="0"/>
+          </a:p>
+          <a:p>
+            <a:endParaRPr lang="en-US" altLang="zh-CN" sz="6400" dirty="0"/>
           </a:p>
           <a:p>
             <a:pPr marL="0" indent="0">
               <a:buNone/>
             </a:pPr>
             <a:r>
-              <a:rPr lang="en-US" altLang="zh-CN" dirty="0"/>
+              <a:rPr lang="en-US" altLang="zh-CN" sz="6400" dirty="0"/>
               <a:t>                                                               </a:t>
             </a:r>
           </a:p>
           <a:p>
-            <a:endParaRPr lang="en-US" altLang="zh-CN" dirty="0"/>
+            <a:endParaRPr lang="en-US" altLang="zh-CN" sz="6400" dirty="0"/>
           </a:p>
           <a:p>
             <a:pPr marL="0" indent="0" algn="ctr">
               <a:buNone/>
             </a:pPr>
-            <a:endParaRPr lang="en-US" altLang="zh-CN" dirty="0"/>
+            <a:endParaRPr lang="en-US" altLang="zh-CN" sz="6400" dirty="0"/>
           </a:p>
           <a:p>
             <a:pPr marL="0" indent="0" algn="ctr">
               <a:buNone/>
             </a:pPr>
-            <a:r>
-              <a:rPr lang="zh-CN" altLang="en-US" dirty="0"/>
-              <a:t>图</a:t>
-            </a:r>
-            <a:r>
-              <a:rPr lang="en-US" altLang="zh-CN" dirty="0"/>
-              <a:t>-1 </a:t>
-            </a:r>
-            <a:r>
-              <a:rPr lang="zh-CN" altLang="en-US" dirty="0"/>
-              <a:t>前面的框代表的是目标损失，后面的框代表的是串接损失</a:t>
-            </a:r>
-            <a:endParaRPr lang="en-US" altLang="zh-CN" dirty="0"/>
-          </a:p>
-          <a:p>
-            <a:pPr marL="0" indent="0">
+            <a:endParaRPr lang="en-US" altLang="zh-CN" sz="6400" dirty="0"/>
+          </a:p>
+          <a:p>
+            <a:pPr marL="0" indent="0" algn="ctr">
               <a:buNone/>
             </a:pPr>
-            <a:r>
-              <a:rPr lang="zh-CN" altLang="en-US" dirty="0"/>
-              <a:t>       上图为一个格</a:t>
-            </a:r>
-            <a:r>
-              <a:rPr lang="en-US" altLang="zh-CN" dirty="0"/>
-              <a:t>(trellis)</a:t>
-            </a:r>
-            <a:r>
-              <a:rPr lang="zh-CN" altLang="en-US" dirty="0"/>
-              <a:t>，它是一种图</a:t>
-            </a:r>
-            <a:r>
-              <a:rPr lang="en-US" altLang="zh-CN" dirty="0"/>
-              <a:t>(graph)</a:t>
-            </a:r>
-            <a:r>
-              <a:rPr lang="zh-CN" altLang="en-US" dirty="0"/>
-              <a:t>，该图常用在通信和加密理论中用以表征编码器和解码器。该图因与建筑上的格结构（</a:t>
-            </a:r>
-            <a:r>
-              <a:rPr lang="en-US" altLang="zh-CN" dirty="0"/>
-              <a:t>treillage</a:t>
-            </a:r>
-            <a:r>
-              <a:rPr lang="zh-CN" altLang="en-US" dirty="0"/>
-              <a:t>）相似而得名。在这种图中，节点呈垂直排布在一个切片中，每个切片中节点跟前一个切片和后一个切片中的至少一个节点连接。</a:t>
-            </a:r>
-            <a:endParaRPr lang="en-US" altLang="zh-CN" dirty="0"/>
-          </a:p>
-          <a:p>
-            <a:pPr marL="0" indent="0">
+            <a:endParaRPr lang="en-US" altLang="zh-CN" sz="6400" dirty="0"/>
+          </a:p>
+          <a:p>
+            <a:pPr marL="0" indent="0" algn="ctr">
+              <a:lnSpc>
+                <a:spcPct val="170000"/>
+              </a:lnSpc>
               <a:buNone/>
             </a:pPr>
             <a:r>
-              <a:rPr lang="en-US" altLang="zh-CN" dirty="0"/>
+              <a:rPr lang="zh-CN" altLang="en-US" sz="6400" dirty="0"/>
+              <a:t>图</a:t>
+            </a:r>
+            <a:r>
+              <a:rPr lang="en-US" altLang="zh-CN" sz="6400" dirty="0"/>
+              <a:t>-1 </a:t>
+            </a:r>
+            <a:r>
+              <a:rPr lang="zh-CN" altLang="en-US" sz="6400" dirty="0"/>
+              <a:t>前面的框代表的是目标损失，后面的框代表的是串接损失</a:t>
+            </a:r>
+            <a:endParaRPr lang="en-US" altLang="zh-CN" sz="6400" dirty="0"/>
+          </a:p>
+          <a:p>
+            <a:pPr marL="0" indent="0">
+              <a:lnSpc>
+                <a:spcPct val="170000"/>
+              </a:lnSpc>
+              <a:buNone/>
+            </a:pPr>
+            <a:r>
+              <a:rPr lang="zh-CN" altLang="en-US" sz="6400" dirty="0"/>
+              <a:t>       上图为一个格</a:t>
+            </a:r>
+            <a:r>
+              <a:rPr lang="en-US" altLang="zh-CN" sz="6400" dirty="0"/>
+              <a:t>(trellis)</a:t>
+            </a:r>
+            <a:r>
+              <a:rPr lang="zh-CN" altLang="en-US" sz="6400" dirty="0"/>
+              <a:t>，它是一种图</a:t>
+            </a:r>
+            <a:r>
+              <a:rPr lang="en-US" altLang="zh-CN" sz="6400" dirty="0"/>
+              <a:t>(graph)</a:t>
+            </a:r>
+            <a:r>
+              <a:rPr lang="zh-CN" altLang="en-US" sz="6400" dirty="0"/>
+              <a:t>，该图常用在通信和加密理论中用以表征编码器和解码器。该图因与建筑上的格结构（</a:t>
+            </a:r>
+            <a:r>
+              <a:rPr lang="en-US" altLang="zh-CN" sz="6400" dirty="0"/>
+              <a:t>treillage</a:t>
+            </a:r>
+            <a:r>
+              <a:rPr lang="zh-CN" altLang="en-US" sz="6400" dirty="0"/>
+              <a:t>）相似而得名。在这种图中，节点呈垂直排布在一个切片中，每个切片中节点跟前一个切片和后一个切片中的至少一个节点连接。</a:t>
+            </a:r>
+            <a:endParaRPr lang="en-US" altLang="zh-CN" sz="6400" dirty="0"/>
+          </a:p>
+          <a:p>
+            <a:pPr marL="0" indent="0">
+              <a:lnSpc>
+                <a:spcPct val="170000"/>
+              </a:lnSpc>
+              <a:buNone/>
+            </a:pPr>
+            <a:r>
+              <a:rPr lang="en-US" altLang="zh-CN" sz="6400" dirty="0"/>
               <a:t>       </a:t>
             </a:r>
             <a:r>
-              <a:rPr lang="zh-CN" altLang="en-US" dirty="0"/>
+              <a:rPr lang="zh-CN" altLang="en-US" sz="6400" dirty="0"/>
               <a:t>该优选过程可以用</a:t>
             </a:r>
             <a:r>
-              <a:rPr lang="en-US" altLang="zh-CN" dirty="0"/>
+              <a:rPr lang="en-US" altLang="zh-CN" sz="6400" dirty="0"/>
               <a:t>Viterbi</a:t>
             </a:r>
             <a:r>
-              <a:rPr lang="zh-CN" altLang="en-US" dirty="0"/>
+              <a:rPr lang="zh-CN" altLang="en-US" sz="6400" dirty="0"/>
               <a:t>算法实现，用集束搜索（</a:t>
             </a:r>
             <a:r>
-              <a:rPr lang="en-US" altLang="zh-CN" dirty="0"/>
+              <a:rPr lang="en-US" altLang="zh-CN" sz="6400" dirty="0"/>
               <a:t>beam search</a:t>
             </a:r>
             <a:r>
-              <a:rPr lang="zh-CN" altLang="en-US" dirty="0"/>
+              <a:rPr lang="zh-CN" altLang="en-US" sz="6400" dirty="0"/>
               <a:t>）加速该实现过程。</a:t>
             </a:r>
-            <a:endParaRPr lang="en-US" altLang="zh-CN" dirty="0"/>
+            <a:endParaRPr lang="en-US" altLang="zh-CN" sz="6400" dirty="0"/>
           </a:p>
           <a:p>
             <a:pPr marL="0" indent="0">
@@ -8196,7 +8887,7 @@
         </p:blipFill>
         <p:spPr>
           <a:xfrm>
-            <a:off x="5290515" y="322446"/>
+            <a:off x="5018136" y="279134"/>
             <a:ext cx="243504" cy="246119"/>
           </a:xfrm>
           <a:prstGeom prst="rect">
@@ -8332,53 +9023,10 @@
       </p:grpSpPr>
       <p:sp>
         <p:nvSpPr>
-          <p:cNvPr id="2" name="标题 1">
-            <a:extLst>
-              <a:ext uri="{FF2B5EF4-FFF2-40B4-BE49-F238E27FC236}">
-                <a16:creationId xmlns:a16="http://schemas.microsoft.com/office/drawing/2014/main" id="{F6F00ED9-4202-4B3C-B202-915B1C479254}"/>
-              </a:ext>
-            </a:extLst>
-          </p:cNvPr>
-          <p:cNvSpPr>
-            <a:spLocks noGrp="1"/>
-          </p:cNvSpPr>
-          <p:nvPr>
-            <p:ph type="title"/>
-          </p:nvPr>
-        </p:nvSpPr>
-        <p:spPr>
-          <a:xfrm>
-            <a:off x="404261" y="295736"/>
-            <a:ext cx="11251933" cy="474285"/>
-          </a:xfrm>
-        </p:spPr>
-        <p:txBody>
-          <a:bodyPr>
-            <a:normAutofit fontScale="90000"/>
-          </a:bodyPr>
-          <a:lstStyle/>
-          <a:p>
-            <a:r>
-              <a:rPr lang="zh-CN" altLang="en-US" dirty="0"/>
-              <a:t>图、</a:t>
-            </a:r>
-            <a:r>
-              <a:rPr lang="en-US" altLang="zh-CN" dirty="0"/>
-              <a:t>Viterbi</a:t>
-            </a:r>
-            <a:r>
-              <a:rPr lang="zh-CN" altLang="en-US" dirty="0"/>
-              <a:t>算法和集束搜索</a:t>
-            </a:r>
-          </a:p>
-        </p:txBody>
-      </p:sp>
-      <p:sp>
-        <p:nvSpPr>
           <p:cNvPr id="3" name="内容占位符 2">
             <a:extLst>
               <a:ext uri="{FF2B5EF4-FFF2-40B4-BE49-F238E27FC236}">
-                <a16:creationId xmlns:a16="http://schemas.microsoft.com/office/drawing/2014/main" id="{BABCF17C-4B79-496E-B424-C929BA960345}"/>
+                <a16:creationId xmlns:a16="http://schemas.microsoft.com/office/drawing/2014/main" id="{CE4DAE48-0EE6-4BD7-B8A5-92DE86406104}"/>
               </a:ext>
             </a:extLst>
           </p:cNvPr>
@@ -8391,42 +9039,55 @@
         </p:nvSpPr>
         <p:spPr>
           <a:xfrm>
-            <a:off x="404261" y="1039528"/>
-            <a:ext cx="11251933" cy="5553777"/>
+            <a:off x="452387" y="279134"/>
+            <a:ext cx="11213432" cy="6256420"/>
           </a:xfrm>
         </p:spPr>
         <p:txBody>
-          <a:bodyPr/>
+          <a:bodyPr>
+            <a:normAutofit/>
+          </a:bodyPr>
           <a:lstStyle/>
           <a:p>
             <a:r>
+              <a:rPr lang="en-US" altLang="zh-CN" dirty="0"/>
+              <a:t>Viterbi</a:t>
+            </a:r>
+            <a:r>
               <a:rPr lang="zh-CN" altLang="en-US" dirty="0"/>
-              <a:t>图是一类数学结构，它相当于某些相互（某种意义上）关联的对象的集合。</a:t>
+              <a:t>算法：一种动态编程算法，用以获得最大后验概率近似值（</a:t>
+            </a:r>
+            <a:r>
+              <a:rPr lang="it-IT" altLang="zh-CN" dirty="0"/>
+              <a:t>maximum a posteriori probability estimate</a:t>
+            </a:r>
+            <a:r>
+              <a:rPr lang="zh-CN" altLang="en-US" dirty="0"/>
+              <a:t>）</a:t>
             </a:r>
             <a:endParaRPr lang="en-US" altLang="zh-CN" dirty="0"/>
           </a:p>
           <a:p>
             <a:r>
+              <a:rPr lang="en-US" altLang="zh-CN" dirty="0"/>
+              <a:t>Estimation</a:t>
+            </a:r>
+            <a:r>
               <a:rPr lang="zh-CN" altLang="en-US" dirty="0"/>
-              <a:t>形式化定义：</a:t>
-            </a:r>
-            <a:r>
-              <a:rPr lang="en-US" altLang="zh-CN" dirty="0"/>
-              <a:t>G=(V, E)</a:t>
-            </a:r>
-          </a:p>
-          <a:p>
+              <a:t>：获得近似值的过程</a:t>
+            </a:r>
+            <a:endParaRPr lang="en-US" altLang="zh-CN" dirty="0"/>
+          </a:p>
+          <a:p>
+            <a:endParaRPr lang="en-US" altLang="zh-CN" dirty="0"/>
+          </a:p>
+          <a:p>
+            <a:pPr marL="0" indent="0" algn="ctr">
+              <a:buNone/>
+            </a:pPr>
             <a:r>
               <a:rPr lang="zh-CN" altLang="en-US" dirty="0"/>
-              <a:t>启发式</a:t>
-            </a:r>
-            <a:r>
-              <a:rPr lang="en-US" altLang="zh-CN" dirty="0"/>
-              <a:t>(Heuristic)</a:t>
-            </a:r>
-            <a:r>
-              <a:rPr lang="zh-CN" altLang="en-US" dirty="0"/>
-              <a:t>算法：是一种问题求解的技术，用以找到快速有效的解。这类算法常常在一定时间内输出令人满意的解，但是仅仅偶尔产出最优解。</a:t>
+              <a:t>    </a:t>
             </a:r>
           </a:p>
         </p:txBody>
@@ -8434,7 +9095,7 @@
     </p:spTree>
     <p:extLst>
       <p:ext uri="{BB962C8B-B14F-4D97-AF65-F5344CB8AC3E}">
-        <p14:creationId xmlns:p14="http://schemas.microsoft.com/office/powerpoint/2010/main" val="3867425759"/>
+        <p14:creationId xmlns:p14="http://schemas.microsoft.com/office/powerpoint/2010/main" val="2955519101"/>
       </p:ext>
     </p:extLst>
   </p:cSld>
@@ -8445,6 +9106,305 @@
 </file>
 
 <file path=ppt/slides/slide8.xml><?xml version="1.0" encoding="utf-8"?>
+<p:sld xmlns:a="http://schemas.openxmlformats.org/drawingml/2006/main" xmlns:r="http://schemas.openxmlformats.org/officeDocument/2006/relationships" xmlns:p="http://schemas.openxmlformats.org/presentationml/2006/main">
+  <p:cSld>
+    <p:spTree>
+      <p:nvGrpSpPr>
+        <p:cNvPr id="1" name=""/>
+        <p:cNvGrpSpPr/>
+        <p:nvPr/>
+      </p:nvGrpSpPr>
+      <p:grpSpPr>
+        <a:xfrm>
+          <a:off x="0" y="0"/>
+          <a:ext cx="0" cy="0"/>
+          <a:chOff x="0" y="0"/>
+          <a:chExt cx="0" cy="0"/>
+        </a:xfrm>
+      </p:grpSpPr>
+      <mc:AlternateContent xmlns:mc="http://schemas.openxmlformats.org/markup-compatibility/2006">
+        <mc:Choice xmlns:a14="http://schemas.microsoft.com/office/drawing/2010/main" Requires="a14">
+          <p:sp>
+            <p:nvSpPr>
+              <p:cNvPr id="3" name="内容占位符 2">
+                <a:extLst>
+                  <a:ext uri="{FF2B5EF4-FFF2-40B4-BE49-F238E27FC236}">
+                    <a16:creationId xmlns:a16="http://schemas.microsoft.com/office/drawing/2014/main" id="{CE4DAE48-0EE6-4BD7-B8A5-92DE86406104}"/>
+                  </a:ext>
+                </a:extLst>
+              </p:cNvPr>
+              <p:cNvSpPr>
+                <a:spLocks noGrp="1"/>
+              </p:cNvSpPr>
+              <p:nvPr>
+                <p:ph idx="1"/>
+              </p:nvPr>
+            </p:nvSpPr>
+            <p:spPr>
+              <a:xfrm>
+                <a:off x="452387" y="279134"/>
+                <a:ext cx="11213432" cy="6256420"/>
+              </a:xfrm>
+            </p:spPr>
+            <p:txBody>
+              <a:bodyPr>
+                <a:normAutofit fontScale="92500"/>
+              </a:bodyPr>
+              <a:lstStyle/>
+              <a:p>
+                <a:r>
+                  <a:rPr lang="zh-CN" altLang="en-US" sz="2000" b="1" dirty="0"/>
+                  <a:t>概率</a:t>
+                </a:r>
+                <a:r>
+                  <a:rPr lang="zh-CN" altLang="en-US" sz="2000" dirty="0"/>
+                  <a:t>：完全的随机意味着完全的不可预测性（那么我们实际上也无法构造出一个函数去描述这个函数），这实际上留下了一个问题：如果我们可以给某个完全随机的函数的输出分类的话，这种类是否是有穷的？也就是说，一个可数无限集合的子集是否也是可数无限的？答案是是的（</a:t>
+                </a:r>
+                <a:r>
+                  <a:rPr lang="zh-CN" altLang="en-US" sz="2000" dirty="0">
+                    <a:solidFill>
+                      <a:schemeClr val="accent3">
+                        <a:lumMod val="50000"/>
+                      </a:schemeClr>
+                    </a:solidFill>
+                  </a:rPr>
+                  <a:t>证明？</a:t>
+                </a:r>
+                <a:r>
+                  <a:rPr lang="zh-CN" altLang="en-US" sz="2000" dirty="0"/>
+                  <a:t>）。这带来一个重大的后果：输出类型的不可穷尽性。因此，只要某种随机性不是完全的，其输出类型就是可穷尽的，也就是说，就会给我们留下这样一个问题：为什么输出类型是集合</a:t>
+                </a:r>
+                <a:r>
+                  <a:rPr lang="en-US" altLang="zh-CN" sz="2000" dirty="0"/>
+                  <a:t>A</a:t>
+                </a:r>
+                <a:r>
+                  <a:rPr lang="zh-CN" altLang="en-US" sz="2000" dirty="0"/>
+                  <a:t>不是集合</a:t>
+                </a:r>
+                <a:r>
+                  <a:rPr lang="en-US" altLang="zh-CN" sz="2000" dirty="0"/>
+                  <a:t>B</a:t>
+                </a:r>
+                <a:r>
+                  <a:rPr lang="zh-CN" altLang="en-US" sz="2000" dirty="0"/>
+                  <a:t>？这意味着，这种不完全的随机性之外是存在规则的。反之，一旦某种随机性是完全的，这意味着我们无法穷举到底输出包含多少种类型，也就是说，这个完全的随机函数是不可求的，因为很有可能所有的结果（如果我们假设它存在）与手头数据的类型这两个集合的差中恰好包含一个例子，使得</a:t>
+                </a:r>
+                <a14:m>
+                  <m:oMath xmlns:m="http://schemas.openxmlformats.org/officeDocument/2006/math">
+                    <m:r>
+                      <a:rPr lang="zh-CN" altLang="en-US" sz="2000" i="1" smtClean="0">
+                        <a:latin typeface="Cambria Math" panose="02040503050406030204" pitchFamily="18" charset="0"/>
+                      </a:rPr>
+                      <m:t>𝛿</m:t>
+                    </m:r>
+                    <m:d>
+                      <m:dPr>
+                        <m:ctrlPr>
+                          <a:rPr lang="en-US" altLang="zh-CN" sz="2000" i="1" smtClean="0">
+                            <a:latin typeface="Cambria Math" panose="02040503050406030204" pitchFamily="18" charset="0"/>
+                          </a:rPr>
+                        </m:ctrlPr>
+                      </m:dPr>
+                      <m:e>
+                        <m:r>
+                          <a:rPr lang="zh-CN" altLang="en-US" sz="2000" i="1">
+                            <a:latin typeface="Cambria Math" panose="02040503050406030204" pitchFamily="18" charset="0"/>
+                          </a:rPr>
+                          <m:t>ｃ</m:t>
+                        </m:r>
+                      </m:e>
+                    </m:d>
+                    <m:r>
+                      <a:rPr lang="zh-CN" altLang="en-US" sz="2000" i="1" smtClean="0">
+                        <a:latin typeface="Cambria Math" panose="02040503050406030204" pitchFamily="18" charset="0"/>
+                      </a:rPr>
+                      <m:t>=</m:t>
+                    </m:r>
+                    <m:r>
+                      <a:rPr lang="zh-CN" altLang="en-US" sz="2000" i="1">
+                        <a:latin typeface="Cambria Math" panose="02040503050406030204" pitchFamily="18" charset="0"/>
+                      </a:rPr>
+                      <m:t>ａ</m:t>
+                    </m:r>
+                    <m:r>
+                      <a:rPr lang="zh-CN" altLang="en-US" sz="2000" i="1" smtClean="0">
+                        <a:latin typeface="Cambria Math" panose="02040503050406030204" pitchFamily="18" charset="0"/>
+                      </a:rPr>
+                      <m:t>而</m:t>
+                    </m:r>
+                  </m:oMath>
+                </a14:m>
+                <a:r>
+                  <a:rPr lang="zh-CN" altLang="en-US" sz="2000" dirty="0"/>
+                  <a:t>在手头的数据中</a:t>
+                </a:r>
+                <a14:m>
+                  <m:oMath xmlns:m="http://schemas.openxmlformats.org/officeDocument/2006/math">
+                    <m:r>
+                      <a:rPr lang="zh-CN" altLang="en-US" sz="2000" i="1" smtClean="0">
+                        <a:latin typeface="Cambria Math" panose="02040503050406030204" pitchFamily="18" charset="0"/>
+                      </a:rPr>
+                      <m:t>𝛿</m:t>
+                    </m:r>
+                    <m:d>
+                      <m:dPr>
+                        <m:ctrlPr>
+                          <a:rPr lang="en-US" altLang="zh-CN" sz="2000" i="1" smtClean="0">
+                            <a:latin typeface="Cambria Math" panose="02040503050406030204" pitchFamily="18" charset="0"/>
+                          </a:rPr>
+                        </m:ctrlPr>
+                      </m:dPr>
+                      <m:e>
+                        <m:r>
+                          <a:rPr lang="zh-CN" altLang="en-US" sz="2000" i="1">
+                            <a:latin typeface="Cambria Math" panose="02040503050406030204" pitchFamily="18" charset="0"/>
+                          </a:rPr>
+                          <m:t>ｃ</m:t>
+                        </m:r>
+                      </m:e>
+                    </m:d>
+                    <m:r>
+                      <a:rPr lang="en-US" altLang="zh-CN" sz="2000" i="1" smtClean="0">
+                        <a:latin typeface="Cambria Math" panose="02040503050406030204" pitchFamily="18" charset="0"/>
+                        <a:ea typeface="Cambria Math" panose="02040503050406030204" pitchFamily="18" charset="0"/>
+                      </a:rPr>
+                      <m:t>=¬</m:t>
+                    </m:r>
+                    <m:r>
+                      <a:rPr lang="zh-CN" altLang="en-US" sz="2000" i="1">
+                        <a:latin typeface="Cambria Math" panose="02040503050406030204" pitchFamily="18" charset="0"/>
+                        <a:ea typeface="Cambria Math" panose="02040503050406030204" pitchFamily="18" charset="0"/>
+                      </a:rPr>
+                      <m:t>ａ</m:t>
+                    </m:r>
+                    <m:r>
+                      <a:rPr lang="zh-CN" altLang="en-US" sz="2000" i="1" smtClean="0">
+                        <a:latin typeface="Cambria Math" panose="02040503050406030204" pitchFamily="18" charset="0"/>
+                        <a:ea typeface="Cambria Math" panose="02040503050406030204" pitchFamily="18" charset="0"/>
+                      </a:rPr>
+                      <m:t>，</m:t>
+                    </m:r>
+                  </m:oMath>
+                </a14:m>
+                <a:r>
+                  <a:rPr lang="zh-CN" altLang="en-US" sz="2000" dirty="0"/>
+                  <a:t>那么显然这两个</a:t>
+                </a:r>
+                <a:r>
+                  <a:rPr lang="en-US" altLang="zh-CN" sz="2000" dirty="0"/>
+                  <a:t>δ</a:t>
+                </a:r>
+                <a:r>
+                  <a:rPr lang="zh-CN" altLang="en-US" sz="2000" dirty="0"/>
+                  <a:t>是截然不同的两个函数。而在条件概率中，这意味着我们手头的数据中可能存在丢失却没法找到的变量，因此，只要是可以函数化的概率映射，就是不完全的随机函数。因此，规则才应是最终我们要寻找的终级目标。</a:t>
+                </a:r>
+                <a:endParaRPr lang="en-US" altLang="zh-CN" sz="2000" dirty="0"/>
+              </a:p>
+              <a:p>
+                <a:r>
+                  <a:rPr lang="zh-CN" altLang="en-US" sz="2000" dirty="0"/>
+                  <a:t>经验主义者多笃信概率论，按照经验主义的路径，这是符合语言的创造性的。同时这也必然导致，他们认为语法是基于用法的，否则一个这样的理论将无法解释为什么有的字符串不可接受的问题。</a:t>
+                </a:r>
+                <a:endParaRPr lang="en-US" altLang="zh-CN" sz="2000" dirty="0"/>
+              </a:p>
+              <a:p>
+                <a:pPr marL="0" indent="0">
+                  <a:buNone/>
+                </a:pPr>
+                <a:endParaRPr lang="en-US" altLang="zh-CN" sz="2000" dirty="0"/>
+              </a:p>
+              <a:p>
+                <a:r>
+                  <a:rPr lang="zh-CN" altLang="en-US" sz="2000" dirty="0"/>
+                  <a:t>而如果可以枚举完，这就意味着这种随机的非随机性，而这种非随机性最终还是要依靠规则来解决，也就是</a:t>
+                </a:r>
+                <a:r>
+                  <a:rPr lang="en-US" altLang="zh-CN" sz="2000" dirty="0"/>
+                  <a:t>——</a:t>
+                </a:r>
+                <a:r>
+                  <a:rPr lang="zh-CN" altLang="en-US" sz="2000" dirty="0"/>
+                  <a:t>为什么所有可能的输出的集合是</a:t>
+                </a:r>
+                <a:r>
+                  <a:rPr lang="en-US" altLang="zh-CN" sz="2000" dirty="0"/>
+                  <a:t>A</a:t>
+                </a:r>
+                <a:r>
+                  <a:rPr lang="zh-CN" altLang="en-US" sz="2000" dirty="0"/>
+                  <a:t>而不是</a:t>
+                </a:r>
+                <a:r>
+                  <a:rPr lang="en-US" altLang="zh-CN" sz="2000" dirty="0"/>
+                  <a:t>B</a:t>
+                </a:r>
+                <a:r>
+                  <a:rPr lang="zh-CN" altLang="en-US" sz="2000" dirty="0"/>
+                  <a:t>。</a:t>
+                </a:r>
+              </a:p>
+            </p:txBody>
+          </p:sp>
+        </mc:Choice>
+        <mc:Fallback>
+          <p:sp>
+            <p:nvSpPr>
+              <p:cNvPr id="3" name="内容占位符 2">
+                <a:extLst>
+                  <a:ext uri="{FF2B5EF4-FFF2-40B4-BE49-F238E27FC236}">
+                    <a16:creationId xmlns:a16="http://schemas.microsoft.com/office/drawing/2014/main" id="{CE4DAE48-0EE6-4BD7-B8A5-92DE86406104}"/>
+                  </a:ext>
+                </a:extLst>
+              </p:cNvPr>
+              <p:cNvSpPr>
+                <a:spLocks noGrp="1" noRot="1" noChangeAspect="1" noMove="1" noResize="1" noEditPoints="1" noAdjustHandles="1" noChangeArrowheads="1" noChangeShapeType="1" noTextEdit="1"/>
+              </p:cNvSpPr>
+              <p:nvPr>
+                <p:ph idx="1"/>
+              </p:nvPr>
+            </p:nvSpPr>
+            <p:spPr>
+              <a:xfrm>
+                <a:off x="452387" y="279134"/>
+                <a:ext cx="11213432" cy="6256420"/>
+              </a:xfrm>
+              <a:blipFill>
+                <a:blip r:embed="rId2"/>
+                <a:stretch>
+                  <a:fillRect l="-380" t="-487" r="-489"/>
+                </a:stretch>
+              </a:blipFill>
+            </p:spPr>
+            <p:txBody>
+              <a:bodyPr/>
+              <a:lstStyle/>
+              <a:p>
+                <a:r>
+                  <a:rPr lang="zh-CN" altLang="en-US">
+                    <a:noFill/>
+                  </a:rPr>
+                  <a:t> </a:t>
+                </a:r>
+              </a:p>
+            </p:txBody>
+          </p:sp>
+        </mc:Fallback>
+      </mc:AlternateContent>
+    </p:spTree>
+    <p:extLst>
+      <p:ext uri="{BB962C8B-B14F-4D97-AF65-F5344CB8AC3E}">
+        <p14:creationId xmlns:p14="http://schemas.microsoft.com/office/powerpoint/2010/main" val="4254578451"/>
+      </p:ext>
+    </p:extLst>
+  </p:cSld>
+  <p:clrMapOvr>
+    <a:masterClrMapping/>
+  </p:clrMapOvr>
+</p:sld>
+</file>
+
+<file path=ppt/slides/slide9.xml><?xml version="1.0" encoding="utf-8"?>
 <p:sld xmlns:a="http://schemas.openxmlformats.org/drawingml/2006/main" xmlns:r="http://schemas.openxmlformats.org/officeDocument/2006/relationships" xmlns:p="http://schemas.openxmlformats.org/presentationml/2006/main">
   <p:cSld>
     <p:spTree>
@@ -8491,7 +9451,15 @@
           <a:p>
             <a:r>
               <a:rPr lang="zh-CN" altLang="en-US" dirty="0"/>
-              <a:t>定义（哲学）</a:t>
+              <a:t>图、</a:t>
+            </a:r>
+            <a:r>
+              <a:rPr lang="en-US" altLang="zh-CN" dirty="0"/>
+              <a:t>Viterbi</a:t>
+            </a:r>
+            <a:r>
+              <a:rPr lang="zh-CN" altLang="en-US" dirty="0"/>
+              <a:t>算法和集束搜索</a:t>
             </a:r>
           </a:p>
         </p:txBody>
@@ -8519,559 +9487,45 @@
           </a:xfrm>
         </p:spPr>
         <p:txBody>
-          <a:bodyPr>
-            <a:normAutofit/>
-          </a:bodyPr>
+          <a:bodyPr/>
           <a:lstStyle/>
           <a:p>
             <a:r>
               <a:rPr lang="zh-CN" altLang="en-US" dirty="0"/>
-              <a:t>定义的类型：</a:t>
+              <a:t>图是一类数学结构，它相当于某些相互（某种意义上）关联的对象的集合。</a:t>
             </a:r>
             <a:endParaRPr lang="en-US" altLang="zh-CN" dirty="0"/>
           </a:p>
           <a:p>
-            <a:pPr lvl="1"/>
+            <a:r>
+              <a:rPr lang="zh-CN" altLang="en-US" dirty="0"/>
+              <a:t>形式化定义：</a:t>
+            </a:r>
             <a:r>
               <a:rPr lang="en-US" altLang="zh-CN" dirty="0"/>
-              <a:t>1. </a:t>
-            </a:r>
+              <a:t>G=(V, E)</a:t>
+            </a:r>
+          </a:p>
+          <a:p>
             <a:r>
               <a:rPr lang="zh-CN" altLang="en-US" dirty="0"/>
-              <a:t>外延定义：某物属于特定集合的充要条件。</a:t>
-            </a:r>
-            <a:endParaRPr lang="en-US" altLang="zh-CN" dirty="0"/>
-          </a:p>
-          <a:p>
-            <a:pPr lvl="2"/>
+              <a:t>启发式</a:t>
+            </a:r>
+            <a:r>
+              <a:rPr lang="en-US" altLang="zh-CN" dirty="0"/>
+              <a:t>(Heuristic)</a:t>
+            </a:r>
             <a:r>
               <a:rPr lang="zh-CN" altLang="en-US" dirty="0"/>
-              <a:t>内涵定义：属于某个特定集合的对象的列表。</a:t>
-            </a:r>
-            <a:endParaRPr lang="en-US" altLang="zh-CN" dirty="0"/>
-          </a:p>
-          <a:p>
-            <a:pPr lvl="1"/>
-            <a:r>
-              <a:rPr lang="en-US" altLang="zh-CN" dirty="0"/>
-              <a:t>2. </a:t>
-            </a:r>
-            <a:r>
-              <a:rPr lang="zh-CN" altLang="en-US" dirty="0"/>
-              <a:t>实指定义：词指代的人事物的定义</a:t>
-            </a:r>
-            <a:endParaRPr lang="en-US" altLang="zh-CN" dirty="0"/>
-          </a:p>
-          <a:p>
-            <a:pPr lvl="2"/>
-            <a:r>
-              <a:rPr lang="en-US" altLang="zh-CN" dirty="0"/>
-              <a:t>Nominal definition</a:t>
-            </a:r>
-            <a:r>
-              <a:rPr lang="zh-CN" altLang="en-US" dirty="0"/>
-              <a:t>：词的定义</a:t>
-            </a:r>
-            <a:endParaRPr lang="en-US" altLang="zh-CN" dirty="0"/>
-          </a:p>
-          <a:p>
-            <a:pPr lvl="1"/>
-            <a:r>
-              <a:rPr lang="en-US" altLang="zh-CN" dirty="0"/>
-              <a:t>3. </a:t>
-            </a:r>
-            <a:r>
-              <a:rPr lang="zh-CN" altLang="en-US" dirty="0"/>
-              <a:t>递归</a:t>
-            </a:r>
-            <a:r>
-              <a:rPr lang="en-US" altLang="zh-CN" dirty="0"/>
-              <a:t>/</a:t>
-            </a:r>
-            <a:r>
-              <a:rPr lang="zh-CN" altLang="en-US" dirty="0"/>
-              <a:t>归纳定义：用集合中的某些元素定义除了这些元素之外的元素。</a:t>
-            </a:r>
-            <a:endParaRPr lang="en-US" altLang="zh-CN" dirty="0"/>
-          </a:p>
-          <a:p>
-            <a:pPr lvl="2"/>
-            <a:r>
-              <a:rPr lang="zh-CN" altLang="en-US" dirty="0"/>
-              <a:t>操作定义：用以表征概念（</a:t>
-            </a:r>
-            <a:r>
-              <a:rPr lang="en-US" altLang="zh-CN" dirty="0"/>
-              <a:t>construct</a:t>
-            </a:r>
-            <a:r>
-              <a:rPr lang="zh-CN" altLang="en-US" dirty="0"/>
-              <a:t>）的某种确切的可重复的程序。</a:t>
-            </a:r>
-            <a:endParaRPr lang="en-US" altLang="zh-CN" dirty="0"/>
-          </a:p>
-          <a:p>
-            <a:pPr lvl="2"/>
-            <a:r>
-              <a:rPr lang="zh-CN" altLang="en-US" dirty="0"/>
-              <a:t>理论定义</a:t>
-            </a:r>
-            <a:r>
-              <a:rPr lang="zh-CN" altLang="en-US" dirty="0">
-                <a:sym typeface="Wingdings" panose="05000000000000000000" pitchFamily="2" charset="2"/>
-              </a:rPr>
-              <a:t>：科学假设。</a:t>
-            </a:r>
-            <a:endParaRPr lang="en-US" altLang="zh-CN" dirty="0"/>
-          </a:p>
-          <a:p>
-            <a:pPr lvl="1"/>
-            <a:r>
-              <a:rPr lang="en-US" altLang="zh-CN" dirty="0"/>
-              <a:t>4. </a:t>
-            </a:r>
-            <a:r>
-              <a:rPr lang="zh-CN" altLang="en-US" dirty="0"/>
-              <a:t>规定定义（</a:t>
-            </a:r>
-            <a:r>
-              <a:rPr lang="en-US" altLang="zh-CN" dirty="0"/>
-              <a:t>stipulative definition</a:t>
-            </a:r>
-            <a:r>
-              <a:rPr lang="zh-CN" altLang="en-US" dirty="0"/>
-              <a:t>）：给已有定义的术语赋的新值。</a:t>
-            </a:r>
-            <a:endParaRPr lang="en-US" altLang="zh-CN" dirty="0"/>
-          </a:p>
-          <a:p>
-            <a:pPr lvl="2"/>
-            <a:r>
-              <a:rPr lang="zh-CN" altLang="en-US" dirty="0"/>
-              <a:t>描写定义：给术语赋值使之适配已有的用法。</a:t>
-            </a:r>
-            <a:endParaRPr lang="en-US" altLang="zh-CN" dirty="0"/>
-          </a:p>
-          <a:p>
-            <a:pPr lvl="2"/>
-            <a:r>
-              <a:rPr lang="zh-CN" altLang="en-US" dirty="0"/>
-              <a:t>解读定义（</a:t>
-            </a:r>
-            <a:r>
-              <a:rPr lang="en-US" altLang="zh-CN" dirty="0"/>
-              <a:t>explicative definition</a:t>
-            </a:r>
-            <a:r>
-              <a:rPr lang="zh-CN" altLang="en-US" dirty="0"/>
-              <a:t>）：某个术语的核心用法。</a:t>
-            </a:r>
-            <a:endParaRPr lang="en-US" altLang="zh-CN" dirty="0"/>
-          </a:p>
-          <a:p>
-            <a:pPr lvl="2"/>
-            <a:r>
-              <a:rPr lang="zh-CN" altLang="en-US" dirty="0"/>
-              <a:t>例证定义（</a:t>
-            </a:r>
-            <a:r>
-              <a:rPr lang="en-US" altLang="zh-CN" b="0" i="0" dirty="0">
-                <a:solidFill>
-                  <a:srgbClr val="000000"/>
-                </a:solidFill>
-                <a:effectLst/>
-                <a:latin typeface="Linux Libertine"/>
-              </a:rPr>
-              <a:t>Ostensive definition</a:t>
-            </a:r>
-            <a:r>
-              <a:rPr lang="zh-CN" altLang="en-US" dirty="0"/>
-              <a:t>）：通过举例揭示意义。</a:t>
-            </a:r>
-            <a:endParaRPr lang="en-US" altLang="zh-CN" dirty="0"/>
-          </a:p>
-          <a:p>
-            <a:pPr lvl="1"/>
-            <a:r>
-              <a:rPr lang="en-US" altLang="zh-CN" dirty="0"/>
-              <a:t>5. </a:t>
-            </a:r>
-            <a:r>
-              <a:rPr lang="zh-CN" altLang="en-US" dirty="0"/>
-              <a:t>循环定义：与循环论证有关。</a:t>
-            </a:r>
-            <a:endParaRPr lang="en-US" altLang="zh-CN" dirty="0"/>
+              <a:t>算法：是一种问题求解的技术，用以找到快速有效的解。这类算法常常在一定时间内输出令人满意的解，但是仅仅偶尔产出最优解。</a:t>
+            </a:r>
           </a:p>
         </p:txBody>
       </p:sp>
     </p:spTree>
     <p:extLst>
       <p:ext uri="{BB962C8B-B14F-4D97-AF65-F5344CB8AC3E}">
-        <p14:creationId xmlns:p14="http://schemas.microsoft.com/office/powerpoint/2010/main" val="1581984823"/>
-      </p:ext>
-    </p:extLst>
-  </p:cSld>
-  <p:clrMapOvr>
-    <a:masterClrMapping/>
-  </p:clrMapOvr>
-</p:sld>
-</file>
-
-<file path=ppt/slides/slide9.xml><?xml version="1.0" encoding="utf-8"?>
-<p:sld xmlns:a="http://schemas.openxmlformats.org/drawingml/2006/main" xmlns:r="http://schemas.openxmlformats.org/officeDocument/2006/relationships" xmlns:p="http://schemas.openxmlformats.org/presentationml/2006/main">
-  <p:cSld>
-    <p:spTree>
-      <p:nvGrpSpPr>
-        <p:cNvPr id="1" name=""/>
-        <p:cNvGrpSpPr/>
-        <p:nvPr/>
-      </p:nvGrpSpPr>
-      <p:grpSpPr>
-        <a:xfrm>
-          <a:off x="0" y="0"/>
-          <a:ext cx="0" cy="0"/>
-          <a:chOff x="0" y="0"/>
-          <a:chExt cx="0" cy="0"/>
-        </a:xfrm>
-      </p:grpSpPr>
-      <p:sp>
-        <p:nvSpPr>
-          <p:cNvPr id="2" name="标题 1">
-            <a:extLst>
-              <a:ext uri="{FF2B5EF4-FFF2-40B4-BE49-F238E27FC236}">
-                <a16:creationId xmlns:a16="http://schemas.microsoft.com/office/drawing/2014/main" id="{7F4D7448-137C-4C90-AE09-322931156528}"/>
-              </a:ext>
-            </a:extLst>
-          </p:cNvPr>
-          <p:cNvSpPr>
-            <a:spLocks noGrp="1"/>
-          </p:cNvSpPr>
-          <p:nvPr>
-            <p:ph type="title"/>
-          </p:nvPr>
-        </p:nvSpPr>
-        <p:spPr>
-          <a:xfrm>
-            <a:off x="2231136" y="348242"/>
-            <a:ext cx="7729728" cy="1188720"/>
-          </a:xfrm>
-        </p:spPr>
-        <p:txBody>
-          <a:bodyPr/>
-          <a:lstStyle/>
-          <a:p>
-            <a:r>
-              <a:rPr lang="zh-CN" altLang="en-US" dirty="0"/>
-              <a:t>连续统假设</a:t>
-            </a:r>
-          </a:p>
-        </p:txBody>
-      </p:sp>
-      <mc:AlternateContent xmlns:mc="http://schemas.openxmlformats.org/markup-compatibility/2006" xmlns:a14="http://schemas.microsoft.com/office/drawing/2010/main">
-        <mc:Choice Requires="a14">
-          <p:sp>
-            <p:nvSpPr>
-              <p:cNvPr id="3" name="内容占位符 2">
-                <a:extLst>
-                  <a:ext uri="{FF2B5EF4-FFF2-40B4-BE49-F238E27FC236}">
-                    <a16:creationId xmlns:a16="http://schemas.microsoft.com/office/drawing/2014/main" id="{627BEB56-02F9-40FF-942F-9AFA22622D53}"/>
-                  </a:ext>
-                </a:extLst>
-              </p:cNvPr>
-              <p:cNvSpPr>
-                <a:spLocks noGrp="1"/>
-              </p:cNvSpPr>
-              <p:nvPr>
-                <p:ph idx="1"/>
-              </p:nvPr>
-            </p:nvSpPr>
-            <p:spPr>
-              <a:xfrm>
-                <a:off x="576997" y="1744193"/>
-                <a:ext cx="10981430" cy="4765565"/>
-              </a:xfrm>
-            </p:spPr>
-            <p:txBody>
-              <a:bodyPr/>
-              <a:lstStyle/>
-              <a:p>
-                <a:r>
-                  <a:rPr lang="zh-CN" altLang="en-US" dirty="0">
-                    <a:solidFill>
-                      <a:schemeClr val="accent2">
-                        <a:lumMod val="50000"/>
-                      </a:schemeClr>
-                    </a:solidFill>
-                  </a:rPr>
-                  <a:t>连续统假设</a:t>
-                </a:r>
-                <a:r>
-                  <a:rPr lang="zh-CN" altLang="en-US" dirty="0"/>
-                  <a:t>：不存在基数在自然数集的基数</a:t>
-                </a:r>
-                <a:r>
-                  <a:rPr lang="en-US" altLang="zh-CN" dirty="0"/>
-                  <a:t>(</a:t>
-                </a:r>
-                <a14:m>
-                  <m:oMath xmlns:m="http://schemas.openxmlformats.org/officeDocument/2006/math">
-                    <m:sSub>
-                      <m:sSubPr>
-                        <m:ctrlPr>
-                          <a:rPr lang="en-US" altLang="zh-CN" i="1" smtClean="0">
-                            <a:latin typeface="Cambria Math" panose="02040503050406030204" pitchFamily="18" charset="0"/>
-                          </a:rPr>
-                        </m:ctrlPr>
-                      </m:sSubPr>
-                      <m:e>
-                        <m:r>
-                          <a:rPr lang="en-US" altLang="zh-CN" i="1" smtClean="0">
-                            <a:latin typeface="Cambria Math" panose="02040503050406030204" pitchFamily="18" charset="0"/>
-                            <a:ea typeface="Cambria Math" panose="02040503050406030204" pitchFamily="18" charset="0"/>
-                          </a:rPr>
-                          <m:t>ℵ</m:t>
-                        </m:r>
-                      </m:e>
-                      <m:sub>
-                        <m:r>
-                          <a:rPr lang="en-US" altLang="zh-CN" b="0" i="1" smtClean="0">
-                            <a:latin typeface="Cambria Math" panose="02040503050406030204" pitchFamily="18" charset="0"/>
-                          </a:rPr>
-                          <m:t>0</m:t>
-                        </m:r>
-                      </m:sub>
-                    </m:sSub>
-                  </m:oMath>
-                </a14:m>
-                <a:r>
-                  <a:rPr lang="en-US" altLang="zh-CN" dirty="0"/>
-                  <a:t>)</a:t>
-                </a:r>
-                <a:r>
-                  <a:rPr lang="zh-CN" altLang="en-US" dirty="0"/>
-                  <a:t>和实数集（连续统）的基数之间的无限集</a:t>
-                </a:r>
-                <a:r>
-                  <a:rPr lang="en-US" altLang="zh-CN" dirty="0"/>
-                  <a:t>.</a:t>
-                </a:r>
-              </a:p>
-              <a:p>
-                <a:pPr lvl="1"/>
-                <a:r>
-                  <a:rPr lang="zh-CN" altLang="en-US" dirty="0">
-                    <a:solidFill>
-                      <a:schemeClr val="accent2">
-                        <a:lumMod val="75000"/>
-                      </a:schemeClr>
-                    </a:solidFill>
-                  </a:rPr>
-                  <a:t>相关概念</a:t>
-                </a:r>
-                <a:r>
-                  <a:rPr lang="zh-CN" altLang="en-US" dirty="0"/>
-                  <a:t>：</a:t>
-                </a:r>
-                <a14:m>
-                  <m:oMath xmlns:m="http://schemas.openxmlformats.org/officeDocument/2006/math">
-                    <m:sSup>
-                      <m:sSupPr>
-                        <m:ctrlPr>
-                          <a:rPr lang="en-US" altLang="zh-CN" i="1" smtClean="0">
-                            <a:latin typeface="Cambria Math" panose="02040503050406030204" pitchFamily="18" charset="0"/>
-                          </a:rPr>
-                        </m:ctrlPr>
-                      </m:sSupPr>
-                      <m:e>
-                        <m:r>
-                          <a:rPr lang="zh-CN" altLang="en-US" i="1">
-                            <a:latin typeface="Cambria Math" panose="02040503050406030204" pitchFamily="18" charset="0"/>
-                          </a:rPr>
-                          <m:t>实数集</m:t>
-                        </m:r>
-                        <m:r>
-                          <a:rPr lang="zh-CN" altLang="en-US" i="1" smtClean="0">
-                            <a:latin typeface="Cambria Math" panose="02040503050406030204" pitchFamily="18" charset="0"/>
-                          </a:rPr>
-                          <m:t>的</m:t>
-                        </m:r>
-                        <m:r>
-                          <a:rPr lang="zh-CN" altLang="en-US" i="1">
-                            <a:latin typeface="Cambria Math" panose="02040503050406030204" pitchFamily="18" charset="0"/>
-                          </a:rPr>
-                          <m:t>基数</m:t>
-                        </m:r>
-                        <m:r>
-                          <a:rPr lang="zh-CN" altLang="en-US" i="1" smtClean="0">
-                            <a:latin typeface="Cambria Math" panose="02040503050406030204" pitchFamily="18" charset="0"/>
-                          </a:rPr>
-                          <m:t>：</m:t>
-                        </m:r>
-                        <m:r>
-                          <a:rPr lang="en-US" altLang="zh-CN" b="0" i="1" smtClean="0">
-                            <a:latin typeface="Cambria Math" panose="02040503050406030204" pitchFamily="18" charset="0"/>
-                          </a:rPr>
-                          <m:t>2</m:t>
-                        </m:r>
-                      </m:e>
-                      <m:sup>
-                        <m:sSub>
-                          <m:sSubPr>
-                            <m:ctrlPr>
-                              <a:rPr lang="en-US" altLang="zh-CN" i="1" smtClean="0">
-                                <a:latin typeface="Cambria Math" panose="02040503050406030204" pitchFamily="18" charset="0"/>
-                              </a:rPr>
-                            </m:ctrlPr>
-                          </m:sSubPr>
-                          <m:e>
-                            <m:r>
-                              <a:rPr lang="en-US" altLang="zh-CN" i="1" smtClean="0">
-                                <a:latin typeface="Cambria Math" panose="02040503050406030204" pitchFamily="18" charset="0"/>
-                                <a:ea typeface="Cambria Math" panose="02040503050406030204" pitchFamily="18" charset="0"/>
-                              </a:rPr>
-                              <m:t>ℵ</m:t>
-                            </m:r>
-                          </m:e>
-                          <m:sub>
-                            <m:r>
-                              <a:rPr lang="en-US" altLang="zh-CN" b="0" i="1" smtClean="0">
-                                <a:latin typeface="Cambria Math" panose="02040503050406030204" pitchFamily="18" charset="0"/>
-                              </a:rPr>
-                              <m:t>0</m:t>
-                            </m:r>
-                          </m:sub>
-                        </m:sSub>
-                      </m:sup>
-                    </m:sSup>
-                    <m:r>
-                      <a:rPr lang="zh-CN" altLang="en-US" i="1">
-                        <a:latin typeface="Cambria Math" panose="02040503050406030204" pitchFamily="18" charset="0"/>
-                      </a:rPr>
-                      <m:t>（</m:t>
-                    </m:r>
-                  </m:oMath>
-                </a14:m>
-                <a:r>
-                  <a:rPr lang="zh-CN" altLang="en-US" dirty="0"/>
-                  <a:t>每个元素都有两种可能性：存在于某个子集中和不存在于某个子集中）；</a:t>
-                </a:r>
-                <a:endParaRPr lang="en-US" altLang="zh-CN" dirty="0"/>
-              </a:p>
-              <a:p>
-                <a:pPr lvl="2"/>
-                <a:r>
-                  <a:rPr lang="zh-CN" altLang="en-US" dirty="0"/>
-                  <a:t>任何集合的基数都严格小于其幂集的基数，因此自然数的幂集不可数</a:t>
-                </a:r>
-                <a:endParaRPr lang="en-US" altLang="zh-CN" dirty="0"/>
-              </a:p>
-              <a:p>
-                <a:pPr lvl="2"/>
-                <a:r>
-                  <a:rPr lang="zh-CN" altLang="en-US" dirty="0"/>
-                  <a:t>连续统假设由康托尔（</a:t>
-                </a:r>
-                <a:r>
-                  <a:rPr lang="en-US" altLang="zh-CN" dirty="0"/>
-                  <a:t>1787</a:t>
-                </a:r>
-                <a:r>
-                  <a:rPr lang="zh-CN" altLang="en-US" dirty="0"/>
-                  <a:t>）提出，后又被希尔伯特于</a:t>
-                </a:r>
-                <a:r>
-                  <a:rPr lang="en-US" altLang="zh-CN" dirty="0"/>
-                  <a:t>1900</a:t>
-                </a:r>
-                <a:r>
-                  <a:rPr lang="zh-CN" altLang="en-US" dirty="0"/>
-                  <a:t>年放入其</a:t>
-                </a:r>
-                <a:r>
-                  <a:rPr lang="en-US" altLang="zh-CN" dirty="0"/>
-                  <a:t>23</a:t>
-                </a:r>
-                <a:r>
-                  <a:rPr lang="zh-CN" altLang="en-US" dirty="0"/>
-                  <a:t>个问题中，设被哥德尔（</a:t>
-                </a:r>
-                <a:r>
-                  <a:rPr lang="en-US" altLang="zh-CN" dirty="0"/>
-                  <a:t>1940</a:t>
-                </a:r>
-                <a:r>
-                  <a:rPr lang="zh-CN" altLang="en-US" dirty="0"/>
-                  <a:t>）和科恩（</a:t>
-                </a:r>
-                <a:r>
-                  <a:rPr lang="en-US" altLang="zh-CN" dirty="0"/>
-                  <a:t>1963</a:t>
-                </a:r>
-                <a:r>
-                  <a:rPr lang="zh-CN" altLang="en-US" dirty="0"/>
-                  <a:t>）证伪：该假设的解与</a:t>
-                </a:r>
-                <a:r>
-                  <a:rPr lang="en-US" altLang="zh-CN" dirty="0"/>
-                  <a:t>ZFC</a:t>
-                </a:r>
-                <a:r>
-                  <a:rPr lang="zh-CN" altLang="en-US" dirty="0"/>
-                  <a:t>无关。</a:t>
-                </a:r>
-                <a:endParaRPr lang="en-US" altLang="zh-CN" dirty="0"/>
-              </a:p>
-            </p:txBody>
-          </p:sp>
-        </mc:Choice>
-        <mc:Fallback xmlns="">
-          <p:sp>
-            <p:nvSpPr>
-              <p:cNvPr id="3" name="内容占位符 2">
-                <a:extLst>
-                  <a:ext uri="{FF2B5EF4-FFF2-40B4-BE49-F238E27FC236}">
-                    <a16:creationId xmlns:a16="http://schemas.microsoft.com/office/drawing/2014/main" id="{627BEB56-02F9-40FF-942F-9AFA22622D53}"/>
-                  </a:ext>
-                </a:extLst>
-              </p:cNvPr>
-              <p:cNvSpPr>
-                <a:spLocks noGrp="1" noRot="1" noChangeAspect="1" noMove="1" noResize="1" noEditPoints="1" noAdjustHandles="1" noChangeArrowheads="1" noChangeShapeType="1" noTextEdit="1"/>
-              </p:cNvSpPr>
-              <p:nvPr>
-                <p:ph idx="1"/>
-              </p:nvPr>
-            </p:nvSpPr>
-            <p:spPr>
-              <a:xfrm>
-                <a:off x="576997" y="1744193"/>
-                <a:ext cx="10981430" cy="4765565"/>
-              </a:xfrm>
-              <a:blipFill>
-                <a:blip r:embed="rId2"/>
-                <a:stretch>
-                  <a:fillRect l="-389" t="-639"/>
-                </a:stretch>
-              </a:blipFill>
-            </p:spPr>
-            <p:txBody>
-              <a:bodyPr/>
-              <a:lstStyle/>
-              <a:p>
-                <a:r>
-                  <a:rPr lang="zh-CN" altLang="en-US">
-                    <a:noFill/>
-                  </a:rPr>
-                  <a:t> </a:t>
-                </a:r>
-              </a:p>
-            </p:txBody>
-          </p:sp>
-        </mc:Fallback>
-      </mc:AlternateContent>
-    </p:spTree>
-    <p:extLst>
-      <p:ext uri="{BB962C8B-B14F-4D97-AF65-F5344CB8AC3E}">
-        <p14:creationId xmlns:p14="http://schemas.microsoft.com/office/powerpoint/2010/main" val="293865575"/>
+        <p14:creationId xmlns:p14="http://schemas.microsoft.com/office/powerpoint/2010/main" val="3867425759"/>
       </p:ext>
     </p:extLst>
   </p:cSld>
